--- a/cpp_250820.pptx
+++ b/cpp_250820.pptx
@@ -11,6 +11,14 @@
     <p:sldId id="259" r:id="rId5"/>
     <p:sldId id="260" r:id="rId6"/>
     <p:sldId id="261" r:id="rId7"/>
+    <p:sldId id="262" r:id="rId8"/>
+    <p:sldId id="263" r:id="rId9"/>
+    <p:sldId id="264" r:id="rId10"/>
+    <p:sldId id="265" r:id="rId11"/>
+    <p:sldId id="266" r:id="rId12"/>
+    <p:sldId id="267" r:id="rId13"/>
+    <p:sldId id="268" r:id="rId14"/>
+    <p:sldId id="269" r:id="rId15"/>
   </p:sldIdLst>
   <p:sldSz cx="12192000" cy="6858000"/>
   <p:notesSz cx="6858000" cy="9144000"/>
@@ -3588,6 +3596,5098 @@
 </p:sld>
 </file>
 
+<file path=ppt/slides/slide10.xml><?xml version="1.0" encoding="utf-8"?>
+<p:sld xmlns:a="http://schemas.openxmlformats.org/drawingml/2006/main" xmlns:r="http://schemas.openxmlformats.org/officeDocument/2006/relationships" xmlns:p="http://schemas.openxmlformats.org/presentationml/2006/main">
+  <p:cSld>
+    <p:spTree>
+      <p:nvGrpSpPr>
+        <p:cNvPr id="1" name="">
+          <a:extLst>
+            <a:ext uri="{FF2B5EF4-FFF2-40B4-BE49-F238E27FC236}">
+              <a16:creationId xmlns:a16="http://schemas.microsoft.com/office/drawing/2014/main" id="{DCE3BB17-5C02-0660-35AE-358CBBB5BBF4}"/>
+            </a:ext>
+          </a:extLst>
+        </p:cNvPr>
+        <p:cNvGrpSpPr/>
+        <p:nvPr/>
+      </p:nvGrpSpPr>
+      <p:grpSpPr>
+        <a:xfrm>
+          <a:off x="0" y="0"/>
+          <a:ext cx="0" cy="0"/>
+          <a:chOff x="0" y="0"/>
+          <a:chExt cx="0" cy="0"/>
+        </a:xfrm>
+      </p:grpSpPr>
+      <p:sp>
+        <p:nvSpPr>
+          <p:cNvPr id="13" name="직사각형 12">
+            <a:extLst>
+              <a:ext uri="{FF2B5EF4-FFF2-40B4-BE49-F238E27FC236}">
+                <a16:creationId xmlns:a16="http://schemas.microsoft.com/office/drawing/2014/main" id="{3F165CEA-F510-77FF-3C58-B8C22C059C2A}"/>
+              </a:ext>
+            </a:extLst>
+          </p:cNvPr>
+          <p:cNvSpPr/>
+          <p:nvPr/>
+        </p:nvSpPr>
+        <p:spPr>
+          <a:xfrm>
+            <a:off x="2503336" y="3516925"/>
+            <a:ext cx="3681454" cy="2598751"/>
+          </a:xfrm>
+          <a:prstGeom prst="rect">
+            <a:avLst/>
+          </a:prstGeom>
+          <a:solidFill>
+            <a:schemeClr val="bg1"/>
+          </a:solidFill>
+        </p:spPr>
+        <p:style>
+          <a:lnRef idx="2">
+            <a:schemeClr val="accent1">
+              <a:shade val="15000"/>
+            </a:schemeClr>
+          </a:lnRef>
+          <a:fillRef idx="1">
+            <a:schemeClr val="accent1"/>
+          </a:fillRef>
+          <a:effectRef idx="0">
+            <a:schemeClr val="accent1"/>
+          </a:effectRef>
+          <a:fontRef idx="minor">
+            <a:schemeClr val="lt1"/>
+          </a:fontRef>
+        </p:style>
+        <p:txBody>
+          <a:bodyPr rtlCol="0" anchor="ctr"/>
+          <a:lstStyle/>
+          <a:p>
+            <a:pPr algn="ctr"/>
+            <a:endParaRPr kumimoji="1" lang="ko-KR" altLang="en-US" sz="1400" dirty="0">
+              <a:solidFill>
+                <a:schemeClr val="tx1"/>
+              </a:solidFill>
+              <a:latin typeface="DM Mono" panose="020B0509040201040103" pitchFamily="49" charset="0"/>
+            </a:endParaRPr>
+          </a:p>
+        </p:txBody>
+      </p:sp>
+      <p:sp>
+        <p:nvSpPr>
+          <p:cNvPr id="5" name="TextBox 4">
+            <a:extLst>
+              <a:ext uri="{FF2B5EF4-FFF2-40B4-BE49-F238E27FC236}">
+                <a16:creationId xmlns:a16="http://schemas.microsoft.com/office/drawing/2014/main" id="{4D8FC71D-7A7A-0785-9F9C-A4405834FB83}"/>
+              </a:ext>
+            </a:extLst>
+          </p:cNvPr>
+          <p:cNvSpPr txBox="1"/>
+          <p:nvPr/>
+        </p:nvSpPr>
+        <p:spPr>
+          <a:xfrm>
+            <a:off x="799106" y="506896"/>
+            <a:ext cx="3693381" cy="3139321"/>
+          </a:xfrm>
+          <a:prstGeom prst="rect">
+            <a:avLst/>
+          </a:prstGeom>
+          <a:noFill/>
+        </p:spPr>
+        <p:txBody>
+          <a:bodyPr wrap="square">
+            <a:spAutoFit/>
+          </a:bodyPr>
+          <a:lstStyle/>
+          <a:p>
+            <a:r>
+              <a:rPr lang="en-US" altLang="ko-KR" dirty="0">
+                <a:latin typeface="DM Mono" panose="020B0509040201040103" pitchFamily="49" charset="0"/>
+              </a:rPr>
+              <a:t>void Increment(</a:t>
+            </a:r>
+            <a:r>
+              <a:rPr lang="en-US" altLang="ko-KR" dirty="0">
+                <a:solidFill>
+                  <a:srgbClr val="FF0000"/>
+                </a:solidFill>
+                <a:latin typeface="DM Mono" panose="020B0509040201040103" pitchFamily="49" charset="0"/>
+              </a:rPr>
+              <a:t>int x</a:t>
+            </a:r>
+            <a:r>
+              <a:rPr lang="en-US" altLang="ko-KR" dirty="0">
+                <a:latin typeface="DM Mono" panose="020B0509040201040103" pitchFamily="49" charset="0"/>
+              </a:rPr>
+              <a:t>)</a:t>
+            </a:r>
+          </a:p>
+          <a:p>
+            <a:r>
+              <a:rPr lang="en-US" altLang="ko-KR" dirty="0">
+                <a:latin typeface="DM Mono" panose="020B0509040201040103" pitchFamily="49" charset="0"/>
+              </a:rPr>
+              <a:t>{</a:t>
+            </a:r>
+          </a:p>
+          <a:p>
+            <a:r>
+              <a:rPr lang="en-US" altLang="ko-KR" dirty="0">
+                <a:solidFill>
+                  <a:srgbClr val="FF0000"/>
+                </a:solidFill>
+                <a:latin typeface="DM Mono" panose="020B0509040201040103" pitchFamily="49" charset="0"/>
+              </a:rPr>
+              <a:t>    ++x;</a:t>
+            </a:r>
+          </a:p>
+          <a:p>
+            <a:r>
+              <a:rPr lang="en-US" altLang="ko-KR" dirty="0">
+                <a:latin typeface="DM Mono" panose="020B0509040201040103" pitchFamily="49" charset="0"/>
+              </a:rPr>
+              <a:t>}</a:t>
+            </a:r>
+          </a:p>
+          <a:p>
+            <a:br>
+              <a:rPr lang="en-US" altLang="ko-KR" dirty="0">
+                <a:latin typeface="DM Mono" panose="020B0509040201040103" pitchFamily="49" charset="0"/>
+              </a:rPr>
+            </a:br>
+            <a:endParaRPr lang="en-US" altLang="ko-KR" dirty="0">
+              <a:latin typeface="DM Mono" panose="020B0509040201040103" pitchFamily="49" charset="0"/>
+            </a:endParaRPr>
+          </a:p>
+          <a:p>
+            <a:r>
+              <a:rPr lang="en-US" altLang="ko-KR" dirty="0">
+                <a:latin typeface="DM Mono" panose="020B0509040201040103" pitchFamily="49" charset="0"/>
+              </a:rPr>
+              <a:t>int main()</a:t>
+            </a:r>
+          </a:p>
+          <a:p>
+            <a:r>
+              <a:rPr lang="en-US" altLang="ko-KR" dirty="0">
+                <a:latin typeface="DM Mono" panose="020B0509040201040103" pitchFamily="49" charset="0"/>
+              </a:rPr>
+              <a:t>{</a:t>
+            </a:r>
+          </a:p>
+          <a:p>
+            <a:r>
+              <a:rPr lang="en-US" altLang="ko-KR" dirty="0">
+                <a:latin typeface="DM Mono" panose="020B0509040201040103" pitchFamily="49" charset="0"/>
+              </a:rPr>
+              <a:t>    int x = 10;</a:t>
+            </a:r>
+          </a:p>
+          <a:p>
+            <a:r>
+              <a:rPr lang="en-US" altLang="ko-KR" dirty="0">
+                <a:solidFill>
+                  <a:srgbClr val="FF0000"/>
+                </a:solidFill>
+                <a:latin typeface="DM Mono" panose="020B0509040201040103" pitchFamily="49" charset="0"/>
+              </a:rPr>
+              <a:t>    Increment(x);</a:t>
+            </a:r>
+          </a:p>
+          <a:p>
+            <a:r>
+              <a:rPr lang="en-US" altLang="ko-KR" dirty="0">
+                <a:latin typeface="DM Mono" panose="020B0509040201040103" pitchFamily="49" charset="0"/>
+              </a:rPr>
+              <a:t>}</a:t>
+            </a:r>
+          </a:p>
+        </p:txBody>
+      </p:sp>
+      <p:grpSp>
+        <p:nvGrpSpPr>
+          <p:cNvPr id="9" name="그룹 8">
+            <a:extLst>
+              <a:ext uri="{FF2B5EF4-FFF2-40B4-BE49-F238E27FC236}">
+                <a16:creationId xmlns:a16="http://schemas.microsoft.com/office/drawing/2014/main" id="{D145F0A2-221F-72B5-4850-A0ABC03A084F}"/>
+              </a:ext>
+            </a:extLst>
+          </p:cNvPr>
+          <p:cNvGrpSpPr/>
+          <p:nvPr/>
+        </p:nvGrpSpPr>
+        <p:grpSpPr>
+          <a:xfrm>
+            <a:off x="2751153" y="4309607"/>
+            <a:ext cx="2544417" cy="644056"/>
+            <a:chOff x="4017287" y="4309607"/>
+            <a:chExt cx="1278281" cy="644056"/>
+          </a:xfrm>
+        </p:grpSpPr>
+        <p:sp>
+          <p:nvSpPr>
+            <p:cNvPr id="6" name="직사각형 5">
+              <a:extLst>
+                <a:ext uri="{FF2B5EF4-FFF2-40B4-BE49-F238E27FC236}">
+                  <a16:creationId xmlns:a16="http://schemas.microsoft.com/office/drawing/2014/main" id="{75A464C1-47C1-54CC-AC8B-A7A513B22521}"/>
+                </a:ext>
+              </a:extLst>
+            </p:cNvPr>
+            <p:cNvSpPr/>
+            <p:nvPr/>
+          </p:nvSpPr>
+          <p:spPr>
+            <a:xfrm>
+              <a:off x="4504631" y="4309607"/>
+              <a:ext cx="790937" cy="644056"/>
+            </a:xfrm>
+            <a:prstGeom prst="rect">
+              <a:avLst/>
+            </a:prstGeom>
+            <a:solidFill>
+              <a:srgbClr val="FFFF00"/>
+            </a:solidFill>
+          </p:spPr>
+          <p:style>
+            <a:lnRef idx="2">
+              <a:schemeClr val="accent1">
+                <a:shade val="15000"/>
+              </a:schemeClr>
+            </a:lnRef>
+            <a:fillRef idx="1">
+              <a:schemeClr val="accent1"/>
+            </a:fillRef>
+            <a:effectRef idx="0">
+              <a:schemeClr val="accent1"/>
+            </a:effectRef>
+            <a:fontRef idx="minor">
+              <a:schemeClr val="lt1"/>
+            </a:fontRef>
+          </p:style>
+          <p:txBody>
+            <a:bodyPr rtlCol="0" anchor="ctr"/>
+            <a:lstStyle/>
+            <a:p>
+              <a:pPr algn="ctr"/>
+              <a:r>
+                <a:rPr kumimoji="1" lang="en-US" altLang="ko-KR" sz="1400" dirty="0">
+                  <a:solidFill>
+                    <a:srgbClr val="FF0000"/>
+                  </a:solidFill>
+                  <a:latin typeface="DM Mono" panose="020B0509040201040103" pitchFamily="49" charset="0"/>
+                </a:rPr>
+                <a:t>10</a:t>
+              </a:r>
+              <a:endParaRPr kumimoji="1" lang="ko-KR" altLang="en-US" sz="1400" dirty="0">
+                <a:solidFill>
+                  <a:srgbClr val="FF0000"/>
+                </a:solidFill>
+                <a:latin typeface="DM Mono" panose="020B0509040201040103" pitchFamily="49" charset="0"/>
+              </a:endParaRPr>
+            </a:p>
+          </p:txBody>
+        </p:sp>
+        <p:sp>
+          <p:nvSpPr>
+            <p:cNvPr id="8" name="TextBox 7">
+              <a:extLst>
+                <a:ext uri="{FF2B5EF4-FFF2-40B4-BE49-F238E27FC236}">
+                  <a16:creationId xmlns:a16="http://schemas.microsoft.com/office/drawing/2014/main" id="{A97E55B3-200B-70A1-BD64-2E1078DB1AA7}"/>
+                </a:ext>
+              </a:extLst>
+            </p:cNvPr>
+            <p:cNvSpPr txBox="1"/>
+            <p:nvPr/>
+          </p:nvSpPr>
+          <p:spPr>
+            <a:xfrm>
+              <a:off x="4017287" y="4446969"/>
+              <a:ext cx="442405" cy="369332"/>
+            </a:xfrm>
+            <a:prstGeom prst="rect">
+              <a:avLst/>
+            </a:prstGeom>
+            <a:noFill/>
+          </p:spPr>
+          <p:txBody>
+            <a:bodyPr wrap="square">
+              <a:spAutoFit/>
+            </a:bodyPr>
+            <a:lstStyle/>
+            <a:p>
+              <a:pPr algn="r"/>
+              <a:r>
+                <a:rPr lang="en-US" altLang="ko-KR" sz="1800" dirty="0">
+                  <a:latin typeface="DM Mono" panose="020B0509040201040103" pitchFamily="49" charset="0"/>
+                </a:rPr>
+                <a:t>x</a:t>
+              </a:r>
+              <a:endParaRPr lang="ko-KR" altLang="en-US" dirty="0">
+                <a:solidFill>
+                  <a:srgbClr val="FF0000"/>
+                </a:solidFill>
+              </a:endParaRPr>
+            </a:p>
+          </p:txBody>
+        </p:sp>
+      </p:grpSp>
+      <p:sp>
+        <p:nvSpPr>
+          <p:cNvPr id="11" name="TextBox 10">
+            <a:extLst>
+              <a:ext uri="{FF2B5EF4-FFF2-40B4-BE49-F238E27FC236}">
+                <a16:creationId xmlns:a16="http://schemas.microsoft.com/office/drawing/2014/main" id="{4299E862-CAA5-537F-6F03-5594B1C989D7}"/>
+              </a:ext>
+            </a:extLst>
+          </p:cNvPr>
+          <p:cNvSpPr txBox="1"/>
+          <p:nvPr/>
+        </p:nvSpPr>
+        <p:spPr>
+          <a:xfrm>
+            <a:off x="3631758" y="4032608"/>
+            <a:ext cx="1721458" cy="276999"/>
+          </a:xfrm>
+          <a:prstGeom prst="rect">
+            <a:avLst/>
+          </a:prstGeom>
+          <a:noFill/>
+        </p:spPr>
+        <p:txBody>
+          <a:bodyPr wrap="square">
+            <a:spAutoFit/>
+          </a:bodyPr>
+          <a:lstStyle/>
+          <a:p>
+            <a:r>
+              <a:rPr kumimoji="1" lang="en-US" altLang="ko-KR" sz="1200" dirty="0">
+                <a:solidFill>
+                  <a:schemeClr val="tx1"/>
+                </a:solidFill>
+                <a:latin typeface="DM Mono" panose="020B0509040201040103" pitchFamily="49" charset="0"/>
+              </a:rPr>
+              <a:t>0x2000</a:t>
+            </a:r>
+            <a:endParaRPr lang="ko-KR" altLang="en-US" sz="1200" dirty="0"/>
+          </a:p>
+        </p:txBody>
+      </p:sp>
+    </p:spTree>
+    <p:extLst>
+      <p:ext uri="{BB962C8B-B14F-4D97-AF65-F5344CB8AC3E}">
+        <p14:creationId xmlns:p14="http://schemas.microsoft.com/office/powerpoint/2010/main" val="3242016067"/>
+      </p:ext>
+    </p:extLst>
+  </p:cSld>
+  <p:clrMapOvr>
+    <a:masterClrMapping/>
+  </p:clrMapOvr>
+</p:sld>
+</file>
+
+<file path=ppt/slides/slide11.xml><?xml version="1.0" encoding="utf-8"?>
+<p:sld xmlns:a="http://schemas.openxmlformats.org/drawingml/2006/main" xmlns:r="http://schemas.openxmlformats.org/officeDocument/2006/relationships" xmlns:p="http://schemas.openxmlformats.org/presentationml/2006/main">
+  <p:cSld>
+    <p:spTree>
+      <p:nvGrpSpPr>
+        <p:cNvPr id="1" name=""/>
+        <p:cNvGrpSpPr/>
+        <p:nvPr/>
+      </p:nvGrpSpPr>
+      <p:grpSpPr>
+        <a:xfrm>
+          <a:off x="0" y="0"/>
+          <a:ext cx="0" cy="0"/>
+          <a:chOff x="0" y="0"/>
+          <a:chExt cx="0" cy="0"/>
+        </a:xfrm>
+      </p:grpSpPr>
+      <p:sp>
+        <p:nvSpPr>
+          <p:cNvPr id="5" name="TextBox 4">
+            <a:extLst>
+              <a:ext uri="{FF2B5EF4-FFF2-40B4-BE49-F238E27FC236}">
+                <a16:creationId xmlns:a16="http://schemas.microsoft.com/office/drawing/2014/main" id="{FD5626FF-F48A-8DD2-60A5-9D45B172EB29}"/>
+              </a:ext>
+            </a:extLst>
+          </p:cNvPr>
+          <p:cNvSpPr txBox="1"/>
+          <p:nvPr/>
+        </p:nvSpPr>
+        <p:spPr>
+          <a:xfrm>
+            <a:off x="353834" y="285757"/>
+            <a:ext cx="4393096" cy="3880486"/>
+          </a:xfrm>
+          <a:prstGeom prst="rect">
+            <a:avLst/>
+          </a:prstGeom>
+          <a:noFill/>
+        </p:spPr>
+        <p:txBody>
+          <a:bodyPr wrap="square">
+            <a:spAutoFit/>
+          </a:bodyPr>
+          <a:lstStyle/>
+          <a:p>
+            <a:pPr>
+              <a:lnSpc>
+                <a:spcPts val="2700"/>
+              </a:lnSpc>
+              <a:buNone/>
+            </a:pPr>
+            <a:r>
+              <a:rPr lang="en-US" altLang="ko-KR" b="0" dirty="0">
+                <a:effectLst/>
+                <a:latin typeface="DM Mono" panose="020B0509040201040103" pitchFamily="49" charset="0"/>
+              </a:rPr>
+              <a:t>class Point</a:t>
+            </a:r>
+          </a:p>
+          <a:p>
+            <a:pPr>
+              <a:lnSpc>
+                <a:spcPts val="2700"/>
+              </a:lnSpc>
+              <a:buNone/>
+            </a:pPr>
+            <a:r>
+              <a:rPr lang="en-US" altLang="ko-KR" b="0" dirty="0">
+                <a:effectLst/>
+                <a:latin typeface="DM Mono" panose="020B0509040201040103" pitchFamily="49" charset="0"/>
+              </a:rPr>
+              <a:t>{</a:t>
+            </a:r>
+          </a:p>
+          <a:p>
+            <a:pPr>
+              <a:lnSpc>
+                <a:spcPts val="2700"/>
+              </a:lnSpc>
+              <a:buNone/>
+            </a:pPr>
+            <a:r>
+              <a:rPr lang="en-US" altLang="ko-KR" b="0" dirty="0">
+                <a:effectLst/>
+                <a:latin typeface="DM Mono" panose="020B0509040201040103" pitchFamily="49" charset="0"/>
+              </a:rPr>
+              <a:t>  int x = 0;</a:t>
+            </a:r>
+          </a:p>
+          <a:p>
+            <a:pPr>
+              <a:lnSpc>
+                <a:spcPts val="2700"/>
+              </a:lnSpc>
+              <a:buNone/>
+            </a:pPr>
+            <a:r>
+              <a:rPr lang="en-US" altLang="ko-KR" b="0" dirty="0">
+                <a:effectLst/>
+                <a:latin typeface="DM Mono" panose="020B0509040201040103" pitchFamily="49" charset="0"/>
+              </a:rPr>
+              <a:t>  int y = 0;</a:t>
+            </a:r>
+          </a:p>
+          <a:p>
+            <a:pPr>
+              <a:lnSpc>
+                <a:spcPts val="2700"/>
+              </a:lnSpc>
+              <a:buNone/>
+            </a:pPr>
+            <a:r>
+              <a:rPr lang="en-US" altLang="ko-KR" b="0" dirty="0">
+                <a:effectLst/>
+                <a:latin typeface="DM Mono" panose="020B0509040201040103" pitchFamily="49" charset="0"/>
+              </a:rPr>
+              <a:t>public:</a:t>
+            </a:r>
+          </a:p>
+          <a:p>
+            <a:pPr>
+              <a:lnSpc>
+                <a:spcPts val="2700"/>
+              </a:lnSpc>
+              <a:buNone/>
+            </a:pPr>
+            <a:r>
+              <a:rPr lang="en-US" altLang="ko-KR" b="0" dirty="0">
+                <a:effectLst/>
+                <a:latin typeface="DM Mono" panose="020B0509040201040103" pitchFamily="49" charset="0"/>
+              </a:rPr>
+              <a:t>  void Set(int a, int b)</a:t>
+            </a:r>
+          </a:p>
+          <a:p>
+            <a:pPr>
+              <a:lnSpc>
+                <a:spcPts val="2700"/>
+              </a:lnSpc>
+              <a:buNone/>
+            </a:pPr>
+            <a:r>
+              <a:rPr lang="en-US" altLang="ko-KR" b="0" dirty="0">
+                <a:effectLst/>
+                <a:latin typeface="DM Mono" panose="020B0509040201040103" pitchFamily="49" charset="0"/>
+              </a:rPr>
+              <a:t>  {</a:t>
+            </a:r>
+          </a:p>
+          <a:p>
+            <a:pPr>
+              <a:lnSpc>
+                <a:spcPts val="2700"/>
+              </a:lnSpc>
+              <a:buNone/>
+            </a:pPr>
+            <a:r>
+              <a:rPr lang="en-US" altLang="ko-KR" b="0" dirty="0">
+                <a:effectLst/>
+                <a:latin typeface="DM Mono" panose="020B0509040201040103" pitchFamily="49" charset="0"/>
+              </a:rPr>
+              <a:t>    x = a;</a:t>
+            </a:r>
+          </a:p>
+          <a:p>
+            <a:pPr>
+              <a:lnSpc>
+                <a:spcPts val="2700"/>
+              </a:lnSpc>
+              <a:buNone/>
+            </a:pPr>
+            <a:r>
+              <a:rPr lang="en-US" altLang="ko-KR" b="0" dirty="0">
+                <a:effectLst/>
+                <a:latin typeface="DM Mono" panose="020B0509040201040103" pitchFamily="49" charset="0"/>
+              </a:rPr>
+              <a:t>    y = b;</a:t>
+            </a:r>
+          </a:p>
+          <a:p>
+            <a:pPr>
+              <a:lnSpc>
+                <a:spcPts val="2700"/>
+              </a:lnSpc>
+              <a:buNone/>
+            </a:pPr>
+            <a:r>
+              <a:rPr lang="en-US" altLang="ko-KR" b="0" dirty="0">
+                <a:effectLst/>
+                <a:latin typeface="DM Mono" panose="020B0509040201040103" pitchFamily="49" charset="0"/>
+              </a:rPr>
+              <a:t>  }</a:t>
+            </a:r>
+          </a:p>
+          <a:p>
+            <a:pPr>
+              <a:lnSpc>
+                <a:spcPts val="2700"/>
+              </a:lnSpc>
+              <a:buNone/>
+            </a:pPr>
+            <a:r>
+              <a:rPr lang="en-US" altLang="ko-KR" b="0" dirty="0">
+                <a:effectLst/>
+                <a:latin typeface="DM Mono" panose="020B0509040201040103" pitchFamily="49" charset="0"/>
+              </a:rPr>
+              <a:t>};</a:t>
+            </a:r>
+          </a:p>
+        </p:txBody>
+      </p:sp>
+      <p:sp>
+        <p:nvSpPr>
+          <p:cNvPr id="7" name="TextBox 6">
+            <a:extLst>
+              <a:ext uri="{FF2B5EF4-FFF2-40B4-BE49-F238E27FC236}">
+                <a16:creationId xmlns:a16="http://schemas.microsoft.com/office/drawing/2014/main" id="{22203654-2797-212B-7B1D-57FB60039556}"/>
+              </a:ext>
+            </a:extLst>
+          </p:cNvPr>
+          <p:cNvSpPr txBox="1"/>
+          <p:nvPr/>
+        </p:nvSpPr>
+        <p:spPr>
+          <a:xfrm>
+            <a:off x="433345" y="4352145"/>
+            <a:ext cx="3430988" cy="1788310"/>
+          </a:xfrm>
+          <a:prstGeom prst="rect">
+            <a:avLst/>
+          </a:prstGeom>
+          <a:noFill/>
+        </p:spPr>
+        <p:txBody>
+          <a:bodyPr wrap="square">
+            <a:spAutoFit/>
+          </a:bodyPr>
+          <a:lstStyle/>
+          <a:p>
+            <a:pPr>
+              <a:lnSpc>
+                <a:spcPts val="2700"/>
+              </a:lnSpc>
+              <a:buNone/>
+            </a:pPr>
+            <a:r>
+              <a:rPr lang="en-US" altLang="ko-KR" b="0" dirty="0">
+                <a:effectLst/>
+                <a:latin typeface="DM Mono" panose="020B0509040201040103" pitchFamily="49" charset="0"/>
+              </a:rPr>
+              <a:t>Point pt1;</a:t>
+            </a:r>
+          </a:p>
+          <a:p>
+            <a:pPr>
+              <a:lnSpc>
+                <a:spcPts val="2700"/>
+              </a:lnSpc>
+              <a:buNone/>
+            </a:pPr>
+            <a:r>
+              <a:rPr lang="en-US" altLang="ko-KR" b="0" dirty="0">
+                <a:effectLst/>
+                <a:latin typeface="DM Mono" panose="020B0509040201040103" pitchFamily="49" charset="0"/>
+              </a:rPr>
+              <a:t>Point pt2;</a:t>
+            </a:r>
+          </a:p>
+          <a:p>
+            <a:pPr>
+              <a:lnSpc>
+                <a:spcPts val="2700"/>
+              </a:lnSpc>
+              <a:buNone/>
+            </a:pPr>
+            <a:endParaRPr lang="en-US" altLang="ko-KR" b="0" dirty="0">
+              <a:effectLst/>
+              <a:latin typeface="DM Mono" panose="020B0509040201040103" pitchFamily="49" charset="0"/>
+            </a:endParaRPr>
+          </a:p>
+          <a:p>
+            <a:pPr>
+              <a:lnSpc>
+                <a:spcPts val="2700"/>
+              </a:lnSpc>
+              <a:buNone/>
+            </a:pPr>
+            <a:r>
+              <a:rPr lang="en-US" altLang="ko-KR" b="0" dirty="0">
+                <a:effectLst/>
+                <a:latin typeface="DM Mono" panose="020B0509040201040103" pitchFamily="49" charset="0"/>
+              </a:rPr>
+              <a:t>pt1.Set(10, 20);</a:t>
+            </a:r>
+          </a:p>
+          <a:p>
+            <a:pPr>
+              <a:lnSpc>
+                <a:spcPts val="2700"/>
+              </a:lnSpc>
+              <a:buNone/>
+            </a:pPr>
+            <a:r>
+              <a:rPr lang="en-US" altLang="ko-KR" b="0" dirty="0">
+                <a:effectLst/>
+                <a:latin typeface="DM Mono" panose="020B0509040201040103" pitchFamily="49" charset="0"/>
+              </a:rPr>
+              <a:t>pt2.Set(100, 200);</a:t>
+            </a:r>
+          </a:p>
+        </p:txBody>
+      </p:sp>
+      <p:sp>
+        <p:nvSpPr>
+          <p:cNvPr id="8" name="직사각형 7">
+            <a:extLst>
+              <a:ext uri="{FF2B5EF4-FFF2-40B4-BE49-F238E27FC236}">
+                <a16:creationId xmlns:a16="http://schemas.microsoft.com/office/drawing/2014/main" id="{6BDF91B9-98E3-DE10-BCC0-FFC97A7A5EDC}"/>
+              </a:ext>
+            </a:extLst>
+          </p:cNvPr>
+          <p:cNvSpPr/>
+          <p:nvPr/>
+        </p:nvSpPr>
+        <p:spPr>
+          <a:xfrm>
+            <a:off x="5308820" y="4352145"/>
+            <a:ext cx="1036321" cy="545858"/>
+          </a:xfrm>
+          <a:prstGeom prst="rect">
+            <a:avLst/>
+          </a:prstGeom>
+          <a:solidFill>
+            <a:srgbClr val="FFFF00"/>
+          </a:solidFill>
+        </p:spPr>
+        <p:style>
+          <a:lnRef idx="2">
+            <a:schemeClr val="accent1">
+              <a:shade val="15000"/>
+            </a:schemeClr>
+          </a:lnRef>
+          <a:fillRef idx="1">
+            <a:schemeClr val="accent1"/>
+          </a:fillRef>
+          <a:effectRef idx="0">
+            <a:schemeClr val="accent1"/>
+          </a:effectRef>
+          <a:fontRef idx="minor">
+            <a:schemeClr val="lt1"/>
+          </a:fontRef>
+        </p:style>
+        <p:txBody>
+          <a:bodyPr rtlCol="0" anchor="ctr"/>
+          <a:lstStyle/>
+          <a:p>
+            <a:pPr algn="ctr"/>
+            <a:r>
+              <a:rPr kumimoji="1" lang="en-US" altLang="ko-KR" sz="1400" dirty="0">
+                <a:solidFill>
+                  <a:schemeClr val="tx1"/>
+                </a:solidFill>
+                <a:latin typeface="DM Mono" panose="020B0509040201040103" pitchFamily="49" charset="0"/>
+              </a:rPr>
+              <a:t>0</a:t>
+            </a:r>
+            <a:endParaRPr kumimoji="1" lang="ko-KR" altLang="en-US" sz="1400" dirty="0">
+              <a:solidFill>
+                <a:schemeClr val="tx1"/>
+              </a:solidFill>
+              <a:latin typeface="DM Mono" panose="020B0509040201040103" pitchFamily="49" charset="0"/>
+            </a:endParaRPr>
+          </a:p>
+        </p:txBody>
+      </p:sp>
+      <p:sp>
+        <p:nvSpPr>
+          <p:cNvPr id="9" name="직사각형 8">
+            <a:extLst>
+              <a:ext uri="{FF2B5EF4-FFF2-40B4-BE49-F238E27FC236}">
+                <a16:creationId xmlns:a16="http://schemas.microsoft.com/office/drawing/2014/main" id="{F601CFB3-BEB5-9094-E90C-3434040D96EF}"/>
+              </a:ext>
+            </a:extLst>
+          </p:cNvPr>
+          <p:cNvSpPr/>
+          <p:nvPr/>
+        </p:nvSpPr>
+        <p:spPr>
+          <a:xfrm>
+            <a:off x="5308820" y="4898003"/>
+            <a:ext cx="1036321" cy="545858"/>
+          </a:xfrm>
+          <a:prstGeom prst="rect">
+            <a:avLst/>
+          </a:prstGeom>
+          <a:solidFill>
+            <a:srgbClr val="FFFF00"/>
+          </a:solidFill>
+        </p:spPr>
+        <p:style>
+          <a:lnRef idx="2">
+            <a:schemeClr val="accent1">
+              <a:shade val="15000"/>
+            </a:schemeClr>
+          </a:lnRef>
+          <a:fillRef idx="1">
+            <a:schemeClr val="accent1"/>
+          </a:fillRef>
+          <a:effectRef idx="0">
+            <a:schemeClr val="accent1"/>
+          </a:effectRef>
+          <a:fontRef idx="minor">
+            <a:schemeClr val="lt1"/>
+          </a:fontRef>
+        </p:style>
+        <p:txBody>
+          <a:bodyPr rtlCol="0" anchor="ctr"/>
+          <a:lstStyle/>
+          <a:p>
+            <a:pPr algn="ctr"/>
+            <a:r>
+              <a:rPr kumimoji="1" lang="en-US" altLang="ko-KR" sz="1400" dirty="0">
+                <a:solidFill>
+                  <a:schemeClr val="tx1"/>
+                </a:solidFill>
+                <a:latin typeface="DM Mono" panose="020B0509040201040103" pitchFamily="49" charset="0"/>
+              </a:rPr>
+              <a:t>0</a:t>
+            </a:r>
+            <a:endParaRPr kumimoji="1" lang="ko-KR" altLang="en-US" sz="1400" dirty="0">
+              <a:solidFill>
+                <a:schemeClr val="tx1"/>
+              </a:solidFill>
+              <a:latin typeface="DM Mono" panose="020B0509040201040103" pitchFamily="49" charset="0"/>
+            </a:endParaRPr>
+          </a:p>
+        </p:txBody>
+      </p:sp>
+      <p:sp>
+        <p:nvSpPr>
+          <p:cNvPr id="10" name="직사각형 9">
+            <a:extLst>
+              <a:ext uri="{FF2B5EF4-FFF2-40B4-BE49-F238E27FC236}">
+                <a16:creationId xmlns:a16="http://schemas.microsoft.com/office/drawing/2014/main" id="{88AB6A66-0926-9811-3964-601BD9954315}"/>
+              </a:ext>
+            </a:extLst>
+          </p:cNvPr>
+          <p:cNvSpPr/>
+          <p:nvPr/>
+        </p:nvSpPr>
+        <p:spPr>
+          <a:xfrm>
+            <a:off x="4886077" y="4352145"/>
+            <a:ext cx="422743" cy="545858"/>
+          </a:xfrm>
+          <a:prstGeom prst="rect">
+            <a:avLst/>
+          </a:prstGeom>
+          <a:solidFill>
+            <a:schemeClr val="bg1"/>
+          </a:solidFill>
+          <a:ln>
+            <a:noFill/>
+          </a:ln>
+        </p:spPr>
+        <p:style>
+          <a:lnRef idx="2">
+            <a:schemeClr val="accent1">
+              <a:shade val="15000"/>
+            </a:schemeClr>
+          </a:lnRef>
+          <a:fillRef idx="1">
+            <a:schemeClr val="accent1"/>
+          </a:fillRef>
+          <a:effectRef idx="0">
+            <a:schemeClr val="accent1"/>
+          </a:effectRef>
+          <a:fontRef idx="minor">
+            <a:schemeClr val="lt1"/>
+          </a:fontRef>
+        </p:style>
+        <p:txBody>
+          <a:bodyPr rtlCol="0" anchor="ctr"/>
+          <a:lstStyle/>
+          <a:p>
+            <a:pPr algn="ctr"/>
+            <a:r>
+              <a:rPr kumimoji="1" lang="en-US" altLang="ko-KR" sz="1400" dirty="0">
+                <a:solidFill>
+                  <a:schemeClr val="tx1"/>
+                </a:solidFill>
+                <a:latin typeface="DM Mono" panose="020B0509040201040103" pitchFamily="49" charset="0"/>
+              </a:rPr>
+              <a:t>x</a:t>
+            </a:r>
+            <a:endParaRPr kumimoji="1" lang="ko-KR" altLang="en-US" sz="1400" dirty="0">
+              <a:solidFill>
+                <a:schemeClr val="tx1"/>
+              </a:solidFill>
+              <a:latin typeface="DM Mono" panose="020B0509040201040103" pitchFamily="49" charset="0"/>
+            </a:endParaRPr>
+          </a:p>
+        </p:txBody>
+      </p:sp>
+      <p:sp>
+        <p:nvSpPr>
+          <p:cNvPr id="11" name="직사각형 10">
+            <a:extLst>
+              <a:ext uri="{FF2B5EF4-FFF2-40B4-BE49-F238E27FC236}">
+                <a16:creationId xmlns:a16="http://schemas.microsoft.com/office/drawing/2014/main" id="{87627E1C-68D8-22C5-3D3B-80AC0EF55B05}"/>
+              </a:ext>
+            </a:extLst>
+          </p:cNvPr>
+          <p:cNvSpPr/>
+          <p:nvPr/>
+        </p:nvSpPr>
+        <p:spPr>
+          <a:xfrm>
+            <a:off x="4886077" y="4898003"/>
+            <a:ext cx="422743" cy="545858"/>
+          </a:xfrm>
+          <a:prstGeom prst="rect">
+            <a:avLst/>
+          </a:prstGeom>
+          <a:solidFill>
+            <a:schemeClr val="bg1"/>
+          </a:solidFill>
+          <a:ln>
+            <a:noFill/>
+          </a:ln>
+        </p:spPr>
+        <p:style>
+          <a:lnRef idx="2">
+            <a:schemeClr val="accent1">
+              <a:shade val="15000"/>
+            </a:schemeClr>
+          </a:lnRef>
+          <a:fillRef idx="1">
+            <a:schemeClr val="accent1"/>
+          </a:fillRef>
+          <a:effectRef idx="0">
+            <a:schemeClr val="accent1"/>
+          </a:effectRef>
+          <a:fontRef idx="minor">
+            <a:schemeClr val="lt1"/>
+          </a:fontRef>
+        </p:style>
+        <p:txBody>
+          <a:bodyPr rtlCol="0" anchor="ctr"/>
+          <a:lstStyle/>
+          <a:p>
+            <a:pPr algn="ctr"/>
+            <a:r>
+              <a:rPr kumimoji="1" lang="en-US" altLang="ko-KR" sz="1400" dirty="0">
+                <a:solidFill>
+                  <a:schemeClr val="tx1"/>
+                </a:solidFill>
+                <a:latin typeface="DM Mono" panose="020B0509040201040103" pitchFamily="49" charset="0"/>
+              </a:rPr>
+              <a:t>y</a:t>
+            </a:r>
+            <a:endParaRPr kumimoji="1" lang="ko-KR" altLang="en-US" sz="1400" dirty="0">
+              <a:solidFill>
+                <a:schemeClr val="tx1"/>
+              </a:solidFill>
+              <a:latin typeface="DM Mono" panose="020B0509040201040103" pitchFamily="49" charset="0"/>
+            </a:endParaRPr>
+          </a:p>
+        </p:txBody>
+      </p:sp>
+      <p:sp>
+        <p:nvSpPr>
+          <p:cNvPr id="13" name="TextBox 12">
+            <a:extLst>
+              <a:ext uri="{FF2B5EF4-FFF2-40B4-BE49-F238E27FC236}">
+                <a16:creationId xmlns:a16="http://schemas.microsoft.com/office/drawing/2014/main" id="{8E9FE2BC-496B-6C9C-D05A-4A124E308BA2}"/>
+              </a:ext>
+            </a:extLst>
+          </p:cNvPr>
+          <p:cNvSpPr txBox="1"/>
+          <p:nvPr/>
+        </p:nvSpPr>
+        <p:spPr>
+          <a:xfrm>
+            <a:off x="5419476" y="4012354"/>
+            <a:ext cx="815008" cy="307777"/>
+          </a:xfrm>
+          <a:prstGeom prst="rect">
+            <a:avLst/>
+          </a:prstGeom>
+          <a:noFill/>
+        </p:spPr>
+        <p:txBody>
+          <a:bodyPr wrap="square">
+            <a:spAutoFit/>
+          </a:bodyPr>
+          <a:lstStyle/>
+          <a:p>
+            <a:pPr algn="ctr"/>
+            <a:r>
+              <a:rPr lang="en-US" altLang="ko-KR" sz="1400" b="0" dirty="0">
+                <a:effectLst/>
+                <a:latin typeface="DM Mono" panose="020B0509040201040103" pitchFamily="49" charset="0"/>
+              </a:rPr>
+              <a:t>pt1</a:t>
+            </a:r>
+            <a:endParaRPr lang="ko-KR" altLang="en-US" sz="1400" dirty="0"/>
+          </a:p>
+        </p:txBody>
+      </p:sp>
+      <p:sp>
+        <p:nvSpPr>
+          <p:cNvPr id="14" name="직사각형 13">
+            <a:extLst>
+              <a:ext uri="{FF2B5EF4-FFF2-40B4-BE49-F238E27FC236}">
+                <a16:creationId xmlns:a16="http://schemas.microsoft.com/office/drawing/2014/main" id="{4A6329A7-DA28-40BE-FB1B-183F8F57D4A6}"/>
+              </a:ext>
+            </a:extLst>
+          </p:cNvPr>
+          <p:cNvSpPr/>
+          <p:nvPr/>
+        </p:nvSpPr>
+        <p:spPr>
+          <a:xfrm>
+            <a:off x="8959793" y="4352145"/>
+            <a:ext cx="1036321" cy="545858"/>
+          </a:xfrm>
+          <a:prstGeom prst="rect">
+            <a:avLst/>
+          </a:prstGeom>
+          <a:solidFill>
+            <a:srgbClr val="FFFF00"/>
+          </a:solidFill>
+        </p:spPr>
+        <p:style>
+          <a:lnRef idx="2">
+            <a:schemeClr val="accent1">
+              <a:shade val="15000"/>
+            </a:schemeClr>
+          </a:lnRef>
+          <a:fillRef idx="1">
+            <a:schemeClr val="accent1"/>
+          </a:fillRef>
+          <a:effectRef idx="0">
+            <a:schemeClr val="accent1"/>
+          </a:effectRef>
+          <a:fontRef idx="minor">
+            <a:schemeClr val="lt1"/>
+          </a:fontRef>
+        </p:style>
+        <p:txBody>
+          <a:bodyPr rtlCol="0" anchor="ctr"/>
+          <a:lstStyle/>
+          <a:p>
+            <a:pPr algn="ctr"/>
+            <a:r>
+              <a:rPr kumimoji="1" lang="en-US" altLang="ko-KR" sz="1400" dirty="0">
+                <a:solidFill>
+                  <a:schemeClr val="tx1"/>
+                </a:solidFill>
+                <a:latin typeface="DM Mono" panose="020B0509040201040103" pitchFamily="49" charset="0"/>
+              </a:rPr>
+              <a:t>0</a:t>
+            </a:r>
+            <a:endParaRPr kumimoji="1" lang="ko-KR" altLang="en-US" sz="1400" dirty="0">
+              <a:solidFill>
+                <a:schemeClr val="tx1"/>
+              </a:solidFill>
+              <a:latin typeface="DM Mono" panose="020B0509040201040103" pitchFamily="49" charset="0"/>
+            </a:endParaRPr>
+          </a:p>
+        </p:txBody>
+      </p:sp>
+      <p:sp>
+        <p:nvSpPr>
+          <p:cNvPr id="15" name="직사각형 14">
+            <a:extLst>
+              <a:ext uri="{FF2B5EF4-FFF2-40B4-BE49-F238E27FC236}">
+                <a16:creationId xmlns:a16="http://schemas.microsoft.com/office/drawing/2014/main" id="{F52A37C6-DD19-BD1F-BE62-C9342F675243}"/>
+              </a:ext>
+            </a:extLst>
+          </p:cNvPr>
+          <p:cNvSpPr/>
+          <p:nvPr/>
+        </p:nvSpPr>
+        <p:spPr>
+          <a:xfrm>
+            <a:off x="8959793" y="4898003"/>
+            <a:ext cx="1036321" cy="545858"/>
+          </a:xfrm>
+          <a:prstGeom prst="rect">
+            <a:avLst/>
+          </a:prstGeom>
+          <a:solidFill>
+            <a:srgbClr val="FFFF00"/>
+          </a:solidFill>
+        </p:spPr>
+        <p:style>
+          <a:lnRef idx="2">
+            <a:schemeClr val="accent1">
+              <a:shade val="15000"/>
+            </a:schemeClr>
+          </a:lnRef>
+          <a:fillRef idx="1">
+            <a:schemeClr val="accent1"/>
+          </a:fillRef>
+          <a:effectRef idx="0">
+            <a:schemeClr val="accent1"/>
+          </a:effectRef>
+          <a:fontRef idx="minor">
+            <a:schemeClr val="lt1"/>
+          </a:fontRef>
+        </p:style>
+        <p:txBody>
+          <a:bodyPr rtlCol="0" anchor="ctr"/>
+          <a:lstStyle/>
+          <a:p>
+            <a:pPr algn="ctr"/>
+            <a:r>
+              <a:rPr kumimoji="1" lang="en-US" altLang="ko-KR" sz="1400" dirty="0">
+                <a:solidFill>
+                  <a:schemeClr val="tx1"/>
+                </a:solidFill>
+                <a:latin typeface="DM Mono" panose="020B0509040201040103" pitchFamily="49" charset="0"/>
+              </a:rPr>
+              <a:t>0</a:t>
+            </a:r>
+            <a:endParaRPr kumimoji="1" lang="ko-KR" altLang="en-US" sz="1400" dirty="0">
+              <a:solidFill>
+                <a:schemeClr val="tx1"/>
+              </a:solidFill>
+              <a:latin typeface="DM Mono" panose="020B0509040201040103" pitchFamily="49" charset="0"/>
+            </a:endParaRPr>
+          </a:p>
+        </p:txBody>
+      </p:sp>
+      <p:sp>
+        <p:nvSpPr>
+          <p:cNvPr id="16" name="직사각형 15">
+            <a:extLst>
+              <a:ext uri="{FF2B5EF4-FFF2-40B4-BE49-F238E27FC236}">
+                <a16:creationId xmlns:a16="http://schemas.microsoft.com/office/drawing/2014/main" id="{D0005D39-BD7E-B05D-2B7D-9C248EF8901B}"/>
+              </a:ext>
+            </a:extLst>
+          </p:cNvPr>
+          <p:cNvSpPr/>
+          <p:nvPr/>
+        </p:nvSpPr>
+        <p:spPr>
+          <a:xfrm>
+            <a:off x="8537050" y="4352145"/>
+            <a:ext cx="422743" cy="545858"/>
+          </a:xfrm>
+          <a:prstGeom prst="rect">
+            <a:avLst/>
+          </a:prstGeom>
+          <a:solidFill>
+            <a:schemeClr val="bg1"/>
+          </a:solidFill>
+          <a:ln>
+            <a:noFill/>
+          </a:ln>
+        </p:spPr>
+        <p:style>
+          <a:lnRef idx="2">
+            <a:schemeClr val="accent1">
+              <a:shade val="15000"/>
+            </a:schemeClr>
+          </a:lnRef>
+          <a:fillRef idx="1">
+            <a:schemeClr val="accent1"/>
+          </a:fillRef>
+          <a:effectRef idx="0">
+            <a:schemeClr val="accent1"/>
+          </a:effectRef>
+          <a:fontRef idx="minor">
+            <a:schemeClr val="lt1"/>
+          </a:fontRef>
+        </p:style>
+        <p:txBody>
+          <a:bodyPr rtlCol="0" anchor="ctr"/>
+          <a:lstStyle/>
+          <a:p>
+            <a:pPr algn="ctr"/>
+            <a:r>
+              <a:rPr kumimoji="1" lang="en-US" altLang="ko-KR" sz="1400" dirty="0">
+                <a:solidFill>
+                  <a:schemeClr val="tx1"/>
+                </a:solidFill>
+                <a:latin typeface="DM Mono" panose="020B0509040201040103" pitchFamily="49" charset="0"/>
+              </a:rPr>
+              <a:t>x</a:t>
+            </a:r>
+            <a:endParaRPr kumimoji="1" lang="ko-KR" altLang="en-US" sz="1400" dirty="0">
+              <a:solidFill>
+                <a:schemeClr val="tx1"/>
+              </a:solidFill>
+              <a:latin typeface="DM Mono" panose="020B0509040201040103" pitchFamily="49" charset="0"/>
+            </a:endParaRPr>
+          </a:p>
+        </p:txBody>
+      </p:sp>
+      <p:sp>
+        <p:nvSpPr>
+          <p:cNvPr id="17" name="직사각형 16">
+            <a:extLst>
+              <a:ext uri="{FF2B5EF4-FFF2-40B4-BE49-F238E27FC236}">
+                <a16:creationId xmlns:a16="http://schemas.microsoft.com/office/drawing/2014/main" id="{5294B440-490B-8E84-0999-868E79D081A7}"/>
+              </a:ext>
+            </a:extLst>
+          </p:cNvPr>
+          <p:cNvSpPr/>
+          <p:nvPr/>
+        </p:nvSpPr>
+        <p:spPr>
+          <a:xfrm>
+            <a:off x="8537050" y="4898003"/>
+            <a:ext cx="422743" cy="545858"/>
+          </a:xfrm>
+          <a:prstGeom prst="rect">
+            <a:avLst/>
+          </a:prstGeom>
+          <a:solidFill>
+            <a:schemeClr val="bg1"/>
+          </a:solidFill>
+          <a:ln>
+            <a:noFill/>
+          </a:ln>
+        </p:spPr>
+        <p:style>
+          <a:lnRef idx="2">
+            <a:schemeClr val="accent1">
+              <a:shade val="15000"/>
+            </a:schemeClr>
+          </a:lnRef>
+          <a:fillRef idx="1">
+            <a:schemeClr val="accent1"/>
+          </a:fillRef>
+          <a:effectRef idx="0">
+            <a:schemeClr val="accent1"/>
+          </a:effectRef>
+          <a:fontRef idx="minor">
+            <a:schemeClr val="lt1"/>
+          </a:fontRef>
+        </p:style>
+        <p:txBody>
+          <a:bodyPr rtlCol="0" anchor="ctr"/>
+          <a:lstStyle/>
+          <a:p>
+            <a:pPr algn="ctr"/>
+            <a:r>
+              <a:rPr kumimoji="1" lang="en-US" altLang="ko-KR" sz="1400" dirty="0">
+                <a:solidFill>
+                  <a:schemeClr val="tx1"/>
+                </a:solidFill>
+                <a:latin typeface="DM Mono" panose="020B0509040201040103" pitchFamily="49" charset="0"/>
+              </a:rPr>
+              <a:t>y</a:t>
+            </a:r>
+            <a:endParaRPr kumimoji="1" lang="ko-KR" altLang="en-US" sz="1400" dirty="0">
+              <a:solidFill>
+                <a:schemeClr val="tx1"/>
+              </a:solidFill>
+              <a:latin typeface="DM Mono" panose="020B0509040201040103" pitchFamily="49" charset="0"/>
+            </a:endParaRPr>
+          </a:p>
+        </p:txBody>
+      </p:sp>
+      <p:sp>
+        <p:nvSpPr>
+          <p:cNvPr id="18" name="TextBox 17">
+            <a:extLst>
+              <a:ext uri="{FF2B5EF4-FFF2-40B4-BE49-F238E27FC236}">
+                <a16:creationId xmlns:a16="http://schemas.microsoft.com/office/drawing/2014/main" id="{6D6C6B95-A88B-6A06-6A54-49DD3B8A3F7F}"/>
+              </a:ext>
+            </a:extLst>
+          </p:cNvPr>
+          <p:cNvSpPr txBox="1"/>
+          <p:nvPr/>
+        </p:nvSpPr>
+        <p:spPr>
+          <a:xfrm>
+            <a:off x="9070449" y="4012354"/>
+            <a:ext cx="815008" cy="307777"/>
+          </a:xfrm>
+          <a:prstGeom prst="rect">
+            <a:avLst/>
+          </a:prstGeom>
+          <a:noFill/>
+        </p:spPr>
+        <p:txBody>
+          <a:bodyPr wrap="square">
+            <a:spAutoFit/>
+          </a:bodyPr>
+          <a:lstStyle/>
+          <a:p>
+            <a:pPr algn="ctr"/>
+            <a:r>
+              <a:rPr lang="en-US" altLang="ko-KR" sz="1400" b="0" dirty="0">
+                <a:effectLst/>
+                <a:latin typeface="DM Mono" panose="020B0509040201040103" pitchFamily="49" charset="0"/>
+              </a:rPr>
+              <a:t>pt2</a:t>
+            </a:r>
+            <a:endParaRPr lang="ko-KR" altLang="en-US" sz="1400" dirty="0"/>
+          </a:p>
+        </p:txBody>
+      </p:sp>
+      <p:sp>
+        <p:nvSpPr>
+          <p:cNvPr id="20" name="TextBox 19">
+            <a:extLst>
+              <a:ext uri="{FF2B5EF4-FFF2-40B4-BE49-F238E27FC236}">
+                <a16:creationId xmlns:a16="http://schemas.microsoft.com/office/drawing/2014/main" id="{4A45FC39-60D3-9C48-ED3B-CEA527FD8D44}"/>
+              </a:ext>
+            </a:extLst>
+          </p:cNvPr>
+          <p:cNvSpPr txBox="1"/>
+          <p:nvPr/>
+        </p:nvSpPr>
+        <p:spPr>
+          <a:xfrm>
+            <a:off x="5419476" y="1414139"/>
+            <a:ext cx="4768795" cy="1799467"/>
+          </a:xfrm>
+          <a:prstGeom prst="rect">
+            <a:avLst/>
+          </a:prstGeom>
+          <a:noFill/>
+        </p:spPr>
+        <p:txBody>
+          <a:bodyPr wrap="square">
+            <a:spAutoFit/>
+          </a:bodyPr>
+          <a:lstStyle/>
+          <a:p>
+            <a:pPr>
+              <a:lnSpc>
+                <a:spcPts val="2700"/>
+              </a:lnSpc>
+              <a:buNone/>
+            </a:pPr>
+            <a:r>
+              <a:rPr lang="en-US" altLang="ko-KR" b="0" dirty="0">
+                <a:effectLst/>
+                <a:latin typeface="DM Mono" panose="020B0509040201040103" pitchFamily="49" charset="0"/>
+              </a:rPr>
+              <a:t>  void Set(int a, int b)</a:t>
+            </a:r>
+          </a:p>
+          <a:p>
+            <a:pPr>
+              <a:lnSpc>
+                <a:spcPts val="2700"/>
+              </a:lnSpc>
+              <a:buNone/>
+            </a:pPr>
+            <a:r>
+              <a:rPr lang="en-US" altLang="ko-KR" b="0" dirty="0">
+                <a:effectLst/>
+                <a:latin typeface="DM Mono" panose="020B0509040201040103" pitchFamily="49" charset="0"/>
+              </a:rPr>
+              <a:t>  {</a:t>
+            </a:r>
+          </a:p>
+          <a:p>
+            <a:pPr>
+              <a:lnSpc>
+                <a:spcPts val="2700"/>
+              </a:lnSpc>
+              <a:buNone/>
+            </a:pPr>
+            <a:r>
+              <a:rPr lang="en-US" altLang="ko-KR" b="0" dirty="0">
+                <a:effectLst/>
+                <a:latin typeface="DM Mono" panose="020B0509040201040103" pitchFamily="49" charset="0"/>
+              </a:rPr>
+              <a:t>    x = a;</a:t>
+            </a:r>
+          </a:p>
+          <a:p>
+            <a:pPr>
+              <a:lnSpc>
+                <a:spcPts val="2700"/>
+              </a:lnSpc>
+              <a:buNone/>
+            </a:pPr>
+            <a:r>
+              <a:rPr lang="en-US" altLang="ko-KR" b="0" dirty="0">
+                <a:effectLst/>
+                <a:latin typeface="DM Mono" panose="020B0509040201040103" pitchFamily="49" charset="0"/>
+              </a:rPr>
+              <a:t>    y = b;</a:t>
+            </a:r>
+          </a:p>
+          <a:p>
+            <a:pPr>
+              <a:lnSpc>
+                <a:spcPts val="2700"/>
+              </a:lnSpc>
+              <a:buNone/>
+            </a:pPr>
+            <a:r>
+              <a:rPr lang="en-US" altLang="ko-KR" b="0" dirty="0">
+                <a:effectLst/>
+                <a:latin typeface="DM Mono" panose="020B0509040201040103" pitchFamily="49" charset="0"/>
+              </a:rPr>
+              <a:t>  }</a:t>
+            </a:r>
+            <a:endParaRPr lang="ko-KR" altLang="en-US" dirty="0"/>
+          </a:p>
+        </p:txBody>
+      </p:sp>
+    </p:spTree>
+    <p:extLst>
+      <p:ext uri="{BB962C8B-B14F-4D97-AF65-F5344CB8AC3E}">
+        <p14:creationId xmlns:p14="http://schemas.microsoft.com/office/powerpoint/2010/main" val="3218210771"/>
+      </p:ext>
+    </p:extLst>
+  </p:cSld>
+  <p:clrMapOvr>
+    <a:masterClrMapping/>
+  </p:clrMapOvr>
+</p:sld>
+</file>
+
+<file path=ppt/slides/slide12.xml><?xml version="1.0" encoding="utf-8"?>
+<p:sld xmlns:a="http://schemas.openxmlformats.org/drawingml/2006/main" xmlns:r="http://schemas.openxmlformats.org/officeDocument/2006/relationships" xmlns:p="http://schemas.openxmlformats.org/presentationml/2006/main">
+  <p:cSld>
+    <p:spTree>
+      <p:nvGrpSpPr>
+        <p:cNvPr id="1" name="">
+          <a:extLst>
+            <a:ext uri="{FF2B5EF4-FFF2-40B4-BE49-F238E27FC236}">
+              <a16:creationId xmlns:a16="http://schemas.microsoft.com/office/drawing/2014/main" id="{D7A2F806-BEC8-A943-2A0D-94F0746DDCD2}"/>
+            </a:ext>
+          </a:extLst>
+        </p:cNvPr>
+        <p:cNvGrpSpPr/>
+        <p:nvPr/>
+      </p:nvGrpSpPr>
+      <p:grpSpPr>
+        <a:xfrm>
+          <a:off x="0" y="0"/>
+          <a:ext cx="0" cy="0"/>
+          <a:chOff x="0" y="0"/>
+          <a:chExt cx="0" cy="0"/>
+        </a:xfrm>
+      </p:grpSpPr>
+      <p:sp>
+        <p:nvSpPr>
+          <p:cNvPr id="5" name="TextBox 4">
+            <a:extLst>
+              <a:ext uri="{FF2B5EF4-FFF2-40B4-BE49-F238E27FC236}">
+                <a16:creationId xmlns:a16="http://schemas.microsoft.com/office/drawing/2014/main" id="{3EA70A67-9D74-86B0-3A04-7DC318732901}"/>
+              </a:ext>
+            </a:extLst>
+          </p:cNvPr>
+          <p:cNvSpPr txBox="1"/>
+          <p:nvPr/>
+        </p:nvSpPr>
+        <p:spPr>
+          <a:xfrm>
+            <a:off x="353834" y="285757"/>
+            <a:ext cx="4393096" cy="3880486"/>
+          </a:xfrm>
+          <a:prstGeom prst="rect">
+            <a:avLst/>
+          </a:prstGeom>
+          <a:noFill/>
+        </p:spPr>
+        <p:txBody>
+          <a:bodyPr wrap="square">
+            <a:spAutoFit/>
+          </a:bodyPr>
+          <a:lstStyle/>
+          <a:p>
+            <a:pPr>
+              <a:lnSpc>
+                <a:spcPts val="2700"/>
+              </a:lnSpc>
+              <a:buNone/>
+            </a:pPr>
+            <a:r>
+              <a:rPr lang="en-US" altLang="ko-KR" b="0" dirty="0">
+                <a:effectLst/>
+                <a:latin typeface="DM Mono" panose="020B0509040201040103" pitchFamily="49" charset="0"/>
+              </a:rPr>
+              <a:t>class Point</a:t>
+            </a:r>
+          </a:p>
+          <a:p>
+            <a:pPr>
+              <a:lnSpc>
+                <a:spcPts val="2700"/>
+              </a:lnSpc>
+              <a:buNone/>
+            </a:pPr>
+            <a:r>
+              <a:rPr lang="en-US" altLang="ko-KR" b="0" dirty="0">
+                <a:effectLst/>
+                <a:latin typeface="DM Mono" panose="020B0509040201040103" pitchFamily="49" charset="0"/>
+              </a:rPr>
+              <a:t>{</a:t>
+            </a:r>
+          </a:p>
+          <a:p>
+            <a:pPr>
+              <a:lnSpc>
+                <a:spcPts val="2700"/>
+              </a:lnSpc>
+              <a:buNone/>
+            </a:pPr>
+            <a:r>
+              <a:rPr lang="en-US" altLang="ko-KR" b="0" dirty="0">
+                <a:effectLst/>
+                <a:latin typeface="DM Mono" panose="020B0509040201040103" pitchFamily="49" charset="0"/>
+              </a:rPr>
+              <a:t>  int x = 0;</a:t>
+            </a:r>
+          </a:p>
+          <a:p>
+            <a:pPr>
+              <a:lnSpc>
+                <a:spcPts val="2700"/>
+              </a:lnSpc>
+              <a:buNone/>
+            </a:pPr>
+            <a:r>
+              <a:rPr lang="en-US" altLang="ko-KR" b="0" dirty="0">
+                <a:effectLst/>
+                <a:latin typeface="DM Mono" panose="020B0509040201040103" pitchFamily="49" charset="0"/>
+              </a:rPr>
+              <a:t>  int y = 0;</a:t>
+            </a:r>
+          </a:p>
+          <a:p>
+            <a:pPr>
+              <a:lnSpc>
+                <a:spcPts val="2700"/>
+              </a:lnSpc>
+              <a:buNone/>
+            </a:pPr>
+            <a:r>
+              <a:rPr lang="en-US" altLang="ko-KR" b="0" dirty="0">
+                <a:effectLst/>
+                <a:latin typeface="DM Mono" panose="020B0509040201040103" pitchFamily="49" charset="0"/>
+              </a:rPr>
+              <a:t>public:</a:t>
+            </a:r>
+          </a:p>
+          <a:p>
+            <a:pPr>
+              <a:lnSpc>
+                <a:spcPts val="2700"/>
+              </a:lnSpc>
+              <a:buNone/>
+            </a:pPr>
+            <a:r>
+              <a:rPr lang="en-US" altLang="ko-KR" b="0" dirty="0">
+                <a:effectLst/>
+                <a:latin typeface="DM Mono" panose="020B0509040201040103" pitchFamily="49" charset="0"/>
+              </a:rPr>
+              <a:t>  void Set(int a, int b)</a:t>
+            </a:r>
+          </a:p>
+          <a:p>
+            <a:pPr>
+              <a:lnSpc>
+                <a:spcPts val="2700"/>
+              </a:lnSpc>
+              <a:buNone/>
+            </a:pPr>
+            <a:r>
+              <a:rPr lang="en-US" altLang="ko-KR" b="0" dirty="0">
+                <a:effectLst/>
+                <a:latin typeface="DM Mono" panose="020B0509040201040103" pitchFamily="49" charset="0"/>
+              </a:rPr>
+              <a:t>  {</a:t>
+            </a:r>
+          </a:p>
+          <a:p>
+            <a:pPr>
+              <a:lnSpc>
+                <a:spcPts val="2700"/>
+              </a:lnSpc>
+              <a:buNone/>
+            </a:pPr>
+            <a:r>
+              <a:rPr lang="en-US" altLang="ko-KR" b="0" dirty="0">
+                <a:effectLst/>
+                <a:latin typeface="DM Mono" panose="020B0509040201040103" pitchFamily="49" charset="0"/>
+              </a:rPr>
+              <a:t>    x = a;</a:t>
+            </a:r>
+          </a:p>
+          <a:p>
+            <a:pPr>
+              <a:lnSpc>
+                <a:spcPts val="2700"/>
+              </a:lnSpc>
+              <a:buNone/>
+            </a:pPr>
+            <a:r>
+              <a:rPr lang="en-US" altLang="ko-KR" b="0" dirty="0">
+                <a:effectLst/>
+                <a:latin typeface="DM Mono" panose="020B0509040201040103" pitchFamily="49" charset="0"/>
+              </a:rPr>
+              <a:t>    y = b;</a:t>
+            </a:r>
+          </a:p>
+          <a:p>
+            <a:pPr>
+              <a:lnSpc>
+                <a:spcPts val="2700"/>
+              </a:lnSpc>
+              <a:buNone/>
+            </a:pPr>
+            <a:r>
+              <a:rPr lang="en-US" altLang="ko-KR" b="0" dirty="0">
+                <a:effectLst/>
+                <a:latin typeface="DM Mono" panose="020B0509040201040103" pitchFamily="49" charset="0"/>
+              </a:rPr>
+              <a:t>  }</a:t>
+            </a:r>
+          </a:p>
+          <a:p>
+            <a:pPr>
+              <a:lnSpc>
+                <a:spcPts val="2700"/>
+              </a:lnSpc>
+              <a:buNone/>
+            </a:pPr>
+            <a:r>
+              <a:rPr lang="en-US" altLang="ko-KR" b="0" dirty="0">
+                <a:effectLst/>
+                <a:latin typeface="DM Mono" panose="020B0509040201040103" pitchFamily="49" charset="0"/>
+              </a:rPr>
+              <a:t>};</a:t>
+            </a:r>
+          </a:p>
+        </p:txBody>
+      </p:sp>
+      <p:sp>
+        <p:nvSpPr>
+          <p:cNvPr id="7" name="TextBox 6">
+            <a:extLst>
+              <a:ext uri="{FF2B5EF4-FFF2-40B4-BE49-F238E27FC236}">
+                <a16:creationId xmlns:a16="http://schemas.microsoft.com/office/drawing/2014/main" id="{C97E405A-C16F-7D32-470F-879DBBB2E497}"/>
+              </a:ext>
+            </a:extLst>
+          </p:cNvPr>
+          <p:cNvSpPr txBox="1"/>
+          <p:nvPr/>
+        </p:nvSpPr>
+        <p:spPr>
+          <a:xfrm>
+            <a:off x="433345" y="4352145"/>
+            <a:ext cx="4393096" cy="2495491"/>
+          </a:xfrm>
+          <a:prstGeom prst="rect">
+            <a:avLst/>
+          </a:prstGeom>
+          <a:noFill/>
+        </p:spPr>
+        <p:txBody>
+          <a:bodyPr wrap="square">
+            <a:spAutoFit/>
+          </a:bodyPr>
+          <a:lstStyle/>
+          <a:p>
+            <a:pPr>
+              <a:lnSpc>
+                <a:spcPts val="2700"/>
+              </a:lnSpc>
+              <a:buNone/>
+            </a:pPr>
+            <a:r>
+              <a:rPr lang="en-US" altLang="ko-KR" b="0" dirty="0">
+                <a:effectLst/>
+                <a:latin typeface="DM Mono" panose="020B0509040201040103" pitchFamily="49" charset="0"/>
+              </a:rPr>
+              <a:t>Point pt1;</a:t>
+            </a:r>
+          </a:p>
+          <a:p>
+            <a:pPr>
+              <a:lnSpc>
+                <a:spcPts val="2700"/>
+              </a:lnSpc>
+              <a:buNone/>
+            </a:pPr>
+            <a:r>
+              <a:rPr lang="en-US" altLang="ko-KR" b="0" dirty="0">
+                <a:effectLst/>
+                <a:latin typeface="DM Mono" panose="020B0509040201040103" pitchFamily="49" charset="0"/>
+              </a:rPr>
+              <a:t>Point pt2;</a:t>
+            </a:r>
+          </a:p>
+          <a:p>
+            <a:pPr>
+              <a:lnSpc>
+                <a:spcPts val="2700"/>
+              </a:lnSpc>
+              <a:buNone/>
+            </a:pPr>
+            <a:endParaRPr lang="en-US" altLang="ko-KR" b="0" dirty="0">
+              <a:effectLst/>
+              <a:latin typeface="DM Mono" panose="020B0509040201040103" pitchFamily="49" charset="0"/>
+            </a:endParaRPr>
+          </a:p>
+          <a:p>
+            <a:pPr>
+              <a:lnSpc>
+                <a:spcPts val="2700"/>
+              </a:lnSpc>
+              <a:buNone/>
+            </a:pPr>
+            <a:r>
+              <a:rPr lang="en-US" altLang="ko-KR" b="0" dirty="0">
+                <a:effectLst/>
+                <a:latin typeface="DM Mono" panose="020B0509040201040103" pitchFamily="49" charset="0"/>
+              </a:rPr>
+              <a:t>pt1.Set(10, 20);</a:t>
+            </a:r>
+          </a:p>
+          <a:p>
+            <a:pPr>
+              <a:lnSpc>
+                <a:spcPts val="2700"/>
+              </a:lnSpc>
+              <a:buNone/>
+            </a:pPr>
+            <a:r>
+              <a:rPr lang="en-US" altLang="ko-KR" dirty="0">
+                <a:latin typeface="DM Mono" panose="020B0509040201040103" pitchFamily="49" charset="0"/>
+              </a:rPr>
+              <a:t>// </a:t>
+            </a:r>
+            <a:r>
+              <a:rPr lang="en-US" altLang="ko-KR" dirty="0">
+                <a:solidFill>
+                  <a:srgbClr val="FF0000"/>
+                </a:solidFill>
+                <a:latin typeface="DM Mono" panose="020B0509040201040103" pitchFamily="49" charset="0"/>
+              </a:rPr>
+              <a:t>Point::Set(&amp;pt1, 10, 20)</a:t>
+            </a:r>
+            <a:endParaRPr lang="en-US" altLang="ko-KR" b="0" dirty="0">
+              <a:solidFill>
+                <a:srgbClr val="FF0000"/>
+              </a:solidFill>
+              <a:effectLst/>
+              <a:latin typeface="DM Mono" panose="020B0509040201040103" pitchFamily="49" charset="0"/>
+            </a:endParaRPr>
+          </a:p>
+          <a:p>
+            <a:pPr>
+              <a:lnSpc>
+                <a:spcPts val="2700"/>
+              </a:lnSpc>
+              <a:buNone/>
+            </a:pPr>
+            <a:r>
+              <a:rPr lang="en-US" altLang="ko-KR" b="0" dirty="0">
+                <a:effectLst/>
+                <a:latin typeface="DM Mono" panose="020B0509040201040103" pitchFamily="49" charset="0"/>
+              </a:rPr>
+              <a:t>pt2.Set(100, 200);</a:t>
+            </a:r>
+          </a:p>
+          <a:p>
+            <a:pPr>
+              <a:lnSpc>
+                <a:spcPts val="2700"/>
+              </a:lnSpc>
+              <a:buNone/>
+            </a:pPr>
+            <a:r>
+              <a:rPr lang="en-US" altLang="ko-KR" dirty="0">
+                <a:latin typeface="DM Mono" panose="020B0509040201040103" pitchFamily="49" charset="0"/>
+              </a:rPr>
+              <a:t>// </a:t>
+            </a:r>
+            <a:r>
+              <a:rPr lang="en-US" altLang="ko-KR" dirty="0">
+                <a:solidFill>
+                  <a:srgbClr val="FF0000"/>
+                </a:solidFill>
+                <a:latin typeface="DM Mono" panose="020B0509040201040103" pitchFamily="49" charset="0"/>
+              </a:rPr>
+              <a:t>Point::Set(&amp;pt2, 100, 200)</a:t>
+            </a:r>
+            <a:endParaRPr lang="en-US" altLang="ko-KR" b="0" dirty="0">
+              <a:effectLst/>
+              <a:latin typeface="DM Mono" panose="020B0509040201040103" pitchFamily="49" charset="0"/>
+            </a:endParaRPr>
+          </a:p>
+        </p:txBody>
+      </p:sp>
+      <p:sp>
+        <p:nvSpPr>
+          <p:cNvPr id="8" name="직사각형 7">
+            <a:extLst>
+              <a:ext uri="{FF2B5EF4-FFF2-40B4-BE49-F238E27FC236}">
+                <a16:creationId xmlns:a16="http://schemas.microsoft.com/office/drawing/2014/main" id="{8802BC00-23CC-9E00-88D0-814420166ACF}"/>
+              </a:ext>
+            </a:extLst>
+          </p:cNvPr>
+          <p:cNvSpPr/>
+          <p:nvPr/>
+        </p:nvSpPr>
+        <p:spPr>
+          <a:xfrm>
+            <a:off x="5308820" y="4352145"/>
+            <a:ext cx="1036321" cy="545858"/>
+          </a:xfrm>
+          <a:prstGeom prst="rect">
+            <a:avLst/>
+          </a:prstGeom>
+          <a:solidFill>
+            <a:srgbClr val="FFFF00"/>
+          </a:solidFill>
+        </p:spPr>
+        <p:style>
+          <a:lnRef idx="2">
+            <a:schemeClr val="accent1">
+              <a:shade val="15000"/>
+            </a:schemeClr>
+          </a:lnRef>
+          <a:fillRef idx="1">
+            <a:schemeClr val="accent1"/>
+          </a:fillRef>
+          <a:effectRef idx="0">
+            <a:schemeClr val="accent1"/>
+          </a:effectRef>
+          <a:fontRef idx="minor">
+            <a:schemeClr val="lt1"/>
+          </a:fontRef>
+        </p:style>
+        <p:txBody>
+          <a:bodyPr rtlCol="0" anchor="ctr"/>
+          <a:lstStyle/>
+          <a:p>
+            <a:pPr algn="ctr"/>
+            <a:r>
+              <a:rPr kumimoji="1" lang="en-US" altLang="ko-KR" sz="1400" dirty="0">
+                <a:solidFill>
+                  <a:schemeClr val="tx1"/>
+                </a:solidFill>
+                <a:latin typeface="DM Mono" panose="020B0509040201040103" pitchFamily="49" charset="0"/>
+              </a:rPr>
+              <a:t>0</a:t>
+            </a:r>
+            <a:endParaRPr kumimoji="1" lang="ko-KR" altLang="en-US" sz="1400" dirty="0">
+              <a:solidFill>
+                <a:schemeClr val="tx1"/>
+              </a:solidFill>
+              <a:latin typeface="DM Mono" panose="020B0509040201040103" pitchFamily="49" charset="0"/>
+            </a:endParaRPr>
+          </a:p>
+        </p:txBody>
+      </p:sp>
+      <p:sp>
+        <p:nvSpPr>
+          <p:cNvPr id="9" name="직사각형 8">
+            <a:extLst>
+              <a:ext uri="{FF2B5EF4-FFF2-40B4-BE49-F238E27FC236}">
+                <a16:creationId xmlns:a16="http://schemas.microsoft.com/office/drawing/2014/main" id="{86A1A6ED-568F-919E-011F-38A757A9D1D7}"/>
+              </a:ext>
+            </a:extLst>
+          </p:cNvPr>
+          <p:cNvSpPr/>
+          <p:nvPr/>
+        </p:nvSpPr>
+        <p:spPr>
+          <a:xfrm>
+            <a:off x="5308820" y="4898003"/>
+            <a:ext cx="1036321" cy="545858"/>
+          </a:xfrm>
+          <a:prstGeom prst="rect">
+            <a:avLst/>
+          </a:prstGeom>
+          <a:solidFill>
+            <a:srgbClr val="FFFF00"/>
+          </a:solidFill>
+        </p:spPr>
+        <p:style>
+          <a:lnRef idx="2">
+            <a:schemeClr val="accent1">
+              <a:shade val="15000"/>
+            </a:schemeClr>
+          </a:lnRef>
+          <a:fillRef idx="1">
+            <a:schemeClr val="accent1"/>
+          </a:fillRef>
+          <a:effectRef idx="0">
+            <a:schemeClr val="accent1"/>
+          </a:effectRef>
+          <a:fontRef idx="minor">
+            <a:schemeClr val="lt1"/>
+          </a:fontRef>
+        </p:style>
+        <p:txBody>
+          <a:bodyPr rtlCol="0" anchor="ctr"/>
+          <a:lstStyle/>
+          <a:p>
+            <a:pPr algn="ctr"/>
+            <a:r>
+              <a:rPr kumimoji="1" lang="en-US" altLang="ko-KR" sz="1400" dirty="0">
+                <a:solidFill>
+                  <a:schemeClr val="tx1"/>
+                </a:solidFill>
+                <a:latin typeface="DM Mono" panose="020B0509040201040103" pitchFamily="49" charset="0"/>
+              </a:rPr>
+              <a:t>0</a:t>
+            </a:r>
+            <a:endParaRPr kumimoji="1" lang="ko-KR" altLang="en-US" sz="1400" dirty="0">
+              <a:solidFill>
+                <a:schemeClr val="tx1"/>
+              </a:solidFill>
+              <a:latin typeface="DM Mono" panose="020B0509040201040103" pitchFamily="49" charset="0"/>
+            </a:endParaRPr>
+          </a:p>
+        </p:txBody>
+      </p:sp>
+      <p:sp>
+        <p:nvSpPr>
+          <p:cNvPr id="10" name="직사각형 9">
+            <a:extLst>
+              <a:ext uri="{FF2B5EF4-FFF2-40B4-BE49-F238E27FC236}">
+                <a16:creationId xmlns:a16="http://schemas.microsoft.com/office/drawing/2014/main" id="{252E036B-AFAC-DC7F-AAA9-414F667C79ED}"/>
+              </a:ext>
+            </a:extLst>
+          </p:cNvPr>
+          <p:cNvSpPr/>
+          <p:nvPr/>
+        </p:nvSpPr>
+        <p:spPr>
+          <a:xfrm>
+            <a:off x="4886077" y="4352145"/>
+            <a:ext cx="422743" cy="545858"/>
+          </a:xfrm>
+          <a:prstGeom prst="rect">
+            <a:avLst/>
+          </a:prstGeom>
+          <a:solidFill>
+            <a:schemeClr val="bg1"/>
+          </a:solidFill>
+          <a:ln>
+            <a:noFill/>
+          </a:ln>
+        </p:spPr>
+        <p:style>
+          <a:lnRef idx="2">
+            <a:schemeClr val="accent1">
+              <a:shade val="15000"/>
+            </a:schemeClr>
+          </a:lnRef>
+          <a:fillRef idx="1">
+            <a:schemeClr val="accent1"/>
+          </a:fillRef>
+          <a:effectRef idx="0">
+            <a:schemeClr val="accent1"/>
+          </a:effectRef>
+          <a:fontRef idx="minor">
+            <a:schemeClr val="lt1"/>
+          </a:fontRef>
+        </p:style>
+        <p:txBody>
+          <a:bodyPr rtlCol="0" anchor="ctr"/>
+          <a:lstStyle/>
+          <a:p>
+            <a:pPr algn="ctr"/>
+            <a:r>
+              <a:rPr kumimoji="1" lang="en-US" altLang="ko-KR" sz="1400" dirty="0">
+                <a:solidFill>
+                  <a:schemeClr val="tx1"/>
+                </a:solidFill>
+                <a:latin typeface="DM Mono" panose="020B0509040201040103" pitchFamily="49" charset="0"/>
+              </a:rPr>
+              <a:t>x</a:t>
+            </a:r>
+            <a:endParaRPr kumimoji="1" lang="ko-KR" altLang="en-US" sz="1400" dirty="0">
+              <a:solidFill>
+                <a:schemeClr val="tx1"/>
+              </a:solidFill>
+              <a:latin typeface="DM Mono" panose="020B0509040201040103" pitchFamily="49" charset="0"/>
+            </a:endParaRPr>
+          </a:p>
+        </p:txBody>
+      </p:sp>
+      <p:sp>
+        <p:nvSpPr>
+          <p:cNvPr id="11" name="직사각형 10">
+            <a:extLst>
+              <a:ext uri="{FF2B5EF4-FFF2-40B4-BE49-F238E27FC236}">
+                <a16:creationId xmlns:a16="http://schemas.microsoft.com/office/drawing/2014/main" id="{E7E65D00-7500-B377-B9F8-57E903E54988}"/>
+              </a:ext>
+            </a:extLst>
+          </p:cNvPr>
+          <p:cNvSpPr/>
+          <p:nvPr/>
+        </p:nvSpPr>
+        <p:spPr>
+          <a:xfrm>
+            <a:off x="4886077" y="4898003"/>
+            <a:ext cx="422743" cy="545858"/>
+          </a:xfrm>
+          <a:prstGeom prst="rect">
+            <a:avLst/>
+          </a:prstGeom>
+          <a:solidFill>
+            <a:schemeClr val="bg1"/>
+          </a:solidFill>
+          <a:ln>
+            <a:noFill/>
+          </a:ln>
+        </p:spPr>
+        <p:style>
+          <a:lnRef idx="2">
+            <a:schemeClr val="accent1">
+              <a:shade val="15000"/>
+            </a:schemeClr>
+          </a:lnRef>
+          <a:fillRef idx="1">
+            <a:schemeClr val="accent1"/>
+          </a:fillRef>
+          <a:effectRef idx="0">
+            <a:schemeClr val="accent1"/>
+          </a:effectRef>
+          <a:fontRef idx="minor">
+            <a:schemeClr val="lt1"/>
+          </a:fontRef>
+        </p:style>
+        <p:txBody>
+          <a:bodyPr rtlCol="0" anchor="ctr"/>
+          <a:lstStyle/>
+          <a:p>
+            <a:pPr algn="ctr"/>
+            <a:r>
+              <a:rPr kumimoji="1" lang="en-US" altLang="ko-KR" sz="1400" dirty="0">
+                <a:solidFill>
+                  <a:schemeClr val="tx1"/>
+                </a:solidFill>
+                <a:latin typeface="DM Mono" panose="020B0509040201040103" pitchFamily="49" charset="0"/>
+              </a:rPr>
+              <a:t>y</a:t>
+            </a:r>
+            <a:endParaRPr kumimoji="1" lang="ko-KR" altLang="en-US" sz="1400" dirty="0">
+              <a:solidFill>
+                <a:schemeClr val="tx1"/>
+              </a:solidFill>
+              <a:latin typeface="DM Mono" panose="020B0509040201040103" pitchFamily="49" charset="0"/>
+            </a:endParaRPr>
+          </a:p>
+        </p:txBody>
+      </p:sp>
+      <p:sp>
+        <p:nvSpPr>
+          <p:cNvPr id="13" name="TextBox 12">
+            <a:extLst>
+              <a:ext uri="{FF2B5EF4-FFF2-40B4-BE49-F238E27FC236}">
+                <a16:creationId xmlns:a16="http://schemas.microsoft.com/office/drawing/2014/main" id="{E2B24848-E5E9-A937-0585-0E0E988EBE86}"/>
+              </a:ext>
+            </a:extLst>
+          </p:cNvPr>
+          <p:cNvSpPr txBox="1"/>
+          <p:nvPr/>
+        </p:nvSpPr>
+        <p:spPr>
+          <a:xfrm>
+            <a:off x="5419476" y="4012354"/>
+            <a:ext cx="815008" cy="307777"/>
+          </a:xfrm>
+          <a:prstGeom prst="rect">
+            <a:avLst/>
+          </a:prstGeom>
+          <a:noFill/>
+        </p:spPr>
+        <p:txBody>
+          <a:bodyPr wrap="square">
+            <a:spAutoFit/>
+          </a:bodyPr>
+          <a:lstStyle/>
+          <a:p>
+            <a:pPr algn="ctr"/>
+            <a:r>
+              <a:rPr lang="en-US" altLang="ko-KR" sz="1400" b="0" dirty="0">
+                <a:effectLst/>
+                <a:latin typeface="DM Mono" panose="020B0509040201040103" pitchFamily="49" charset="0"/>
+              </a:rPr>
+              <a:t>pt1</a:t>
+            </a:r>
+            <a:endParaRPr lang="ko-KR" altLang="en-US" sz="1400" dirty="0"/>
+          </a:p>
+        </p:txBody>
+      </p:sp>
+      <p:sp>
+        <p:nvSpPr>
+          <p:cNvPr id="14" name="직사각형 13">
+            <a:extLst>
+              <a:ext uri="{FF2B5EF4-FFF2-40B4-BE49-F238E27FC236}">
+                <a16:creationId xmlns:a16="http://schemas.microsoft.com/office/drawing/2014/main" id="{4E5F111B-2BB1-82E9-0B75-951EF7C86BD0}"/>
+              </a:ext>
+            </a:extLst>
+          </p:cNvPr>
+          <p:cNvSpPr/>
+          <p:nvPr/>
+        </p:nvSpPr>
+        <p:spPr>
+          <a:xfrm>
+            <a:off x="8959793" y="4352145"/>
+            <a:ext cx="1036321" cy="545858"/>
+          </a:xfrm>
+          <a:prstGeom prst="rect">
+            <a:avLst/>
+          </a:prstGeom>
+          <a:solidFill>
+            <a:srgbClr val="FFFF00"/>
+          </a:solidFill>
+        </p:spPr>
+        <p:style>
+          <a:lnRef idx="2">
+            <a:schemeClr val="accent1">
+              <a:shade val="15000"/>
+            </a:schemeClr>
+          </a:lnRef>
+          <a:fillRef idx="1">
+            <a:schemeClr val="accent1"/>
+          </a:fillRef>
+          <a:effectRef idx="0">
+            <a:schemeClr val="accent1"/>
+          </a:effectRef>
+          <a:fontRef idx="minor">
+            <a:schemeClr val="lt1"/>
+          </a:fontRef>
+        </p:style>
+        <p:txBody>
+          <a:bodyPr rtlCol="0" anchor="ctr"/>
+          <a:lstStyle/>
+          <a:p>
+            <a:pPr algn="ctr"/>
+            <a:r>
+              <a:rPr kumimoji="1" lang="en-US" altLang="ko-KR" sz="1400" dirty="0">
+                <a:solidFill>
+                  <a:schemeClr val="tx1"/>
+                </a:solidFill>
+                <a:latin typeface="DM Mono" panose="020B0509040201040103" pitchFamily="49" charset="0"/>
+              </a:rPr>
+              <a:t>0</a:t>
+            </a:r>
+            <a:endParaRPr kumimoji="1" lang="ko-KR" altLang="en-US" sz="1400" dirty="0">
+              <a:solidFill>
+                <a:schemeClr val="tx1"/>
+              </a:solidFill>
+              <a:latin typeface="DM Mono" panose="020B0509040201040103" pitchFamily="49" charset="0"/>
+            </a:endParaRPr>
+          </a:p>
+        </p:txBody>
+      </p:sp>
+      <p:sp>
+        <p:nvSpPr>
+          <p:cNvPr id="15" name="직사각형 14">
+            <a:extLst>
+              <a:ext uri="{FF2B5EF4-FFF2-40B4-BE49-F238E27FC236}">
+                <a16:creationId xmlns:a16="http://schemas.microsoft.com/office/drawing/2014/main" id="{864D16A3-B354-704E-89B6-362F2E6D28AF}"/>
+              </a:ext>
+            </a:extLst>
+          </p:cNvPr>
+          <p:cNvSpPr/>
+          <p:nvPr/>
+        </p:nvSpPr>
+        <p:spPr>
+          <a:xfrm>
+            <a:off x="8959793" y="4898003"/>
+            <a:ext cx="1036321" cy="545858"/>
+          </a:xfrm>
+          <a:prstGeom prst="rect">
+            <a:avLst/>
+          </a:prstGeom>
+          <a:solidFill>
+            <a:srgbClr val="FFFF00"/>
+          </a:solidFill>
+        </p:spPr>
+        <p:style>
+          <a:lnRef idx="2">
+            <a:schemeClr val="accent1">
+              <a:shade val="15000"/>
+            </a:schemeClr>
+          </a:lnRef>
+          <a:fillRef idx="1">
+            <a:schemeClr val="accent1"/>
+          </a:fillRef>
+          <a:effectRef idx="0">
+            <a:schemeClr val="accent1"/>
+          </a:effectRef>
+          <a:fontRef idx="minor">
+            <a:schemeClr val="lt1"/>
+          </a:fontRef>
+        </p:style>
+        <p:txBody>
+          <a:bodyPr rtlCol="0" anchor="ctr"/>
+          <a:lstStyle/>
+          <a:p>
+            <a:pPr algn="ctr"/>
+            <a:r>
+              <a:rPr kumimoji="1" lang="en-US" altLang="ko-KR" sz="1400" dirty="0">
+                <a:solidFill>
+                  <a:schemeClr val="tx1"/>
+                </a:solidFill>
+                <a:latin typeface="DM Mono" panose="020B0509040201040103" pitchFamily="49" charset="0"/>
+              </a:rPr>
+              <a:t>0</a:t>
+            </a:r>
+            <a:endParaRPr kumimoji="1" lang="ko-KR" altLang="en-US" sz="1400" dirty="0">
+              <a:solidFill>
+                <a:schemeClr val="tx1"/>
+              </a:solidFill>
+              <a:latin typeface="DM Mono" panose="020B0509040201040103" pitchFamily="49" charset="0"/>
+            </a:endParaRPr>
+          </a:p>
+        </p:txBody>
+      </p:sp>
+      <p:sp>
+        <p:nvSpPr>
+          <p:cNvPr id="16" name="직사각형 15">
+            <a:extLst>
+              <a:ext uri="{FF2B5EF4-FFF2-40B4-BE49-F238E27FC236}">
+                <a16:creationId xmlns:a16="http://schemas.microsoft.com/office/drawing/2014/main" id="{A161B64F-DB02-DA08-C854-DE4DF113EC8D}"/>
+              </a:ext>
+            </a:extLst>
+          </p:cNvPr>
+          <p:cNvSpPr/>
+          <p:nvPr/>
+        </p:nvSpPr>
+        <p:spPr>
+          <a:xfrm>
+            <a:off x="8537050" y="4352145"/>
+            <a:ext cx="422743" cy="545858"/>
+          </a:xfrm>
+          <a:prstGeom prst="rect">
+            <a:avLst/>
+          </a:prstGeom>
+          <a:solidFill>
+            <a:schemeClr val="bg1"/>
+          </a:solidFill>
+          <a:ln>
+            <a:noFill/>
+          </a:ln>
+        </p:spPr>
+        <p:style>
+          <a:lnRef idx="2">
+            <a:schemeClr val="accent1">
+              <a:shade val="15000"/>
+            </a:schemeClr>
+          </a:lnRef>
+          <a:fillRef idx="1">
+            <a:schemeClr val="accent1"/>
+          </a:fillRef>
+          <a:effectRef idx="0">
+            <a:schemeClr val="accent1"/>
+          </a:effectRef>
+          <a:fontRef idx="minor">
+            <a:schemeClr val="lt1"/>
+          </a:fontRef>
+        </p:style>
+        <p:txBody>
+          <a:bodyPr rtlCol="0" anchor="ctr"/>
+          <a:lstStyle/>
+          <a:p>
+            <a:pPr algn="ctr"/>
+            <a:r>
+              <a:rPr kumimoji="1" lang="en-US" altLang="ko-KR" sz="1400" dirty="0">
+                <a:solidFill>
+                  <a:schemeClr val="tx1"/>
+                </a:solidFill>
+                <a:latin typeface="DM Mono" panose="020B0509040201040103" pitchFamily="49" charset="0"/>
+              </a:rPr>
+              <a:t>x</a:t>
+            </a:r>
+            <a:endParaRPr kumimoji="1" lang="ko-KR" altLang="en-US" sz="1400" dirty="0">
+              <a:solidFill>
+                <a:schemeClr val="tx1"/>
+              </a:solidFill>
+              <a:latin typeface="DM Mono" panose="020B0509040201040103" pitchFamily="49" charset="0"/>
+            </a:endParaRPr>
+          </a:p>
+        </p:txBody>
+      </p:sp>
+      <p:sp>
+        <p:nvSpPr>
+          <p:cNvPr id="17" name="직사각형 16">
+            <a:extLst>
+              <a:ext uri="{FF2B5EF4-FFF2-40B4-BE49-F238E27FC236}">
+                <a16:creationId xmlns:a16="http://schemas.microsoft.com/office/drawing/2014/main" id="{A58F6D37-DC9E-06F1-675A-B20A191BE099}"/>
+              </a:ext>
+            </a:extLst>
+          </p:cNvPr>
+          <p:cNvSpPr/>
+          <p:nvPr/>
+        </p:nvSpPr>
+        <p:spPr>
+          <a:xfrm>
+            <a:off x="8537050" y="4898003"/>
+            <a:ext cx="422743" cy="545858"/>
+          </a:xfrm>
+          <a:prstGeom prst="rect">
+            <a:avLst/>
+          </a:prstGeom>
+          <a:solidFill>
+            <a:schemeClr val="bg1"/>
+          </a:solidFill>
+          <a:ln>
+            <a:noFill/>
+          </a:ln>
+        </p:spPr>
+        <p:style>
+          <a:lnRef idx="2">
+            <a:schemeClr val="accent1">
+              <a:shade val="15000"/>
+            </a:schemeClr>
+          </a:lnRef>
+          <a:fillRef idx="1">
+            <a:schemeClr val="accent1"/>
+          </a:fillRef>
+          <a:effectRef idx="0">
+            <a:schemeClr val="accent1"/>
+          </a:effectRef>
+          <a:fontRef idx="minor">
+            <a:schemeClr val="lt1"/>
+          </a:fontRef>
+        </p:style>
+        <p:txBody>
+          <a:bodyPr rtlCol="0" anchor="ctr"/>
+          <a:lstStyle/>
+          <a:p>
+            <a:pPr algn="ctr"/>
+            <a:r>
+              <a:rPr kumimoji="1" lang="en-US" altLang="ko-KR" sz="1400" dirty="0">
+                <a:solidFill>
+                  <a:schemeClr val="tx1"/>
+                </a:solidFill>
+                <a:latin typeface="DM Mono" panose="020B0509040201040103" pitchFamily="49" charset="0"/>
+              </a:rPr>
+              <a:t>y</a:t>
+            </a:r>
+            <a:endParaRPr kumimoji="1" lang="ko-KR" altLang="en-US" sz="1400" dirty="0">
+              <a:solidFill>
+                <a:schemeClr val="tx1"/>
+              </a:solidFill>
+              <a:latin typeface="DM Mono" panose="020B0509040201040103" pitchFamily="49" charset="0"/>
+            </a:endParaRPr>
+          </a:p>
+        </p:txBody>
+      </p:sp>
+      <p:sp>
+        <p:nvSpPr>
+          <p:cNvPr id="18" name="TextBox 17">
+            <a:extLst>
+              <a:ext uri="{FF2B5EF4-FFF2-40B4-BE49-F238E27FC236}">
+                <a16:creationId xmlns:a16="http://schemas.microsoft.com/office/drawing/2014/main" id="{053FD036-C1FE-5C30-4975-4A7B16086B9E}"/>
+              </a:ext>
+            </a:extLst>
+          </p:cNvPr>
+          <p:cNvSpPr txBox="1"/>
+          <p:nvPr/>
+        </p:nvSpPr>
+        <p:spPr>
+          <a:xfrm>
+            <a:off x="9070449" y="4012354"/>
+            <a:ext cx="815008" cy="307777"/>
+          </a:xfrm>
+          <a:prstGeom prst="rect">
+            <a:avLst/>
+          </a:prstGeom>
+          <a:noFill/>
+        </p:spPr>
+        <p:txBody>
+          <a:bodyPr wrap="square">
+            <a:spAutoFit/>
+          </a:bodyPr>
+          <a:lstStyle/>
+          <a:p>
+            <a:pPr algn="ctr"/>
+            <a:r>
+              <a:rPr lang="en-US" altLang="ko-KR" sz="1400" b="0" dirty="0">
+                <a:effectLst/>
+                <a:latin typeface="DM Mono" panose="020B0509040201040103" pitchFamily="49" charset="0"/>
+              </a:rPr>
+              <a:t>pt2</a:t>
+            </a:r>
+            <a:endParaRPr lang="ko-KR" altLang="en-US" sz="1400" dirty="0"/>
+          </a:p>
+        </p:txBody>
+      </p:sp>
+      <p:sp>
+        <p:nvSpPr>
+          <p:cNvPr id="20" name="TextBox 19">
+            <a:extLst>
+              <a:ext uri="{FF2B5EF4-FFF2-40B4-BE49-F238E27FC236}">
+                <a16:creationId xmlns:a16="http://schemas.microsoft.com/office/drawing/2014/main" id="{D55B690E-842E-0C2D-75E9-9DC5BBFD3BBB}"/>
+              </a:ext>
+            </a:extLst>
+          </p:cNvPr>
+          <p:cNvSpPr txBox="1"/>
+          <p:nvPr/>
+        </p:nvSpPr>
+        <p:spPr>
+          <a:xfrm>
+            <a:off x="4381170" y="1414139"/>
+            <a:ext cx="6838120" cy="1799467"/>
+          </a:xfrm>
+          <a:prstGeom prst="rect">
+            <a:avLst/>
+          </a:prstGeom>
+          <a:noFill/>
+        </p:spPr>
+        <p:txBody>
+          <a:bodyPr wrap="square">
+            <a:spAutoFit/>
+          </a:bodyPr>
+          <a:lstStyle/>
+          <a:p>
+            <a:pPr>
+              <a:lnSpc>
+                <a:spcPts val="2700"/>
+              </a:lnSpc>
+              <a:buNone/>
+            </a:pPr>
+            <a:r>
+              <a:rPr lang="en-US" altLang="ko-KR" b="0" dirty="0">
+                <a:effectLst/>
+                <a:latin typeface="DM Mono" panose="020B0509040201040103" pitchFamily="49" charset="0"/>
+              </a:rPr>
+              <a:t>  void </a:t>
+            </a:r>
+            <a:r>
+              <a:rPr lang="en-US" altLang="ko-KR" b="0" dirty="0">
+                <a:solidFill>
+                  <a:srgbClr val="FF0000"/>
+                </a:solidFill>
+                <a:effectLst/>
+                <a:latin typeface="DM Mono" panose="020B0509040201040103" pitchFamily="49" charset="0"/>
+              </a:rPr>
+              <a:t>Point::</a:t>
+            </a:r>
+            <a:r>
+              <a:rPr lang="en-US" altLang="ko-KR" b="0" dirty="0">
+                <a:effectLst/>
+                <a:latin typeface="DM Mono" panose="020B0509040201040103" pitchFamily="49" charset="0"/>
+              </a:rPr>
+              <a:t>Set(</a:t>
+            </a:r>
+            <a:r>
+              <a:rPr lang="en-US" altLang="ko-KR" b="0" dirty="0">
+                <a:solidFill>
+                  <a:srgbClr val="FF0000"/>
+                </a:solidFill>
+                <a:effectLst/>
+                <a:latin typeface="DM Mono" panose="020B0509040201040103" pitchFamily="49" charset="0"/>
+              </a:rPr>
+              <a:t>Point* this, </a:t>
+            </a:r>
+            <a:r>
+              <a:rPr lang="en-US" altLang="ko-KR" b="0" dirty="0">
+                <a:effectLst/>
+                <a:latin typeface="DM Mono" panose="020B0509040201040103" pitchFamily="49" charset="0"/>
+              </a:rPr>
+              <a:t>int a, int b)</a:t>
+            </a:r>
+          </a:p>
+          <a:p>
+            <a:pPr>
+              <a:lnSpc>
+                <a:spcPts val="2700"/>
+              </a:lnSpc>
+              <a:buNone/>
+            </a:pPr>
+            <a:r>
+              <a:rPr lang="en-US" altLang="ko-KR" b="0" dirty="0">
+                <a:effectLst/>
+                <a:latin typeface="DM Mono" panose="020B0509040201040103" pitchFamily="49" charset="0"/>
+              </a:rPr>
+              <a:t>  {</a:t>
+            </a:r>
+          </a:p>
+          <a:p>
+            <a:pPr>
+              <a:lnSpc>
+                <a:spcPts val="2700"/>
+              </a:lnSpc>
+              <a:buNone/>
+            </a:pPr>
+            <a:r>
+              <a:rPr lang="en-US" altLang="ko-KR" b="0" dirty="0">
+                <a:effectLst/>
+                <a:latin typeface="DM Mono" panose="020B0509040201040103" pitchFamily="49" charset="0"/>
+              </a:rPr>
+              <a:t>    </a:t>
+            </a:r>
+            <a:r>
+              <a:rPr lang="en-US" altLang="ko-KR" b="0" dirty="0">
+                <a:solidFill>
+                  <a:srgbClr val="FF0000"/>
+                </a:solidFill>
+                <a:effectLst/>
+                <a:latin typeface="DM Mono" panose="020B0509040201040103" pitchFamily="49" charset="0"/>
+              </a:rPr>
+              <a:t>this-&gt;</a:t>
+            </a:r>
+            <a:r>
+              <a:rPr lang="en-US" altLang="ko-KR" b="0" dirty="0">
+                <a:effectLst/>
+                <a:latin typeface="DM Mono" panose="020B0509040201040103" pitchFamily="49" charset="0"/>
+              </a:rPr>
+              <a:t>x = a;</a:t>
+            </a:r>
+          </a:p>
+          <a:p>
+            <a:pPr>
+              <a:lnSpc>
+                <a:spcPts val="2700"/>
+              </a:lnSpc>
+              <a:buNone/>
+            </a:pPr>
+            <a:r>
+              <a:rPr lang="en-US" altLang="ko-KR" b="0" dirty="0">
+                <a:effectLst/>
+                <a:latin typeface="DM Mono" panose="020B0509040201040103" pitchFamily="49" charset="0"/>
+              </a:rPr>
+              <a:t>    </a:t>
+            </a:r>
+            <a:r>
+              <a:rPr lang="en-US" altLang="ko-KR" b="0" dirty="0">
+                <a:solidFill>
+                  <a:srgbClr val="FF0000"/>
+                </a:solidFill>
+                <a:effectLst/>
+                <a:latin typeface="DM Mono" panose="020B0509040201040103" pitchFamily="49" charset="0"/>
+              </a:rPr>
+              <a:t>this-&gt;</a:t>
+            </a:r>
+            <a:r>
+              <a:rPr lang="en-US" altLang="ko-KR" b="0" dirty="0">
+                <a:effectLst/>
+                <a:latin typeface="DM Mono" panose="020B0509040201040103" pitchFamily="49" charset="0"/>
+              </a:rPr>
+              <a:t>y = b;</a:t>
+            </a:r>
+          </a:p>
+          <a:p>
+            <a:pPr>
+              <a:lnSpc>
+                <a:spcPts val="2700"/>
+              </a:lnSpc>
+              <a:buNone/>
+            </a:pPr>
+            <a:r>
+              <a:rPr lang="en-US" altLang="ko-KR" b="0" dirty="0">
+                <a:effectLst/>
+                <a:latin typeface="DM Mono" panose="020B0509040201040103" pitchFamily="49" charset="0"/>
+              </a:rPr>
+              <a:t>  }</a:t>
+            </a:r>
+            <a:endParaRPr lang="ko-KR" altLang="en-US" dirty="0"/>
+          </a:p>
+        </p:txBody>
+      </p:sp>
+    </p:spTree>
+    <p:extLst>
+      <p:ext uri="{BB962C8B-B14F-4D97-AF65-F5344CB8AC3E}">
+        <p14:creationId xmlns:p14="http://schemas.microsoft.com/office/powerpoint/2010/main" val="449299793"/>
+      </p:ext>
+    </p:extLst>
+  </p:cSld>
+  <p:clrMapOvr>
+    <a:masterClrMapping/>
+  </p:clrMapOvr>
+</p:sld>
+</file>
+
+<file path=ppt/slides/slide13.xml><?xml version="1.0" encoding="utf-8"?>
+<p:sld xmlns:a="http://schemas.openxmlformats.org/drawingml/2006/main" xmlns:r="http://schemas.openxmlformats.org/officeDocument/2006/relationships" xmlns:p="http://schemas.openxmlformats.org/presentationml/2006/main">
+  <p:cSld>
+    <p:spTree>
+      <p:nvGrpSpPr>
+        <p:cNvPr id="1" name="">
+          <a:extLst>
+            <a:ext uri="{FF2B5EF4-FFF2-40B4-BE49-F238E27FC236}">
+              <a16:creationId xmlns:a16="http://schemas.microsoft.com/office/drawing/2014/main" id="{D299AC93-EFBE-AC0F-48D8-C87F8E13C6F7}"/>
+            </a:ext>
+          </a:extLst>
+        </p:cNvPr>
+        <p:cNvGrpSpPr/>
+        <p:nvPr/>
+      </p:nvGrpSpPr>
+      <p:grpSpPr>
+        <a:xfrm>
+          <a:off x="0" y="0"/>
+          <a:ext cx="0" cy="0"/>
+          <a:chOff x="0" y="0"/>
+          <a:chExt cx="0" cy="0"/>
+        </a:xfrm>
+      </p:grpSpPr>
+      <p:sp>
+        <p:nvSpPr>
+          <p:cNvPr id="5" name="TextBox 4">
+            <a:extLst>
+              <a:ext uri="{FF2B5EF4-FFF2-40B4-BE49-F238E27FC236}">
+                <a16:creationId xmlns:a16="http://schemas.microsoft.com/office/drawing/2014/main" id="{0C9B67EF-098A-3F73-40FE-26CBBCC8ED21}"/>
+              </a:ext>
+            </a:extLst>
+          </p:cNvPr>
+          <p:cNvSpPr txBox="1"/>
+          <p:nvPr/>
+        </p:nvSpPr>
+        <p:spPr>
+          <a:xfrm>
+            <a:off x="353834" y="285757"/>
+            <a:ext cx="4393096" cy="3880486"/>
+          </a:xfrm>
+          <a:prstGeom prst="rect">
+            <a:avLst/>
+          </a:prstGeom>
+          <a:noFill/>
+        </p:spPr>
+        <p:txBody>
+          <a:bodyPr wrap="square">
+            <a:spAutoFit/>
+          </a:bodyPr>
+          <a:lstStyle/>
+          <a:p>
+            <a:pPr>
+              <a:lnSpc>
+                <a:spcPts val="2700"/>
+              </a:lnSpc>
+              <a:buNone/>
+            </a:pPr>
+            <a:r>
+              <a:rPr lang="en-US" altLang="ko-KR" b="0" dirty="0">
+                <a:effectLst/>
+                <a:latin typeface="DM Mono" panose="020B0509040201040103" pitchFamily="49" charset="0"/>
+              </a:rPr>
+              <a:t>class Point</a:t>
+            </a:r>
+          </a:p>
+          <a:p>
+            <a:pPr>
+              <a:lnSpc>
+                <a:spcPts val="2700"/>
+              </a:lnSpc>
+              <a:buNone/>
+            </a:pPr>
+            <a:r>
+              <a:rPr lang="en-US" altLang="ko-KR" b="0" dirty="0">
+                <a:effectLst/>
+                <a:latin typeface="DM Mono" panose="020B0509040201040103" pitchFamily="49" charset="0"/>
+              </a:rPr>
+              <a:t>{</a:t>
+            </a:r>
+          </a:p>
+          <a:p>
+            <a:pPr>
+              <a:lnSpc>
+                <a:spcPts val="2700"/>
+              </a:lnSpc>
+              <a:buNone/>
+            </a:pPr>
+            <a:r>
+              <a:rPr lang="en-US" altLang="ko-KR" b="0" dirty="0">
+                <a:effectLst/>
+                <a:latin typeface="DM Mono" panose="020B0509040201040103" pitchFamily="49" charset="0"/>
+              </a:rPr>
+              <a:t>  int x = 0;</a:t>
+            </a:r>
+          </a:p>
+          <a:p>
+            <a:pPr>
+              <a:lnSpc>
+                <a:spcPts val="2700"/>
+              </a:lnSpc>
+              <a:buNone/>
+            </a:pPr>
+            <a:r>
+              <a:rPr lang="en-US" altLang="ko-KR" b="0" dirty="0">
+                <a:effectLst/>
+                <a:latin typeface="DM Mono" panose="020B0509040201040103" pitchFamily="49" charset="0"/>
+              </a:rPr>
+              <a:t>  int y = 0;</a:t>
+            </a:r>
+          </a:p>
+          <a:p>
+            <a:pPr>
+              <a:lnSpc>
+                <a:spcPts val="2700"/>
+              </a:lnSpc>
+              <a:buNone/>
+            </a:pPr>
+            <a:r>
+              <a:rPr lang="en-US" altLang="ko-KR" b="0" dirty="0">
+                <a:effectLst/>
+                <a:latin typeface="DM Mono" panose="020B0509040201040103" pitchFamily="49" charset="0"/>
+              </a:rPr>
+              <a:t>public:</a:t>
+            </a:r>
+          </a:p>
+          <a:p>
+            <a:pPr>
+              <a:lnSpc>
+                <a:spcPts val="2700"/>
+              </a:lnSpc>
+              <a:buNone/>
+            </a:pPr>
+            <a:r>
+              <a:rPr lang="en-US" altLang="ko-KR" b="0" dirty="0">
+                <a:effectLst/>
+                <a:latin typeface="DM Mono" panose="020B0509040201040103" pitchFamily="49" charset="0"/>
+              </a:rPr>
+              <a:t>  void Set(int a, int b)</a:t>
+            </a:r>
+          </a:p>
+          <a:p>
+            <a:pPr>
+              <a:lnSpc>
+                <a:spcPts val="2700"/>
+              </a:lnSpc>
+              <a:buNone/>
+            </a:pPr>
+            <a:r>
+              <a:rPr lang="en-US" altLang="ko-KR" b="0" dirty="0">
+                <a:effectLst/>
+                <a:latin typeface="DM Mono" panose="020B0509040201040103" pitchFamily="49" charset="0"/>
+              </a:rPr>
+              <a:t>  {</a:t>
+            </a:r>
+          </a:p>
+          <a:p>
+            <a:pPr>
+              <a:lnSpc>
+                <a:spcPts val="2700"/>
+              </a:lnSpc>
+              <a:buNone/>
+            </a:pPr>
+            <a:r>
+              <a:rPr lang="en-US" altLang="ko-KR" b="0" dirty="0">
+                <a:effectLst/>
+                <a:latin typeface="DM Mono" panose="020B0509040201040103" pitchFamily="49" charset="0"/>
+              </a:rPr>
+              <a:t>    x = a;</a:t>
+            </a:r>
+          </a:p>
+          <a:p>
+            <a:pPr>
+              <a:lnSpc>
+                <a:spcPts val="2700"/>
+              </a:lnSpc>
+              <a:buNone/>
+            </a:pPr>
+            <a:r>
+              <a:rPr lang="en-US" altLang="ko-KR" b="0" dirty="0">
+                <a:effectLst/>
+                <a:latin typeface="DM Mono" panose="020B0509040201040103" pitchFamily="49" charset="0"/>
+              </a:rPr>
+              <a:t>    y = b;</a:t>
+            </a:r>
+          </a:p>
+          <a:p>
+            <a:pPr>
+              <a:lnSpc>
+                <a:spcPts val="2700"/>
+              </a:lnSpc>
+              <a:buNone/>
+            </a:pPr>
+            <a:r>
+              <a:rPr lang="en-US" altLang="ko-KR" b="0" dirty="0">
+                <a:effectLst/>
+                <a:latin typeface="DM Mono" panose="020B0509040201040103" pitchFamily="49" charset="0"/>
+              </a:rPr>
+              <a:t>  }</a:t>
+            </a:r>
+          </a:p>
+          <a:p>
+            <a:pPr>
+              <a:lnSpc>
+                <a:spcPts val="2700"/>
+              </a:lnSpc>
+              <a:buNone/>
+            </a:pPr>
+            <a:r>
+              <a:rPr lang="en-US" altLang="ko-KR" b="0" dirty="0">
+                <a:effectLst/>
+                <a:latin typeface="DM Mono" panose="020B0509040201040103" pitchFamily="49" charset="0"/>
+              </a:rPr>
+              <a:t>};</a:t>
+            </a:r>
+          </a:p>
+        </p:txBody>
+      </p:sp>
+      <p:sp>
+        <p:nvSpPr>
+          <p:cNvPr id="7" name="TextBox 6">
+            <a:extLst>
+              <a:ext uri="{FF2B5EF4-FFF2-40B4-BE49-F238E27FC236}">
+                <a16:creationId xmlns:a16="http://schemas.microsoft.com/office/drawing/2014/main" id="{5AA2DADC-80F5-AECE-4762-4E6E480E0EDC}"/>
+              </a:ext>
+            </a:extLst>
+          </p:cNvPr>
+          <p:cNvSpPr txBox="1"/>
+          <p:nvPr/>
+        </p:nvSpPr>
+        <p:spPr>
+          <a:xfrm>
+            <a:off x="433345" y="4352145"/>
+            <a:ext cx="4393096" cy="2495491"/>
+          </a:xfrm>
+          <a:prstGeom prst="rect">
+            <a:avLst/>
+          </a:prstGeom>
+          <a:noFill/>
+        </p:spPr>
+        <p:txBody>
+          <a:bodyPr wrap="square">
+            <a:spAutoFit/>
+          </a:bodyPr>
+          <a:lstStyle/>
+          <a:p>
+            <a:pPr>
+              <a:lnSpc>
+                <a:spcPts val="2700"/>
+              </a:lnSpc>
+              <a:buNone/>
+            </a:pPr>
+            <a:r>
+              <a:rPr lang="en-US" altLang="ko-KR" b="0" dirty="0">
+                <a:effectLst/>
+                <a:latin typeface="DM Mono" panose="020B0509040201040103" pitchFamily="49" charset="0"/>
+              </a:rPr>
+              <a:t>Point pt1;</a:t>
+            </a:r>
+          </a:p>
+          <a:p>
+            <a:pPr>
+              <a:lnSpc>
+                <a:spcPts val="2700"/>
+              </a:lnSpc>
+              <a:buNone/>
+            </a:pPr>
+            <a:r>
+              <a:rPr lang="en-US" altLang="ko-KR" b="0" dirty="0">
+                <a:effectLst/>
+                <a:latin typeface="DM Mono" panose="020B0509040201040103" pitchFamily="49" charset="0"/>
+              </a:rPr>
+              <a:t>Point pt2;</a:t>
+            </a:r>
+          </a:p>
+          <a:p>
+            <a:pPr>
+              <a:lnSpc>
+                <a:spcPts val="2700"/>
+              </a:lnSpc>
+              <a:buNone/>
+            </a:pPr>
+            <a:endParaRPr lang="en-US" altLang="ko-KR" b="0" dirty="0">
+              <a:effectLst/>
+              <a:latin typeface="DM Mono" panose="020B0509040201040103" pitchFamily="49" charset="0"/>
+            </a:endParaRPr>
+          </a:p>
+          <a:p>
+            <a:pPr>
+              <a:lnSpc>
+                <a:spcPts val="2700"/>
+              </a:lnSpc>
+              <a:buNone/>
+            </a:pPr>
+            <a:r>
+              <a:rPr lang="en-US" altLang="ko-KR" b="0" dirty="0">
+                <a:solidFill>
+                  <a:srgbClr val="FF0000"/>
+                </a:solidFill>
+                <a:effectLst/>
+                <a:latin typeface="DM Mono" panose="020B0509040201040103" pitchFamily="49" charset="0"/>
+              </a:rPr>
+              <a:t>pt1.Set(10, 20);</a:t>
+            </a:r>
+          </a:p>
+          <a:p>
+            <a:pPr>
+              <a:lnSpc>
+                <a:spcPts val="2700"/>
+              </a:lnSpc>
+              <a:buNone/>
+            </a:pPr>
+            <a:r>
+              <a:rPr lang="en-US" altLang="ko-KR" dirty="0">
+                <a:latin typeface="DM Mono" panose="020B0509040201040103" pitchFamily="49" charset="0"/>
+              </a:rPr>
+              <a:t>// </a:t>
+            </a:r>
+            <a:r>
+              <a:rPr lang="en-US" altLang="ko-KR" dirty="0">
+                <a:solidFill>
+                  <a:srgbClr val="FF0000"/>
+                </a:solidFill>
+                <a:latin typeface="DM Mono" panose="020B0509040201040103" pitchFamily="49" charset="0"/>
+              </a:rPr>
+              <a:t>Point::Set(&amp;pt1, 10, 20)</a:t>
+            </a:r>
+            <a:endParaRPr lang="en-US" altLang="ko-KR" b="0" dirty="0">
+              <a:solidFill>
+                <a:srgbClr val="FF0000"/>
+              </a:solidFill>
+              <a:effectLst/>
+              <a:latin typeface="DM Mono" panose="020B0509040201040103" pitchFamily="49" charset="0"/>
+            </a:endParaRPr>
+          </a:p>
+          <a:p>
+            <a:pPr>
+              <a:lnSpc>
+                <a:spcPts val="2700"/>
+              </a:lnSpc>
+              <a:buNone/>
+            </a:pPr>
+            <a:r>
+              <a:rPr lang="en-US" altLang="ko-KR" b="0" dirty="0">
+                <a:effectLst/>
+                <a:latin typeface="DM Mono" panose="020B0509040201040103" pitchFamily="49" charset="0"/>
+              </a:rPr>
+              <a:t>pt2.Set(100, 200);</a:t>
+            </a:r>
+          </a:p>
+          <a:p>
+            <a:pPr>
+              <a:lnSpc>
+                <a:spcPts val="2700"/>
+              </a:lnSpc>
+              <a:buNone/>
+            </a:pPr>
+            <a:r>
+              <a:rPr lang="en-US" altLang="ko-KR" dirty="0">
+                <a:latin typeface="DM Mono" panose="020B0509040201040103" pitchFamily="49" charset="0"/>
+              </a:rPr>
+              <a:t>// </a:t>
+            </a:r>
+            <a:r>
+              <a:rPr lang="en-US" altLang="ko-KR" dirty="0">
+                <a:solidFill>
+                  <a:srgbClr val="FF0000"/>
+                </a:solidFill>
+                <a:latin typeface="DM Mono" panose="020B0509040201040103" pitchFamily="49" charset="0"/>
+              </a:rPr>
+              <a:t>Point::Set(&amp;pt2, 100, 200)</a:t>
+            </a:r>
+            <a:endParaRPr lang="en-US" altLang="ko-KR" b="0" dirty="0">
+              <a:effectLst/>
+              <a:latin typeface="DM Mono" panose="020B0509040201040103" pitchFamily="49" charset="0"/>
+            </a:endParaRPr>
+          </a:p>
+        </p:txBody>
+      </p:sp>
+      <p:sp>
+        <p:nvSpPr>
+          <p:cNvPr id="8" name="직사각형 7">
+            <a:extLst>
+              <a:ext uri="{FF2B5EF4-FFF2-40B4-BE49-F238E27FC236}">
+                <a16:creationId xmlns:a16="http://schemas.microsoft.com/office/drawing/2014/main" id="{522F49C6-3AEB-79BE-FF0E-DE1E933EF06A}"/>
+              </a:ext>
+            </a:extLst>
+          </p:cNvPr>
+          <p:cNvSpPr/>
+          <p:nvPr/>
+        </p:nvSpPr>
+        <p:spPr>
+          <a:xfrm>
+            <a:off x="5308820" y="4352145"/>
+            <a:ext cx="1036321" cy="545858"/>
+          </a:xfrm>
+          <a:prstGeom prst="rect">
+            <a:avLst/>
+          </a:prstGeom>
+          <a:solidFill>
+            <a:srgbClr val="FFFF00"/>
+          </a:solidFill>
+        </p:spPr>
+        <p:style>
+          <a:lnRef idx="2">
+            <a:schemeClr val="accent1">
+              <a:shade val="15000"/>
+            </a:schemeClr>
+          </a:lnRef>
+          <a:fillRef idx="1">
+            <a:schemeClr val="accent1"/>
+          </a:fillRef>
+          <a:effectRef idx="0">
+            <a:schemeClr val="accent1"/>
+          </a:effectRef>
+          <a:fontRef idx="minor">
+            <a:schemeClr val="lt1"/>
+          </a:fontRef>
+        </p:style>
+        <p:txBody>
+          <a:bodyPr rtlCol="0" anchor="ctr"/>
+          <a:lstStyle/>
+          <a:p>
+            <a:pPr algn="ctr"/>
+            <a:r>
+              <a:rPr kumimoji="1" lang="en-US" altLang="ko-KR" sz="1400" dirty="0">
+                <a:solidFill>
+                  <a:srgbClr val="FF0000"/>
+                </a:solidFill>
+                <a:latin typeface="DM Mono" panose="020B0509040201040103" pitchFamily="49" charset="0"/>
+              </a:rPr>
+              <a:t>10</a:t>
+            </a:r>
+            <a:endParaRPr kumimoji="1" lang="ko-KR" altLang="en-US" sz="1400" dirty="0">
+              <a:solidFill>
+                <a:srgbClr val="FF0000"/>
+              </a:solidFill>
+              <a:latin typeface="DM Mono" panose="020B0509040201040103" pitchFamily="49" charset="0"/>
+            </a:endParaRPr>
+          </a:p>
+        </p:txBody>
+      </p:sp>
+      <p:sp>
+        <p:nvSpPr>
+          <p:cNvPr id="9" name="직사각형 8">
+            <a:extLst>
+              <a:ext uri="{FF2B5EF4-FFF2-40B4-BE49-F238E27FC236}">
+                <a16:creationId xmlns:a16="http://schemas.microsoft.com/office/drawing/2014/main" id="{023F5571-E189-66D3-7007-CDC460783B06}"/>
+              </a:ext>
+            </a:extLst>
+          </p:cNvPr>
+          <p:cNvSpPr/>
+          <p:nvPr/>
+        </p:nvSpPr>
+        <p:spPr>
+          <a:xfrm>
+            <a:off x="5308820" y="4898003"/>
+            <a:ext cx="1036321" cy="545858"/>
+          </a:xfrm>
+          <a:prstGeom prst="rect">
+            <a:avLst/>
+          </a:prstGeom>
+          <a:solidFill>
+            <a:srgbClr val="FFFF00"/>
+          </a:solidFill>
+        </p:spPr>
+        <p:style>
+          <a:lnRef idx="2">
+            <a:schemeClr val="accent1">
+              <a:shade val="15000"/>
+            </a:schemeClr>
+          </a:lnRef>
+          <a:fillRef idx="1">
+            <a:schemeClr val="accent1"/>
+          </a:fillRef>
+          <a:effectRef idx="0">
+            <a:schemeClr val="accent1"/>
+          </a:effectRef>
+          <a:fontRef idx="minor">
+            <a:schemeClr val="lt1"/>
+          </a:fontRef>
+        </p:style>
+        <p:txBody>
+          <a:bodyPr rtlCol="0" anchor="ctr"/>
+          <a:lstStyle/>
+          <a:p>
+            <a:pPr algn="ctr"/>
+            <a:r>
+              <a:rPr kumimoji="1" lang="en-US" altLang="ko-KR" sz="1400" dirty="0">
+                <a:solidFill>
+                  <a:srgbClr val="FF0000"/>
+                </a:solidFill>
+                <a:latin typeface="DM Mono" panose="020B0509040201040103" pitchFamily="49" charset="0"/>
+              </a:rPr>
+              <a:t>20</a:t>
+            </a:r>
+            <a:endParaRPr kumimoji="1" lang="ko-KR" altLang="en-US" sz="1400" dirty="0">
+              <a:solidFill>
+                <a:srgbClr val="FF0000"/>
+              </a:solidFill>
+              <a:latin typeface="DM Mono" panose="020B0509040201040103" pitchFamily="49" charset="0"/>
+            </a:endParaRPr>
+          </a:p>
+        </p:txBody>
+      </p:sp>
+      <p:sp>
+        <p:nvSpPr>
+          <p:cNvPr id="10" name="직사각형 9">
+            <a:extLst>
+              <a:ext uri="{FF2B5EF4-FFF2-40B4-BE49-F238E27FC236}">
+                <a16:creationId xmlns:a16="http://schemas.microsoft.com/office/drawing/2014/main" id="{DD321EF4-9B59-F807-88CE-10DC1341224C}"/>
+              </a:ext>
+            </a:extLst>
+          </p:cNvPr>
+          <p:cNvSpPr/>
+          <p:nvPr/>
+        </p:nvSpPr>
+        <p:spPr>
+          <a:xfrm>
+            <a:off x="4886077" y="4352145"/>
+            <a:ext cx="422743" cy="545858"/>
+          </a:xfrm>
+          <a:prstGeom prst="rect">
+            <a:avLst/>
+          </a:prstGeom>
+          <a:solidFill>
+            <a:schemeClr val="bg1"/>
+          </a:solidFill>
+          <a:ln>
+            <a:noFill/>
+          </a:ln>
+        </p:spPr>
+        <p:style>
+          <a:lnRef idx="2">
+            <a:schemeClr val="accent1">
+              <a:shade val="15000"/>
+            </a:schemeClr>
+          </a:lnRef>
+          <a:fillRef idx="1">
+            <a:schemeClr val="accent1"/>
+          </a:fillRef>
+          <a:effectRef idx="0">
+            <a:schemeClr val="accent1"/>
+          </a:effectRef>
+          <a:fontRef idx="minor">
+            <a:schemeClr val="lt1"/>
+          </a:fontRef>
+        </p:style>
+        <p:txBody>
+          <a:bodyPr rtlCol="0" anchor="ctr"/>
+          <a:lstStyle/>
+          <a:p>
+            <a:pPr algn="ctr"/>
+            <a:r>
+              <a:rPr kumimoji="1" lang="en-US" altLang="ko-KR" sz="1400" dirty="0">
+                <a:solidFill>
+                  <a:schemeClr val="tx1"/>
+                </a:solidFill>
+                <a:latin typeface="DM Mono" panose="020B0509040201040103" pitchFamily="49" charset="0"/>
+              </a:rPr>
+              <a:t>x</a:t>
+            </a:r>
+            <a:endParaRPr kumimoji="1" lang="ko-KR" altLang="en-US" sz="1400" dirty="0">
+              <a:solidFill>
+                <a:schemeClr val="tx1"/>
+              </a:solidFill>
+              <a:latin typeface="DM Mono" panose="020B0509040201040103" pitchFamily="49" charset="0"/>
+            </a:endParaRPr>
+          </a:p>
+        </p:txBody>
+      </p:sp>
+      <p:sp>
+        <p:nvSpPr>
+          <p:cNvPr id="11" name="직사각형 10">
+            <a:extLst>
+              <a:ext uri="{FF2B5EF4-FFF2-40B4-BE49-F238E27FC236}">
+                <a16:creationId xmlns:a16="http://schemas.microsoft.com/office/drawing/2014/main" id="{CB55A5CE-6F23-E546-8C32-935F1BEA6A87}"/>
+              </a:ext>
+            </a:extLst>
+          </p:cNvPr>
+          <p:cNvSpPr/>
+          <p:nvPr/>
+        </p:nvSpPr>
+        <p:spPr>
+          <a:xfrm>
+            <a:off x="4886077" y="4898003"/>
+            <a:ext cx="422743" cy="545858"/>
+          </a:xfrm>
+          <a:prstGeom prst="rect">
+            <a:avLst/>
+          </a:prstGeom>
+          <a:solidFill>
+            <a:schemeClr val="bg1"/>
+          </a:solidFill>
+          <a:ln>
+            <a:noFill/>
+          </a:ln>
+        </p:spPr>
+        <p:style>
+          <a:lnRef idx="2">
+            <a:schemeClr val="accent1">
+              <a:shade val="15000"/>
+            </a:schemeClr>
+          </a:lnRef>
+          <a:fillRef idx="1">
+            <a:schemeClr val="accent1"/>
+          </a:fillRef>
+          <a:effectRef idx="0">
+            <a:schemeClr val="accent1"/>
+          </a:effectRef>
+          <a:fontRef idx="minor">
+            <a:schemeClr val="lt1"/>
+          </a:fontRef>
+        </p:style>
+        <p:txBody>
+          <a:bodyPr rtlCol="0" anchor="ctr"/>
+          <a:lstStyle/>
+          <a:p>
+            <a:pPr algn="ctr"/>
+            <a:r>
+              <a:rPr kumimoji="1" lang="en-US" altLang="ko-KR" sz="1400" dirty="0">
+                <a:solidFill>
+                  <a:schemeClr val="tx1"/>
+                </a:solidFill>
+                <a:latin typeface="DM Mono" panose="020B0509040201040103" pitchFamily="49" charset="0"/>
+              </a:rPr>
+              <a:t>y</a:t>
+            </a:r>
+            <a:endParaRPr kumimoji="1" lang="ko-KR" altLang="en-US" sz="1400" dirty="0">
+              <a:solidFill>
+                <a:schemeClr val="tx1"/>
+              </a:solidFill>
+              <a:latin typeface="DM Mono" panose="020B0509040201040103" pitchFamily="49" charset="0"/>
+            </a:endParaRPr>
+          </a:p>
+        </p:txBody>
+      </p:sp>
+      <p:sp>
+        <p:nvSpPr>
+          <p:cNvPr id="13" name="TextBox 12">
+            <a:extLst>
+              <a:ext uri="{FF2B5EF4-FFF2-40B4-BE49-F238E27FC236}">
+                <a16:creationId xmlns:a16="http://schemas.microsoft.com/office/drawing/2014/main" id="{7C30BF03-BB44-53D7-DFBC-A59465213782}"/>
+              </a:ext>
+            </a:extLst>
+          </p:cNvPr>
+          <p:cNvSpPr txBox="1"/>
+          <p:nvPr/>
+        </p:nvSpPr>
+        <p:spPr>
+          <a:xfrm>
+            <a:off x="5419476" y="4012354"/>
+            <a:ext cx="815008" cy="307777"/>
+          </a:xfrm>
+          <a:prstGeom prst="rect">
+            <a:avLst/>
+          </a:prstGeom>
+          <a:noFill/>
+        </p:spPr>
+        <p:txBody>
+          <a:bodyPr wrap="square">
+            <a:spAutoFit/>
+          </a:bodyPr>
+          <a:lstStyle/>
+          <a:p>
+            <a:pPr algn="ctr"/>
+            <a:r>
+              <a:rPr lang="en-US" altLang="ko-KR" sz="1400" b="0" dirty="0">
+                <a:effectLst/>
+                <a:latin typeface="DM Mono" panose="020B0509040201040103" pitchFamily="49" charset="0"/>
+              </a:rPr>
+              <a:t>pt1</a:t>
+            </a:r>
+            <a:endParaRPr lang="ko-KR" altLang="en-US" sz="1400" dirty="0"/>
+          </a:p>
+        </p:txBody>
+      </p:sp>
+      <p:sp>
+        <p:nvSpPr>
+          <p:cNvPr id="14" name="직사각형 13">
+            <a:extLst>
+              <a:ext uri="{FF2B5EF4-FFF2-40B4-BE49-F238E27FC236}">
+                <a16:creationId xmlns:a16="http://schemas.microsoft.com/office/drawing/2014/main" id="{63D5BFCA-1F46-DD97-AFAF-8F4A1133E13B}"/>
+              </a:ext>
+            </a:extLst>
+          </p:cNvPr>
+          <p:cNvSpPr/>
+          <p:nvPr/>
+        </p:nvSpPr>
+        <p:spPr>
+          <a:xfrm>
+            <a:off x="8959793" y="4352145"/>
+            <a:ext cx="1036321" cy="545858"/>
+          </a:xfrm>
+          <a:prstGeom prst="rect">
+            <a:avLst/>
+          </a:prstGeom>
+          <a:solidFill>
+            <a:srgbClr val="FFFF00"/>
+          </a:solidFill>
+        </p:spPr>
+        <p:style>
+          <a:lnRef idx="2">
+            <a:schemeClr val="accent1">
+              <a:shade val="15000"/>
+            </a:schemeClr>
+          </a:lnRef>
+          <a:fillRef idx="1">
+            <a:schemeClr val="accent1"/>
+          </a:fillRef>
+          <a:effectRef idx="0">
+            <a:schemeClr val="accent1"/>
+          </a:effectRef>
+          <a:fontRef idx="minor">
+            <a:schemeClr val="lt1"/>
+          </a:fontRef>
+        </p:style>
+        <p:txBody>
+          <a:bodyPr rtlCol="0" anchor="ctr"/>
+          <a:lstStyle/>
+          <a:p>
+            <a:pPr algn="ctr"/>
+            <a:r>
+              <a:rPr kumimoji="1" lang="en-US" altLang="ko-KR" sz="1400" dirty="0">
+                <a:solidFill>
+                  <a:schemeClr val="tx1"/>
+                </a:solidFill>
+                <a:latin typeface="DM Mono" panose="020B0509040201040103" pitchFamily="49" charset="0"/>
+              </a:rPr>
+              <a:t>0</a:t>
+            </a:r>
+            <a:endParaRPr kumimoji="1" lang="ko-KR" altLang="en-US" sz="1400" dirty="0">
+              <a:solidFill>
+                <a:schemeClr val="tx1"/>
+              </a:solidFill>
+              <a:latin typeface="DM Mono" panose="020B0509040201040103" pitchFamily="49" charset="0"/>
+            </a:endParaRPr>
+          </a:p>
+        </p:txBody>
+      </p:sp>
+      <p:sp>
+        <p:nvSpPr>
+          <p:cNvPr id="15" name="직사각형 14">
+            <a:extLst>
+              <a:ext uri="{FF2B5EF4-FFF2-40B4-BE49-F238E27FC236}">
+                <a16:creationId xmlns:a16="http://schemas.microsoft.com/office/drawing/2014/main" id="{60E33854-7BB4-2130-5165-D85A49217070}"/>
+              </a:ext>
+            </a:extLst>
+          </p:cNvPr>
+          <p:cNvSpPr/>
+          <p:nvPr/>
+        </p:nvSpPr>
+        <p:spPr>
+          <a:xfrm>
+            <a:off x="8959793" y="4898003"/>
+            <a:ext cx="1036321" cy="545858"/>
+          </a:xfrm>
+          <a:prstGeom prst="rect">
+            <a:avLst/>
+          </a:prstGeom>
+          <a:solidFill>
+            <a:srgbClr val="FFFF00"/>
+          </a:solidFill>
+        </p:spPr>
+        <p:style>
+          <a:lnRef idx="2">
+            <a:schemeClr val="accent1">
+              <a:shade val="15000"/>
+            </a:schemeClr>
+          </a:lnRef>
+          <a:fillRef idx="1">
+            <a:schemeClr val="accent1"/>
+          </a:fillRef>
+          <a:effectRef idx="0">
+            <a:schemeClr val="accent1"/>
+          </a:effectRef>
+          <a:fontRef idx="minor">
+            <a:schemeClr val="lt1"/>
+          </a:fontRef>
+        </p:style>
+        <p:txBody>
+          <a:bodyPr rtlCol="0" anchor="ctr"/>
+          <a:lstStyle/>
+          <a:p>
+            <a:pPr algn="ctr"/>
+            <a:r>
+              <a:rPr kumimoji="1" lang="en-US" altLang="ko-KR" sz="1400" dirty="0">
+                <a:solidFill>
+                  <a:schemeClr val="tx1"/>
+                </a:solidFill>
+                <a:latin typeface="DM Mono" panose="020B0509040201040103" pitchFamily="49" charset="0"/>
+              </a:rPr>
+              <a:t>0</a:t>
+            </a:r>
+            <a:endParaRPr kumimoji="1" lang="ko-KR" altLang="en-US" sz="1400" dirty="0">
+              <a:solidFill>
+                <a:schemeClr val="tx1"/>
+              </a:solidFill>
+              <a:latin typeface="DM Mono" panose="020B0509040201040103" pitchFamily="49" charset="0"/>
+            </a:endParaRPr>
+          </a:p>
+        </p:txBody>
+      </p:sp>
+      <p:sp>
+        <p:nvSpPr>
+          <p:cNvPr id="16" name="직사각형 15">
+            <a:extLst>
+              <a:ext uri="{FF2B5EF4-FFF2-40B4-BE49-F238E27FC236}">
+                <a16:creationId xmlns:a16="http://schemas.microsoft.com/office/drawing/2014/main" id="{393FA681-63C5-268B-2A8B-B12EE19A2B45}"/>
+              </a:ext>
+            </a:extLst>
+          </p:cNvPr>
+          <p:cNvSpPr/>
+          <p:nvPr/>
+        </p:nvSpPr>
+        <p:spPr>
+          <a:xfrm>
+            <a:off x="8537050" y="4352145"/>
+            <a:ext cx="422743" cy="545858"/>
+          </a:xfrm>
+          <a:prstGeom prst="rect">
+            <a:avLst/>
+          </a:prstGeom>
+          <a:solidFill>
+            <a:schemeClr val="bg1"/>
+          </a:solidFill>
+          <a:ln>
+            <a:noFill/>
+          </a:ln>
+        </p:spPr>
+        <p:style>
+          <a:lnRef idx="2">
+            <a:schemeClr val="accent1">
+              <a:shade val="15000"/>
+            </a:schemeClr>
+          </a:lnRef>
+          <a:fillRef idx="1">
+            <a:schemeClr val="accent1"/>
+          </a:fillRef>
+          <a:effectRef idx="0">
+            <a:schemeClr val="accent1"/>
+          </a:effectRef>
+          <a:fontRef idx="minor">
+            <a:schemeClr val="lt1"/>
+          </a:fontRef>
+        </p:style>
+        <p:txBody>
+          <a:bodyPr rtlCol="0" anchor="ctr"/>
+          <a:lstStyle/>
+          <a:p>
+            <a:pPr algn="ctr"/>
+            <a:r>
+              <a:rPr kumimoji="1" lang="en-US" altLang="ko-KR" sz="1400" dirty="0">
+                <a:solidFill>
+                  <a:schemeClr val="tx1"/>
+                </a:solidFill>
+                <a:latin typeface="DM Mono" panose="020B0509040201040103" pitchFamily="49" charset="0"/>
+              </a:rPr>
+              <a:t>x</a:t>
+            </a:r>
+            <a:endParaRPr kumimoji="1" lang="ko-KR" altLang="en-US" sz="1400" dirty="0">
+              <a:solidFill>
+                <a:schemeClr val="tx1"/>
+              </a:solidFill>
+              <a:latin typeface="DM Mono" panose="020B0509040201040103" pitchFamily="49" charset="0"/>
+            </a:endParaRPr>
+          </a:p>
+        </p:txBody>
+      </p:sp>
+      <p:sp>
+        <p:nvSpPr>
+          <p:cNvPr id="17" name="직사각형 16">
+            <a:extLst>
+              <a:ext uri="{FF2B5EF4-FFF2-40B4-BE49-F238E27FC236}">
+                <a16:creationId xmlns:a16="http://schemas.microsoft.com/office/drawing/2014/main" id="{D2C97525-4AC5-CF29-63ED-46DECADB2AF8}"/>
+              </a:ext>
+            </a:extLst>
+          </p:cNvPr>
+          <p:cNvSpPr/>
+          <p:nvPr/>
+        </p:nvSpPr>
+        <p:spPr>
+          <a:xfrm>
+            <a:off x="8537050" y="4898003"/>
+            <a:ext cx="422743" cy="545858"/>
+          </a:xfrm>
+          <a:prstGeom prst="rect">
+            <a:avLst/>
+          </a:prstGeom>
+          <a:solidFill>
+            <a:schemeClr val="bg1"/>
+          </a:solidFill>
+          <a:ln>
+            <a:noFill/>
+          </a:ln>
+        </p:spPr>
+        <p:style>
+          <a:lnRef idx="2">
+            <a:schemeClr val="accent1">
+              <a:shade val="15000"/>
+            </a:schemeClr>
+          </a:lnRef>
+          <a:fillRef idx="1">
+            <a:schemeClr val="accent1"/>
+          </a:fillRef>
+          <a:effectRef idx="0">
+            <a:schemeClr val="accent1"/>
+          </a:effectRef>
+          <a:fontRef idx="minor">
+            <a:schemeClr val="lt1"/>
+          </a:fontRef>
+        </p:style>
+        <p:txBody>
+          <a:bodyPr rtlCol="0" anchor="ctr"/>
+          <a:lstStyle/>
+          <a:p>
+            <a:pPr algn="ctr"/>
+            <a:r>
+              <a:rPr kumimoji="1" lang="en-US" altLang="ko-KR" sz="1400" dirty="0">
+                <a:solidFill>
+                  <a:schemeClr val="tx1"/>
+                </a:solidFill>
+                <a:latin typeface="DM Mono" panose="020B0509040201040103" pitchFamily="49" charset="0"/>
+              </a:rPr>
+              <a:t>y</a:t>
+            </a:r>
+            <a:endParaRPr kumimoji="1" lang="ko-KR" altLang="en-US" sz="1400" dirty="0">
+              <a:solidFill>
+                <a:schemeClr val="tx1"/>
+              </a:solidFill>
+              <a:latin typeface="DM Mono" panose="020B0509040201040103" pitchFamily="49" charset="0"/>
+            </a:endParaRPr>
+          </a:p>
+        </p:txBody>
+      </p:sp>
+      <p:sp>
+        <p:nvSpPr>
+          <p:cNvPr id="18" name="TextBox 17">
+            <a:extLst>
+              <a:ext uri="{FF2B5EF4-FFF2-40B4-BE49-F238E27FC236}">
+                <a16:creationId xmlns:a16="http://schemas.microsoft.com/office/drawing/2014/main" id="{5029C41B-E12F-5E23-7F1B-5259EE29AD8D}"/>
+              </a:ext>
+            </a:extLst>
+          </p:cNvPr>
+          <p:cNvSpPr txBox="1"/>
+          <p:nvPr/>
+        </p:nvSpPr>
+        <p:spPr>
+          <a:xfrm>
+            <a:off x="9070449" y="4012354"/>
+            <a:ext cx="815008" cy="307777"/>
+          </a:xfrm>
+          <a:prstGeom prst="rect">
+            <a:avLst/>
+          </a:prstGeom>
+          <a:noFill/>
+        </p:spPr>
+        <p:txBody>
+          <a:bodyPr wrap="square">
+            <a:spAutoFit/>
+          </a:bodyPr>
+          <a:lstStyle/>
+          <a:p>
+            <a:pPr algn="ctr"/>
+            <a:r>
+              <a:rPr lang="en-US" altLang="ko-KR" sz="1400" b="0" dirty="0">
+                <a:effectLst/>
+                <a:latin typeface="DM Mono" panose="020B0509040201040103" pitchFamily="49" charset="0"/>
+              </a:rPr>
+              <a:t>pt2</a:t>
+            </a:r>
+            <a:endParaRPr lang="ko-KR" altLang="en-US" sz="1400" dirty="0"/>
+          </a:p>
+        </p:txBody>
+      </p:sp>
+      <p:sp>
+        <p:nvSpPr>
+          <p:cNvPr id="20" name="TextBox 19">
+            <a:extLst>
+              <a:ext uri="{FF2B5EF4-FFF2-40B4-BE49-F238E27FC236}">
+                <a16:creationId xmlns:a16="http://schemas.microsoft.com/office/drawing/2014/main" id="{AB4EA648-F4C6-D71B-4CBF-854AF65BAC19}"/>
+              </a:ext>
+            </a:extLst>
+          </p:cNvPr>
+          <p:cNvSpPr txBox="1"/>
+          <p:nvPr/>
+        </p:nvSpPr>
+        <p:spPr>
+          <a:xfrm>
+            <a:off x="4381170" y="1414139"/>
+            <a:ext cx="6838120" cy="1799467"/>
+          </a:xfrm>
+          <a:prstGeom prst="rect">
+            <a:avLst/>
+          </a:prstGeom>
+          <a:noFill/>
+        </p:spPr>
+        <p:txBody>
+          <a:bodyPr wrap="square">
+            <a:spAutoFit/>
+          </a:bodyPr>
+          <a:lstStyle/>
+          <a:p>
+            <a:pPr>
+              <a:lnSpc>
+                <a:spcPts val="2700"/>
+              </a:lnSpc>
+              <a:buNone/>
+            </a:pPr>
+            <a:r>
+              <a:rPr lang="en-US" altLang="ko-KR" b="0" dirty="0">
+                <a:effectLst/>
+                <a:latin typeface="DM Mono" panose="020B0509040201040103" pitchFamily="49" charset="0"/>
+              </a:rPr>
+              <a:t>  void </a:t>
+            </a:r>
+            <a:r>
+              <a:rPr lang="en-US" altLang="ko-KR" b="0" dirty="0">
+                <a:solidFill>
+                  <a:srgbClr val="FF0000"/>
+                </a:solidFill>
+                <a:effectLst/>
+                <a:latin typeface="DM Mono" panose="020B0509040201040103" pitchFamily="49" charset="0"/>
+              </a:rPr>
+              <a:t>Point::</a:t>
+            </a:r>
+            <a:r>
+              <a:rPr lang="en-US" altLang="ko-KR" b="0" dirty="0">
+                <a:effectLst/>
+                <a:latin typeface="DM Mono" panose="020B0509040201040103" pitchFamily="49" charset="0"/>
+              </a:rPr>
+              <a:t>Set(</a:t>
+            </a:r>
+            <a:r>
+              <a:rPr lang="en-US" altLang="ko-KR" b="0" dirty="0">
+                <a:solidFill>
+                  <a:srgbClr val="FF0000"/>
+                </a:solidFill>
+                <a:effectLst/>
+                <a:latin typeface="DM Mono" panose="020B0509040201040103" pitchFamily="49" charset="0"/>
+              </a:rPr>
+              <a:t>Point* this, </a:t>
+            </a:r>
+            <a:r>
+              <a:rPr lang="en-US" altLang="ko-KR" b="0" dirty="0">
+                <a:effectLst/>
+                <a:latin typeface="DM Mono" panose="020B0509040201040103" pitchFamily="49" charset="0"/>
+              </a:rPr>
+              <a:t>int a, int b)</a:t>
+            </a:r>
+          </a:p>
+          <a:p>
+            <a:pPr>
+              <a:lnSpc>
+                <a:spcPts val="2700"/>
+              </a:lnSpc>
+              <a:buNone/>
+            </a:pPr>
+            <a:r>
+              <a:rPr lang="en-US" altLang="ko-KR" b="0" dirty="0">
+                <a:effectLst/>
+                <a:latin typeface="DM Mono" panose="020B0509040201040103" pitchFamily="49" charset="0"/>
+              </a:rPr>
+              <a:t>  {</a:t>
+            </a:r>
+          </a:p>
+          <a:p>
+            <a:pPr>
+              <a:lnSpc>
+                <a:spcPts val="2700"/>
+              </a:lnSpc>
+              <a:buNone/>
+            </a:pPr>
+            <a:r>
+              <a:rPr lang="en-US" altLang="ko-KR" b="0" dirty="0">
+                <a:effectLst/>
+                <a:latin typeface="DM Mono" panose="020B0509040201040103" pitchFamily="49" charset="0"/>
+              </a:rPr>
+              <a:t>    </a:t>
+            </a:r>
+            <a:r>
+              <a:rPr lang="en-US" altLang="ko-KR" b="0" dirty="0">
+                <a:solidFill>
+                  <a:srgbClr val="FF0000"/>
+                </a:solidFill>
+                <a:effectLst/>
+                <a:latin typeface="DM Mono" panose="020B0509040201040103" pitchFamily="49" charset="0"/>
+              </a:rPr>
+              <a:t>this-&gt;</a:t>
+            </a:r>
+            <a:r>
+              <a:rPr lang="en-US" altLang="ko-KR" b="0" dirty="0">
+                <a:effectLst/>
+                <a:latin typeface="DM Mono" panose="020B0509040201040103" pitchFamily="49" charset="0"/>
+              </a:rPr>
+              <a:t>x = a;</a:t>
+            </a:r>
+          </a:p>
+          <a:p>
+            <a:pPr>
+              <a:lnSpc>
+                <a:spcPts val="2700"/>
+              </a:lnSpc>
+              <a:buNone/>
+            </a:pPr>
+            <a:r>
+              <a:rPr lang="en-US" altLang="ko-KR" b="0" dirty="0">
+                <a:effectLst/>
+                <a:latin typeface="DM Mono" panose="020B0509040201040103" pitchFamily="49" charset="0"/>
+              </a:rPr>
+              <a:t>    </a:t>
+            </a:r>
+            <a:r>
+              <a:rPr lang="en-US" altLang="ko-KR" b="0" dirty="0">
+                <a:solidFill>
+                  <a:srgbClr val="FF0000"/>
+                </a:solidFill>
+                <a:effectLst/>
+                <a:latin typeface="DM Mono" panose="020B0509040201040103" pitchFamily="49" charset="0"/>
+              </a:rPr>
+              <a:t>this-&gt;</a:t>
+            </a:r>
+            <a:r>
+              <a:rPr lang="en-US" altLang="ko-KR" b="0" dirty="0">
+                <a:effectLst/>
+                <a:latin typeface="DM Mono" panose="020B0509040201040103" pitchFamily="49" charset="0"/>
+              </a:rPr>
+              <a:t>y = b;</a:t>
+            </a:r>
+          </a:p>
+          <a:p>
+            <a:pPr>
+              <a:lnSpc>
+                <a:spcPts val="2700"/>
+              </a:lnSpc>
+              <a:buNone/>
+            </a:pPr>
+            <a:r>
+              <a:rPr lang="en-US" altLang="ko-KR" b="0" dirty="0">
+                <a:effectLst/>
+                <a:latin typeface="DM Mono" panose="020B0509040201040103" pitchFamily="49" charset="0"/>
+              </a:rPr>
+              <a:t>  }</a:t>
+            </a:r>
+            <a:endParaRPr lang="ko-KR" altLang="en-US" dirty="0"/>
+          </a:p>
+        </p:txBody>
+      </p:sp>
+      <p:sp>
+        <p:nvSpPr>
+          <p:cNvPr id="2" name="모서리가 둥근 직사각형 1">
+            <a:extLst>
+              <a:ext uri="{FF2B5EF4-FFF2-40B4-BE49-F238E27FC236}">
+                <a16:creationId xmlns:a16="http://schemas.microsoft.com/office/drawing/2014/main" id="{8659F8AA-B91E-69AF-E1E7-957EAC4E160E}"/>
+              </a:ext>
+            </a:extLst>
+          </p:cNvPr>
+          <p:cNvSpPr/>
+          <p:nvPr/>
+        </p:nvSpPr>
+        <p:spPr>
+          <a:xfrm>
+            <a:off x="7724032" y="1351233"/>
+            <a:ext cx="895181" cy="477568"/>
+          </a:xfrm>
+          <a:prstGeom prst="roundRect">
+            <a:avLst/>
+          </a:prstGeom>
+          <a:noFill/>
+          <a:ln>
+            <a:solidFill>
+              <a:schemeClr val="tx1"/>
+            </a:solidFill>
+          </a:ln>
+        </p:spPr>
+        <p:style>
+          <a:lnRef idx="2">
+            <a:schemeClr val="accent1">
+              <a:shade val="15000"/>
+            </a:schemeClr>
+          </a:lnRef>
+          <a:fillRef idx="1">
+            <a:schemeClr val="accent1"/>
+          </a:fillRef>
+          <a:effectRef idx="0">
+            <a:schemeClr val="accent1"/>
+          </a:effectRef>
+          <a:fontRef idx="minor">
+            <a:schemeClr val="lt1"/>
+          </a:fontRef>
+        </p:style>
+        <p:txBody>
+          <a:bodyPr rtlCol="0" anchor="ctr"/>
+          <a:lstStyle/>
+          <a:p>
+            <a:pPr algn="ctr"/>
+            <a:endParaRPr kumimoji="1" lang="ko-KR" altLang="en-US" sz="1400" dirty="0">
+              <a:solidFill>
+                <a:schemeClr val="tx1"/>
+              </a:solidFill>
+              <a:latin typeface="DM Mono" panose="020B0509040201040103" pitchFamily="49" charset="0"/>
+            </a:endParaRPr>
+          </a:p>
+        </p:txBody>
+      </p:sp>
+      <p:cxnSp>
+        <p:nvCxnSpPr>
+          <p:cNvPr id="4" name="구부러진 연결선[U] 3">
+            <a:extLst>
+              <a:ext uri="{FF2B5EF4-FFF2-40B4-BE49-F238E27FC236}">
+                <a16:creationId xmlns:a16="http://schemas.microsoft.com/office/drawing/2014/main" id="{42196714-3D8B-2B6D-7F29-3CA9359F9F2F}"/>
+              </a:ext>
+            </a:extLst>
+          </p:cNvPr>
+          <p:cNvCxnSpPr>
+            <a:stCxn id="2" idx="2"/>
+            <a:endCxn id="8" idx="0"/>
+          </p:cNvCxnSpPr>
+          <p:nvPr/>
+        </p:nvCxnSpPr>
+        <p:spPr>
+          <a:xfrm rot="5400000">
+            <a:off x="5737630" y="1918152"/>
+            <a:ext cx="2523344" cy="2344642"/>
+          </a:xfrm>
+          <a:prstGeom prst="curvedConnector3">
+            <a:avLst/>
+          </a:prstGeom>
+          <a:ln>
+            <a:tailEnd type="triangle"/>
+          </a:ln>
+        </p:spPr>
+        <p:style>
+          <a:lnRef idx="2">
+            <a:schemeClr val="dk1"/>
+          </a:lnRef>
+          <a:fillRef idx="0">
+            <a:schemeClr val="dk1"/>
+          </a:fillRef>
+          <a:effectRef idx="1">
+            <a:schemeClr val="dk1"/>
+          </a:effectRef>
+          <a:fontRef idx="minor">
+            <a:schemeClr val="tx1"/>
+          </a:fontRef>
+        </p:style>
+      </p:cxnSp>
+    </p:spTree>
+    <p:extLst>
+      <p:ext uri="{BB962C8B-B14F-4D97-AF65-F5344CB8AC3E}">
+        <p14:creationId xmlns:p14="http://schemas.microsoft.com/office/powerpoint/2010/main" val="740935006"/>
+      </p:ext>
+    </p:extLst>
+  </p:cSld>
+  <p:clrMapOvr>
+    <a:masterClrMapping/>
+  </p:clrMapOvr>
+</p:sld>
+</file>
+
+<file path=ppt/slides/slide14.xml><?xml version="1.0" encoding="utf-8"?>
+<p:sld xmlns:a="http://schemas.openxmlformats.org/drawingml/2006/main" xmlns:r="http://schemas.openxmlformats.org/officeDocument/2006/relationships" xmlns:p="http://schemas.openxmlformats.org/presentationml/2006/main">
+  <p:cSld>
+    <p:spTree>
+      <p:nvGrpSpPr>
+        <p:cNvPr id="1" name="">
+          <a:extLst>
+            <a:ext uri="{FF2B5EF4-FFF2-40B4-BE49-F238E27FC236}">
+              <a16:creationId xmlns:a16="http://schemas.microsoft.com/office/drawing/2014/main" id="{334DACC4-5334-CD4A-0D0F-7CF8F1FB9A80}"/>
+            </a:ext>
+          </a:extLst>
+        </p:cNvPr>
+        <p:cNvGrpSpPr/>
+        <p:nvPr/>
+      </p:nvGrpSpPr>
+      <p:grpSpPr>
+        <a:xfrm>
+          <a:off x="0" y="0"/>
+          <a:ext cx="0" cy="0"/>
+          <a:chOff x="0" y="0"/>
+          <a:chExt cx="0" cy="0"/>
+        </a:xfrm>
+      </p:grpSpPr>
+      <p:sp>
+        <p:nvSpPr>
+          <p:cNvPr id="5" name="TextBox 4">
+            <a:extLst>
+              <a:ext uri="{FF2B5EF4-FFF2-40B4-BE49-F238E27FC236}">
+                <a16:creationId xmlns:a16="http://schemas.microsoft.com/office/drawing/2014/main" id="{65BF5280-F8C5-E8C7-A254-8F86487D7E75}"/>
+              </a:ext>
+            </a:extLst>
+          </p:cNvPr>
+          <p:cNvSpPr txBox="1"/>
+          <p:nvPr/>
+        </p:nvSpPr>
+        <p:spPr>
+          <a:xfrm>
+            <a:off x="353834" y="285757"/>
+            <a:ext cx="4393096" cy="3880486"/>
+          </a:xfrm>
+          <a:prstGeom prst="rect">
+            <a:avLst/>
+          </a:prstGeom>
+          <a:noFill/>
+        </p:spPr>
+        <p:txBody>
+          <a:bodyPr wrap="square">
+            <a:spAutoFit/>
+          </a:bodyPr>
+          <a:lstStyle/>
+          <a:p>
+            <a:pPr>
+              <a:lnSpc>
+                <a:spcPts val="2700"/>
+              </a:lnSpc>
+              <a:buNone/>
+            </a:pPr>
+            <a:r>
+              <a:rPr lang="en-US" altLang="ko-KR" b="0" dirty="0">
+                <a:effectLst/>
+                <a:latin typeface="DM Mono" panose="020B0509040201040103" pitchFamily="49" charset="0"/>
+              </a:rPr>
+              <a:t>class Point</a:t>
+            </a:r>
+          </a:p>
+          <a:p>
+            <a:pPr>
+              <a:lnSpc>
+                <a:spcPts val="2700"/>
+              </a:lnSpc>
+              <a:buNone/>
+            </a:pPr>
+            <a:r>
+              <a:rPr lang="en-US" altLang="ko-KR" b="0" dirty="0">
+                <a:effectLst/>
+                <a:latin typeface="DM Mono" panose="020B0509040201040103" pitchFamily="49" charset="0"/>
+              </a:rPr>
+              <a:t>{</a:t>
+            </a:r>
+          </a:p>
+          <a:p>
+            <a:pPr>
+              <a:lnSpc>
+                <a:spcPts val="2700"/>
+              </a:lnSpc>
+              <a:buNone/>
+            </a:pPr>
+            <a:r>
+              <a:rPr lang="en-US" altLang="ko-KR" b="0" dirty="0">
+                <a:effectLst/>
+                <a:latin typeface="DM Mono" panose="020B0509040201040103" pitchFamily="49" charset="0"/>
+              </a:rPr>
+              <a:t>  int x = 0;</a:t>
+            </a:r>
+          </a:p>
+          <a:p>
+            <a:pPr>
+              <a:lnSpc>
+                <a:spcPts val="2700"/>
+              </a:lnSpc>
+              <a:buNone/>
+            </a:pPr>
+            <a:r>
+              <a:rPr lang="en-US" altLang="ko-KR" b="0" dirty="0">
+                <a:effectLst/>
+                <a:latin typeface="DM Mono" panose="020B0509040201040103" pitchFamily="49" charset="0"/>
+              </a:rPr>
+              <a:t>  int y = 0;</a:t>
+            </a:r>
+          </a:p>
+          <a:p>
+            <a:pPr>
+              <a:lnSpc>
+                <a:spcPts val="2700"/>
+              </a:lnSpc>
+              <a:buNone/>
+            </a:pPr>
+            <a:r>
+              <a:rPr lang="en-US" altLang="ko-KR" b="0" dirty="0">
+                <a:effectLst/>
+                <a:latin typeface="DM Mono" panose="020B0509040201040103" pitchFamily="49" charset="0"/>
+              </a:rPr>
+              <a:t>public:</a:t>
+            </a:r>
+          </a:p>
+          <a:p>
+            <a:pPr>
+              <a:lnSpc>
+                <a:spcPts val="2700"/>
+              </a:lnSpc>
+              <a:buNone/>
+            </a:pPr>
+            <a:r>
+              <a:rPr lang="en-US" altLang="ko-KR" b="0" dirty="0">
+                <a:effectLst/>
+                <a:latin typeface="DM Mono" panose="020B0509040201040103" pitchFamily="49" charset="0"/>
+              </a:rPr>
+              <a:t>  void Set(int a, int b)</a:t>
+            </a:r>
+          </a:p>
+          <a:p>
+            <a:pPr>
+              <a:lnSpc>
+                <a:spcPts val="2700"/>
+              </a:lnSpc>
+              <a:buNone/>
+            </a:pPr>
+            <a:r>
+              <a:rPr lang="en-US" altLang="ko-KR" b="0" dirty="0">
+                <a:effectLst/>
+                <a:latin typeface="DM Mono" panose="020B0509040201040103" pitchFamily="49" charset="0"/>
+              </a:rPr>
+              <a:t>  {</a:t>
+            </a:r>
+          </a:p>
+          <a:p>
+            <a:pPr>
+              <a:lnSpc>
+                <a:spcPts val="2700"/>
+              </a:lnSpc>
+              <a:buNone/>
+            </a:pPr>
+            <a:r>
+              <a:rPr lang="en-US" altLang="ko-KR" b="0" dirty="0">
+                <a:effectLst/>
+                <a:latin typeface="DM Mono" panose="020B0509040201040103" pitchFamily="49" charset="0"/>
+              </a:rPr>
+              <a:t>    x = a;</a:t>
+            </a:r>
+          </a:p>
+          <a:p>
+            <a:pPr>
+              <a:lnSpc>
+                <a:spcPts val="2700"/>
+              </a:lnSpc>
+              <a:buNone/>
+            </a:pPr>
+            <a:r>
+              <a:rPr lang="en-US" altLang="ko-KR" b="0" dirty="0">
+                <a:effectLst/>
+                <a:latin typeface="DM Mono" panose="020B0509040201040103" pitchFamily="49" charset="0"/>
+              </a:rPr>
+              <a:t>    y = b;</a:t>
+            </a:r>
+          </a:p>
+          <a:p>
+            <a:pPr>
+              <a:lnSpc>
+                <a:spcPts val="2700"/>
+              </a:lnSpc>
+              <a:buNone/>
+            </a:pPr>
+            <a:r>
+              <a:rPr lang="en-US" altLang="ko-KR" b="0" dirty="0">
+                <a:effectLst/>
+                <a:latin typeface="DM Mono" panose="020B0509040201040103" pitchFamily="49" charset="0"/>
+              </a:rPr>
+              <a:t>  }</a:t>
+            </a:r>
+          </a:p>
+          <a:p>
+            <a:pPr>
+              <a:lnSpc>
+                <a:spcPts val="2700"/>
+              </a:lnSpc>
+              <a:buNone/>
+            </a:pPr>
+            <a:r>
+              <a:rPr lang="en-US" altLang="ko-KR" b="0" dirty="0">
+                <a:effectLst/>
+                <a:latin typeface="DM Mono" panose="020B0509040201040103" pitchFamily="49" charset="0"/>
+              </a:rPr>
+              <a:t>};</a:t>
+            </a:r>
+          </a:p>
+        </p:txBody>
+      </p:sp>
+      <p:sp>
+        <p:nvSpPr>
+          <p:cNvPr id="7" name="TextBox 6">
+            <a:extLst>
+              <a:ext uri="{FF2B5EF4-FFF2-40B4-BE49-F238E27FC236}">
+                <a16:creationId xmlns:a16="http://schemas.microsoft.com/office/drawing/2014/main" id="{789B8B91-A242-8226-8969-A74F6101506D}"/>
+              </a:ext>
+            </a:extLst>
+          </p:cNvPr>
+          <p:cNvSpPr txBox="1"/>
+          <p:nvPr/>
+        </p:nvSpPr>
+        <p:spPr>
+          <a:xfrm>
+            <a:off x="433345" y="4352145"/>
+            <a:ext cx="4393096" cy="2495491"/>
+          </a:xfrm>
+          <a:prstGeom prst="rect">
+            <a:avLst/>
+          </a:prstGeom>
+          <a:noFill/>
+        </p:spPr>
+        <p:txBody>
+          <a:bodyPr wrap="square">
+            <a:spAutoFit/>
+          </a:bodyPr>
+          <a:lstStyle/>
+          <a:p>
+            <a:pPr>
+              <a:lnSpc>
+                <a:spcPts val="2700"/>
+              </a:lnSpc>
+              <a:buNone/>
+            </a:pPr>
+            <a:r>
+              <a:rPr lang="en-US" altLang="ko-KR" b="0" dirty="0">
+                <a:effectLst/>
+                <a:latin typeface="DM Mono" panose="020B0509040201040103" pitchFamily="49" charset="0"/>
+              </a:rPr>
+              <a:t>Point pt1;</a:t>
+            </a:r>
+          </a:p>
+          <a:p>
+            <a:pPr>
+              <a:lnSpc>
+                <a:spcPts val="2700"/>
+              </a:lnSpc>
+              <a:buNone/>
+            </a:pPr>
+            <a:r>
+              <a:rPr lang="en-US" altLang="ko-KR" b="0" dirty="0">
+                <a:effectLst/>
+                <a:latin typeface="DM Mono" panose="020B0509040201040103" pitchFamily="49" charset="0"/>
+              </a:rPr>
+              <a:t>Point pt2;</a:t>
+            </a:r>
+          </a:p>
+          <a:p>
+            <a:pPr>
+              <a:lnSpc>
+                <a:spcPts val="2700"/>
+              </a:lnSpc>
+              <a:buNone/>
+            </a:pPr>
+            <a:endParaRPr lang="en-US" altLang="ko-KR" b="0" dirty="0">
+              <a:effectLst/>
+              <a:latin typeface="DM Mono" panose="020B0509040201040103" pitchFamily="49" charset="0"/>
+            </a:endParaRPr>
+          </a:p>
+          <a:p>
+            <a:pPr>
+              <a:lnSpc>
+                <a:spcPts val="2700"/>
+              </a:lnSpc>
+              <a:buNone/>
+            </a:pPr>
+            <a:r>
+              <a:rPr lang="en-US" altLang="ko-KR" b="0" dirty="0">
+                <a:effectLst/>
+                <a:latin typeface="DM Mono" panose="020B0509040201040103" pitchFamily="49" charset="0"/>
+              </a:rPr>
+              <a:t>pt1.Set(10, 20);</a:t>
+            </a:r>
+          </a:p>
+          <a:p>
+            <a:pPr>
+              <a:lnSpc>
+                <a:spcPts val="2700"/>
+              </a:lnSpc>
+              <a:buNone/>
+            </a:pPr>
+            <a:r>
+              <a:rPr lang="en-US" altLang="ko-KR" dirty="0">
+                <a:latin typeface="DM Mono" panose="020B0509040201040103" pitchFamily="49" charset="0"/>
+              </a:rPr>
+              <a:t>// </a:t>
+            </a:r>
+            <a:r>
+              <a:rPr lang="en-US" altLang="ko-KR" dirty="0">
+                <a:solidFill>
+                  <a:srgbClr val="FF0000"/>
+                </a:solidFill>
+                <a:latin typeface="DM Mono" panose="020B0509040201040103" pitchFamily="49" charset="0"/>
+              </a:rPr>
+              <a:t>Point::Set(&amp;pt1, 10, 20)</a:t>
+            </a:r>
+            <a:endParaRPr lang="en-US" altLang="ko-KR" b="0" dirty="0">
+              <a:solidFill>
+                <a:srgbClr val="FF0000"/>
+              </a:solidFill>
+              <a:effectLst/>
+              <a:latin typeface="DM Mono" panose="020B0509040201040103" pitchFamily="49" charset="0"/>
+            </a:endParaRPr>
+          </a:p>
+          <a:p>
+            <a:pPr>
+              <a:lnSpc>
+                <a:spcPts val="2700"/>
+              </a:lnSpc>
+              <a:buNone/>
+            </a:pPr>
+            <a:r>
+              <a:rPr lang="en-US" altLang="ko-KR" b="0" dirty="0">
+                <a:solidFill>
+                  <a:srgbClr val="FF0000"/>
+                </a:solidFill>
+                <a:effectLst/>
+                <a:latin typeface="DM Mono" panose="020B0509040201040103" pitchFamily="49" charset="0"/>
+              </a:rPr>
+              <a:t>pt2.Set(100, 200);</a:t>
+            </a:r>
+          </a:p>
+          <a:p>
+            <a:pPr>
+              <a:lnSpc>
+                <a:spcPts val="2700"/>
+              </a:lnSpc>
+              <a:buNone/>
+            </a:pPr>
+            <a:r>
+              <a:rPr lang="en-US" altLang="ko-KR" dirty="0">
+                <a:latin typeface="DM Mono" panose="020B0509040201040103" pitchFamily="49" charset="0"/>
+              </a:rPr>
+              <a:t>// </a:t>
+            </a:r>
+            <a:r>
+              <a:rPr lang="en-US" altLang="ko-KR" dirty="0">
+                <a:solidFill>
+                  <a:srgbClr val="FF0000"/>
+                </a:solidFill>
+                <a:latin typeface="DM Mono" panose="020B0509040201040103" pitchFamily="49" charset="0"/>
+              </a:rPr>
+              <a:t>Point::Set(&amp;pt2, 100, 200)</a:t>
+            </a:r>
+            <a:endParaRPr lang="en-US" altLang="ko-KR" b="0" dirty="0">
+              <a:effectLst/>
+              <a:latin typeface="DM Mono" panose="020B0509040201040103" pitchFamily="49" charset="0"/>
+            </a:endParaRPr>
+          </a:p>
+        </p:txBody>
+      </p:sp>
+      <p:sp>
+        <p:nvSpPr>
+          <p:cNvPr id="8" name="직사각형 7">
+            <a:extLst>
+              <a:ext uri="{FF2B5EF4-FFF2-40B4-BE49-F238E27FC236}">
+                <a16:creationId xmlns:a16="http://schemas.microsoft.com/office/drawing/2014/main" id="{495ECDCA-1209-78B5-ACD8-C0649620EF3D}"/>
+              </a:ext>
+            </a:extLst>
+          </p:cNvPr>
+          <p:cNvSpPr/>
+          <p:nvPr/>
+        </p:nvSpPr>
+        <p:spPr>
+          <a:xfrm>
+            <a:off x="5308820" y="4352145"/>
+            <a:ext cx="1036321" cy="545858"/>
+          </a:xfrm>
+          <a:prstGeom prst="rect">
+            <a:avLst/>
+          </a:prstGeom>
+          <a:solidFill>
+            <a:srgbClr val="FFFF00"/>
+          </a:solidFill>
+        </p:spPr>
+        <p:style>
+          <a:lnRef idx="2">
+            <a:schemeClr val="accent1">
+              <a:shade val="15000"/>
+            </a:schemeClr>
+          </a:lnRef>
+          <a:fillRef idx="1">
+            <a:schemeClr val="accent1"/>
+          </a:fillRef>
+          <a:effectRef idx="0">
+            <a:schemeClr val="accent1"/>
+          </a:effectRef>
+          <a:fontRef idx="minor">
+            <a:schemeClr val="lt1"/>
+          </a:fontRef>
+        </p:style>
+        <p:txBody>
+          <a:bodyPr rtlCol="0" anchor="ctr"/>
+          <a:lstStyle/>
+          <a:p>
+            <a:pPr algn="ctr"/>
+            <a:r>
+              <a:rPr kumimoji="1" lang="en-US" altLang="ko-KR" sz="1400" dirty="0">
+                <a:solidFill>
+                  <a:schemeClr val="tx1"/>
+                </a:solidFill>
+                <a:latin typeface="DM Mono" panose="020B0509040201040103" pitchFamily="49" charset="0"/>
+              </a:rPr>
+              <a:t>10</a:t>
+            </a:r>
+            <a:endParaRPr kumimoji="1" lang="ko-KR" altLang="en-US" sz="1400" dirty="0">
+              <a:solidFill>
+                <a:schemeClr val="tx1"/>
+              </a:solidFill>
+              <a:latin typeface="DM Mono" panose="020B0509040201040103" pitchFamily="49" charset="0"/>
+            </a:endParaRPr>
+          </a:p>
+        </p:txBody>
+      </p:sp>
+      <p:sp>
+        <p:nvSpPr>
+          <p:cNvPr id="9" name="직사각형 8">
+            <a:extLst>
+              <a:ext uri="{FF2B5EF4-FFF2-40B4-BE49-F238E27FC236}">
+                <a16:creationId xmlns:a16="http://schemas.microsoft.com/office/drawing/2014/main" id="{BF7945F6-7B2F-BE15-5F27-36D8CED639AE}"/>
+              </a:ext>
+            </a:extLst>
+          </p:cNvPr>
+          <p:cNvSpPr/>
+          <p:nvPr/>
+        </p:nvSpPr>
+        <p:spPr>
+          <a:xfrm>
+            <a:off x="5308820" y="4898003"/>
+            <a:ext cx="1036321" cy="545858"/>
+          </a:xfrm>
+          <a:prstGeom prst="rect">
+            <a:avLst/>
+          </a:prstGeom>
+          <a:solidFill>
+            <a:srgbClr val="FFFF00"/>
+          </a:solidFill>
+        </p:spPr>
+        <p:style>
+          <a:lnRef idx="2">
+            <a:schemeClr val="accent1">
+              <a:shade val="15000"/>
+            </a:schemeClr>
+          </a:lnRef>
+          <a:fillRef idx="1">
+            <a:schemeClr val="accent1"/>
+          </a:fillRef>
+          <a:effectRef idx="0">
+            <a:schemeClr val="accent1"/>
+          </a:effectRef>
+          <a:fontRef idx="minor">
+            <a:schemeClr val="lt1"/>
+          </a:fontRef>
+        </p:style>
+        <p:txBody>
+          <a:bodyPr rtlCol="0" anchor="ctr"/>
+          <a:lstStyle/>
+          <a:p>
+            <a:pPr algn="ctr"/>
+            <a:r>
+              <a:rPr kumimoji="1" lang="en-US" altLang="ko-KR" sz="1400" dirty="0">
+                <a:solidFill>
+                  <a:schemeClr val="tx1"/>
+                </a:solidFill>
+                <a:latin typeface="DM Mono" panose="020B0509040201040103" pitchFamily="49" charset="0"/>
+              </a:rPr>
+              <a:t>20</a:t>
+            </a:r>
+            <a:endParaRPr kumimoji="1" lang="ko-KR" altLang="en-US" sz="1400" dirty="0">
+              <a:solidFill>
+                <a:schemeClr val="tx1"/>
+              </a:solidFill>
+              <a:latin typeface="DM Mono" panose="020B0509040201040103" pitchFamily="49" charset="0"/>
+            </a:endParaRPr>
+          </a:p>
+        </p:txBody>
+      </p:sp>
+      <p:sp>
+        <p:nvSpPr>
+          <p:cNvPr id="10" name="직사각형 9">
+            <a:extLst>
+              <a:ext uri="{FF2B5EF4-FFF2-40B4-BE49-F238E27FC236}">
+                <a16:creationId xmlns:a16="http://schemas.microsoft.com/office/drawing/2014/main" id="{A9770024-213A-9C2C-AEED-CA2E0F57D0C1}"/>
+              </a:ext>
+            </a:extLst>
+          </p:cNvPr>
+          <p:cNvSpPr/>
+          <p:nvPr/>
+        </p:nvSpPr>
+        <p:spPr>
+          <a:xfrm>
+            <a:off x="4886077" y="4352145"/>
+            <a:ext cx="422743" cy="545858"/>
+          </a:xfrm>
+          <a:prstGeom prst="rect">
+            <a:avLst/>
+          </a:prstGeom>
+          <a:solidFill>
+            <a:schemeClr val="bg1"/>
+          </a:solidFill>
+          <a:ln>
+            <a:noFill/>
+          </a:ln>
+        </p:spPr>
+        <p:style>
+          <a:lnRef idx="2">
+            <a:schemeClr val="accent1">
+              <a:shade val="15000"/>
+            </a:schemeClr>
+          </a:lnRef>
+          <a:fillRef idx="1">
+            <a:schemeClr val="accent1"/>
+          </a:fillRef>
+          <a:effectRef idx="0">
+            <a:schemeClr val="accent1"/>
+          </a:effectRef>
+          <a:fontRef idx="minor">
+            <a:schemeClr val="lt1"/>
+          </a:fontRef>
+        </p:style>
+        <p:txBody>
+          <a:bodyPr rtlCol="0" anchor="ctr"/>
+          <a:lstStyle/>
+          <a:p>
+            <a:pPr algn="ctr"/>
+            <a:r>
+              <a:rPr kumimoji="1" lang="en-US" altLang="ko-KR" sz="1400" dirty="0">
+                <a:solidFill>
+                  <a:schemeClr val="tx1"/>
+                </a:solidFill>
+                <a:latin typeface="DM Mono" panose="020B0509040201040103" pitchFamily="49" charset="0"/>
+              </a:rPr>
+              <a:t>x</a:t>
+            </a:r>
+            <a:endParaRPr kumimoji="1" lang="ko-KR" altLang="en-US" sz="1400" dirty="0">
+              <a:solidFill>
+                <a:schemeClr val="tx1"/>
+              </a:solidFill>
+              <a:latin typeface="DM Mono" panose="020B0509040201040103" pitchFamily="49" charset="0"/>
+            </a:endParaRPr>
+          </a:p>
+        </p:txBody>
+      </p:sp>
+      <p:sp>
+        <p:nvSpPr>
+          <p:cNvPr id="11" name="직사각형 10">
+            <a:extLst>
+              <a:ext uri="{FF2B5EF4-FFF2-40B4-BE49-F238E27FC236}">
+                <a16:creationId xmlns:a16="http://schemas.microsoft.com/office/drawing/2014/main" id="{84043A79-5423-CCD7-A674-FDE5A8B38538}"/>
+              </a:ext>
+            </a:extLst>
+          </p:cNvPr>
+          <p:cNvSpPr/>
+          <p:nvPr/>
+        </p:nvSpPr>
+        <p:spPr>
+          <a:xfrm>
+            <a:off x="4886077" y="4898003"/>
+            <a:ext cx="422743" cy="545858"/>
+          </a:xfrm>
+          <a:prstGeom prst="rect">
+            <a:avLst/>
+          </a:prstGeom>
+          <a:solidFill>
+            <a:schemeClr val="bg1"/>
+          </a:solidFill>
+          <a:ln>
+            <a:noFill/>
+          </a:ln>
+        </p:spPr>
+        <p:style>
+          <a:lnRef idx="2">
+            <a:schemeClr val="accent1">
+              <a:shade val="15000"/>
+            </a:schemeClr>
+          </a:lnRef>
+          <a:fillRef idx="1">
+            <a:schemeClr val="accent1"/>
+          </a:fillRef>
+          <a:effectRef idx="0">
+            <a:schemeClr val="accent1"/>
+          </a:effectRef>
+          <a:fontRef idx="minor">
+            <a:schemeClr val="lt1"/>
+          </a:fontRef>
+        </p:style>
+        <p:txBody>
+          <a:bodyPr rtlCol="0" anchor="ctr"/>
+          <a:lstStyle/>
+          <a:p>
+            <a:pPr algn="ctr"/>
+            <a:r>
+              <a:rPr kumimoji="1" lang="en-US" altLang="ko-KR" sz="1400" dirty="0">
+                <a:solidFill>
+                  <a:schemeClr val="tx1"/>
+                </a:solidFill>
+                <a:latin typeface="DM Mono" panose="020B0509040201040103" pitchFamily="49" charset="0"/>
+              </a:rPr>
+              <a:t>y</a:t>
+            </a:r>
+            <a:endParaRPr kumimoji="1" lang="ko-KR" altLang="en-US" sz="1400" dirty="0">
+              <a:solidFill>
+                <a:schemeClr val="tx1"/>
+              </a:solidFill>
+              <a:latin typeface="DM Mono" panose="020B0509040201040103" pitchFamily="49" charset="0"/>
+            </a:endParaRPr>
+          </a:p>
+        </p:txBody>
+      </p:sp>
+      <p:sp>
+        <p:nvSpPr>
+          <p:cNvPr id="13" name="TextBox 12">
+            <a:extLst>
+              <a:ext uri="{FF2B5EF4-FFF2-40B4-BE49-F238E27FC236}">
+                <a16:creationId xmlns:a16="http://schemas.microsoft.com/office/drawing/2014/main" id="{A4B6B0F4-5B0D-A6B4-DE57-09FF5C5C53CC}"/>
+              </a:ext>
+            </a:extLst>
+          </p:cNvPr>
+          <p:cNvSpPr txBox="1"/>
+          <p:nvPr/>
+        </p:nvSpPr>
+        <p:spPr>
+          <a:xfrm>
+            <a:off x="5419476" y="4012354"/>
+            <a:ext cx="815008" cy="307777"/>
+          </a:xfrm>
+          <a:prstGeom prst="rect">
+            <a:avLst/>
+          </a:prstGeom>
+          <a:noFill/>
+        </p:spPr>
+        <p:txBody>
+          <a:bodyPr wrap="square">
+            <a:spAutoFit/>
+          </a:bodyPr>
+          <a:lstStyle/>
+          <a:p>
+            <a:pPr algn="ctr"/>
+            <a:r>
+              <a:rPr lang="en-US" altLang="ko-KR" sz="1400" b="0" dirty="0">
+                <a:effectLst/>
+                <a:latin typeface="DM Mono" panose="020B0509040201040103" pitchFamily="49" charset="0"/>
+              </a:rPr>
+              <a:t>pt1</a:t>
+            </a:r>
+            <a:endParaRPr lang="ko-KR" altLang="en-US" sz="1400" dirty="0"/>
+          </a:p>
+        </p:txBody>
+      </p:sp>
+      <p:sp>
+        <p:nvSpPr>
+          <p:cNvPr id="14" name="직사각형 13">
+            <a:extLst>
+              <a:ext uri="{FF2B5EF4-FFF2-40B4-BE49-F238E27FC236}">
+                <a16:creationId xmlns:a16="http://schemas.microsoft.com/office/drawing/2014/main" id="{DA96E9F4-E699-A3C7-2100-4174D474852E}"/>
+              </a:ext>
+            </a:extLst>
+          </p:cNvPr>
+          <p:cNvSpPr/>
+          <p:nvPr/>
+        </p:nvSpPr>
+        <p:spPr>
+          <a:xfrm>
+            <a:off x="8959793" y="4352145"/>
+            <a:ext cx="1036321" cy="545858"/>
+          </a:xfrm>
+          <a:prstGeom prst="rect">
+            <a:avLst/>
+          </a:prstGeom>
+          <a:solidFill>
+            <a:srgbClr val="FFFF00"/>
+          </a:solidFill>
+        </p:spPr>
+        <p:style>
+          <a:lnRef idx="2">
+            <a:schemeClr val="accent1">
+              <a:shade val="15000"/>
+            </a:schemeClr>
+          </a:lnRef>
+          <a:fillRef idx="1">
+            <a:schemeClr val="accent1"/>
+          </a:fillRef>
+          <a:effectRef idx="0">
+            <a:schemeClr val="accent1"/>
+          </a:effectRef>
+          <a:fontRef idx="minor">
+            <a:schemeClr val="lt1"/>
+          </a:fontRef>
+        </p:style>
+        <p:txBody>
+          <a:bodyPr rtlCol="0" anchor="ctr"/>
+          <a:lstStyle/>
+          <a:p>
+            <a:pPr algn="ctr"/>
+            <a:r>
+              <a:rPr kumimoji="1" lang="en-US" altLang="ko-KR" sz="1400" dirty="0">
+                <a:solidFill>
+                  <a:srgbClr val="FF0000"/>
+                </a:solidFill>
+                <a:latin typeface="DM Mono" panose="020B0509040201040103" pitchFamily="49" charset="0"/>
+              </a:rPr>
+              <a:t>100</a:t>
+            </a:r>
+            <a:endParaRPr kumimoji="1" lang="ko-KR" altLang="en-US" sz="1400" dirty="0">
+              <a:solidFill>
+                <a:srgbClr val="FF0000"/>
+              </a:solidFill>
+              <a:latin typeface="DM Mono" panose="020B0509040201040103" pitchFamily="49" charset="0"/>
+            </a:endParaRPr>
+          </a:p>
+        </p:txBody>
+      </p:sp>
+      <p:sp>
+        <p:nvSpPr>
+          <p:cNvPr id="15" name="직사각형 14">
+            <a:extLst>
+              <a:ext uri="{FF2B5EF4-FFF2-40B4-BE49-F238E27FC236}">
+                <a16:creationId xmlns:a16="http://schemas.microsoft.com/office/drawing/2014/main" id="{9726E7C4-F544-F79D-A2C5-7EEF253AF375}"/>
+              </a:ext>
+            </a:extLst>
+          </p:cNvPr>
+          <p:cNvSpPr/>
+          <p:nvPr/>
+        </p:nvSpPr>
+        <p:spPr>
+          <a:xfrm>
+            <a:off x="8959793" y="4898003"/>
+            <a:ext cx="1036321" cy="545858"/>
+          </a:xfrm>
+          <a:prstGeom prst="rect">
+            <a:avLst/>
+          </a:prstGeom>
+          <a:solidFill>
+            <a:srgbClr val="FFFF00"/>
+          </a:solidFill>
+        </p:spPr>
+        <p:style>
+          <a:lnRef idx="2">
+            <a:schemeClr val="accent1">
+              <a:shade val="15000"/>
+            </a:schemeClr>
+          </a:lnRef>
+          <a:fillRef idx="1">
+            <a:schemeClr val="accent1"/>
+          </a:fillRef>
+          <a:effectRef idx="0">
+            <a:schemeClr val="accent1"/>
+          </a:effectRef>
+          <a:fontRef idx="minor">
+            <a:schemeClr val="lt1"/>
+          </a:fontRef>
+        </p:style>
+        <p:txBody>
+          <a:bodyPr rtlCol="0" anchor="ctr"/>
+          <a:lstStyle/>
+          <a:p>
+            <a:pPr algn="ctr"/>
+            <a:r>
+              <a:rPr kumimoji="1" lang="en-US" altLang="ko-KR" sz="1400" dirty="0">
+                <a:solidFill>
+                  <a:srgbClr val="FF0000"/>
+                </a:solidFill>
+                <a:latin typeface="DM Mono" panose="020B0509040201040103" pitchFamily="49" charset="0"/>
+              </a:rPr>
+              <a:t>200</a:t>
+            </a:r>
+            <a:endParaRPr kumimoji="1" lang="ko-KR" altLang="en-US" sz="1400" dirty="0">
+              <a:solidFill>
+                <a:srgbClr val="FF0000"/>
+              </a:solidFill>
+              <a:latin typeface="DM Mono" panose="020B0509040201040103" pitchFamily="49" charset="0"/>
+            </a:endParaRPr>
+          </a:p>
+        </p:txBody>
+      </p:sp>
+      <p:sp>
+        <p:nvSpPr>
+          <p:cNvPr id="16" name="직사각형 15">
+            <a:extLst>
+              <a:ext uri="{FF2B5EF4-FFF2-40B4-BE49-F238E27FC236}">
+                <a16:creationId xmlns:a16="http://schemas.microsoft.com/office/drawing/2014/main" id="{AAC45795-DA66-811F-03FD-D111B7F0D11F}"/>
+              </a:ext>
+            </a:extLst>
+          </p:cNvPr>
+          <p:cNvSpPr/>
+          <p:nvPr/>
+        </p:nvSpPr>
+        <p:spPr>
+          <a:xfrm>
+            <a:off x="8537050" y="4352145"/>
+            <a:ext cx="422743" cy="545858"/>
+          </a:xfrm>
+          <a:prstGeom prst="rect">
+            <a:avLst/>
+          </a:prstGeom>
+          <a:solidFill>
+            <a:schemeClr val="bg1"/>
+          </a:solidFill>
+          <a:ln>
+            <a:noFill/>
+          </a:ln>
+        </p:spPr>
+        <p:style>
+          <a:lnRef idx="2">
+            <a:schemeClr val="accent1">
+              <a:shade val="15000"/>
+            </a:schemeClr>
+          </a:lnRef>
+          <a:fillRef idx="1">
+            <a:schemeClr val="accent1"/>
+          </a:fillRef>
+          <a:effectRef idx="0">
+            <a:schemeClr val="accent1"/>
+          </a:effectRef>
+          <a:fontRef idx="minor">
+            <a:schemeClr val="lt1"/>
+          </a:fontRef>
+        </p:style>
+        <p:txBody>
+          <a:bodyPr rtlCol="0" anchor="ctr"/>
+          <a:lstStyle/>
+          <a:p>
+            <a:pPr algn="ctr"/>
+            <a:r>
+              <a:rPr kumimoji="1" lang="en-US" altLang="ko-KR" sz="1400" dirty="0">
+                <a:solidFill>
+                  <a:schemeClr val="tx1"/>
+                </a:solidFill>
+                <a:latin typeface="DM Mono" panose="020B0509040201040103" pitchFamily="49" charset="0"/>
+              </a:rPr>
+              <a:t>x</a:t>
+            </a:r>
+            <a:endParaRPr kumimoji="1" lang="ko-KR" altLang="en-US" sz="1400" dirty="0">
+              <a:solidFill>
+                <a:schemeClr val="tx1"/>
+              </a:solidFill>
+              <a:latin typeface="DM Mono" panose="020B0509040201040103" pitchFamily="49" charset="0"/>
+            </a:endParaRPr>
+          </a:p>
+        </p:txBody>
+      </p:sp>
+      <p:sp>
+        <p:nvSpPr>
+          <p:cNvPr id="17" name="직사각형 16">
+            <a:extLst>
+              <a:ext uri="{FF2B5EF4-FFF2-40B4-BE49-F238E27FC236}">
+                <a16:creationId xmlns:a16="http://schemas.microsoft.com/office/drawing/2014/main" id="{D5F4A945-6445-19CD-4741-390099751544}"/>
+              </a:ext>
+            </a:extLst>
+          </p:cNvPr>
+          <p:cNvSpPr/>
+          <p:nvPr/>
+        </p:nvSpPr>
+        <p:spPr>
+          <a:xfrm>
+            <a:off x="8537050" y="4898003"/>
+            <a:ext cx="422743" cy="545858"/>
+          </a:xfrm>
+          <a:prstGeom prst="rect">
+            <a:avLst/>
+          </a:prstGeom>
+          <a:solidFill>
+            <a:schemeClr val="bg1"/>
+          </a:solidFill>
+          <a:ln>
+            <a:noFill/>
+          </a:ln>
+        </p:spPr>
+        <p:style>
+          <a:lnRef idx="2">
+            <a:schemeClr val="accent1">
+              <a:shade val="15000"/>
+            </a:schemeClr>
+          </a:lnRef>
+          <a:fillRef idx="1">
+            <a:schemeClr val="accent1"/>
+          </a:fillRef>
+          <a:effectRef idx="0">
+            <a:schemeClr val="accent1"/>
+          </a:effectRef>
+          <a:fontRef idx="minor">
+            <a:schemeClr val="lt1"/>
+          </a:fontRef>
+        </p:style>
+        <p:txBody>
+          <a:bodyPr rtlCol="0" anchor="ctr"/>
+          <a:lstStyle/>
+          <a:p>
+            <a:pPr algn="ctr"/>
+            <a:r>
+              <a:rPr kumimoji="1" lang="en-US" altLang="ko-KR" sz="1400" dirty="0">
+                <a:solidFill>
+                  <a:schemeClr val="tx1"/>
+                </a:solidFill>
+                <a:latin typeface="DM Mono" panose="020B0509040201040103" pitchFamily="49" charset="0"/>
+              </a:rPr>
+              <a:t>y</a:t>
+            </a:r>
+            <a:endParaRPr kumimoji="1" lang="ko-KR" altLang="en-US" sz="1400" dirty="0">
+              <a:solidFill>
+                <a:schemeClr val="tx1"/>
+              </a:solidFill>
+              <a:latin typeface="DM Mono" panose="020B0509040201040103" pitchFamily="49" charset="0"/>
+            </a:endParaRPr>
+          </a:p>
+        </p:txBody>
+      </p:sp>
+      <p:sp>
+        <p:nvSpPr>
+          <p:cNvPr id="18" name="TextBox 17">
+            <a:extLst>
+              <a:ext uri="{FF2B5EF4-FFF2-40B4-BE49-F238E27FC236}">
+                <a16:creationId xmlns:a16="http://schemas.microsoft.com/office/drawing/2014/main" id="{C1D68FBB-2174-7BED-D49E-7DEB3211DD77}"/>
+              </a:ext>
+            </a:extLst>
+          </p:cNvPr>
+          <p:cNvSpPr txBox="1"/>
+          <p:nvPr/>
+        </p:nvSpPr>
+        <p:spPr>
+          <a:xfrm>
+            <a:off x="9070449" y="4012354"/>
+            <a:ext cx="815008" cy="307777"/>
+          </a:xfrm>
+          <a:prstGeom prst="rect">
+            <a:avLst/>
+          </a:prstGeom>
+          <a:noFill/>
+        </p:spPr>
+        <p:txBody>
+          <a:bodyPr wrap="square">
+            <a:spAutoFit/>
+          </a:bodyPr>
+          <a:lstStyle/>
+          <a:p>
+            <a:pPr algn="ctr"/>
+            <a:r>
+              <a:rPr lang="en-US" altLang="ko-KR" sz="1400" b="0" dirty="0">
+                <a:effectLst/>
+                <a:latin typeface="DM Mono" panose="020B0509040201040103" pitchFamily="49" charset="0"/>
+              </a:rPr>
+              <a:t>pt2</a:t>
+            </a:r>
+            <a:endParaRPr lang="ko-KR" altLang="en-US" sz="1400" dirty="0"/>
+          </a:p>
+        </p:txBody>
+      </p:sp>
+      <p:sp>
+        <p:nvSpPr>
+          <p:cNvPr id="20" name="TextBox 19">
+            <a:extLst>
+              <a:ext uri="{FF2B5EF4-FFF2-40B4-BE49-F238E27FC236}">
+                <a16:creationId xmlns:a16="http://schemas.microsoft.com/office/drawing/2014/main" id="{35C8F8F4-1861-4CA1-938A-53936E07BC24}"/>
+              </a:ext>
+            </a:extLst>
+          </p:cNvPr>
+          <p:cNvSpPr txBox="1"/>
+          <p:nvPr/>
+        </p:nvSpPr>
+        <p:spPr>
+          <a:xfrm>
+            <a:off x="4381170" y="1414139"/>
+            <a:ext cx="6838120" cy="1799467"/>
+          </a:xfrm>
+          <a:prstGeom prst="rect">
+            <a:avLst/>
+          </a:prstGeom>
+          <a:noFill/>
+        </p:spPr>
+        <p:txBody>
+          <a:bodyPr wrap="square">
+            <a:spAutoFit/>
+          </a:bodyPr>
+          <a:lstStyle/>
+          <a:p>
+            <a:pPr>
+              <a:lnSpc>
+                <a:spcPts val="2700"/>
+              </a:lnSpc>
+              <a:buNone/>
+            </a:pPr>
+            <a:r>
+              <a:rPr lang="en-US" altLang="ko-KR" b="0" dirty="0">
+                <a:effectLst/>
+                <a:latin typeface="DM Mono" panose="020B0509040201040103" pitchFamily="49" charset="0"/>
+              </a:rPr>
+              <a:t>  void </a:t>
+            </a:r>
+            <a:r>
+              <a:rPr lang="en-US" altLang="ko-KR" b="0" dirty="0">
+                <a:solidFill>
+                  <a:srgbClr val="FF0000"/>
+                </a:solidFill>
+                <a:effectLst/>
+                <a:latin typeface="DM Mono" panose="020B0509040201040103" pitchFamily="49" charset="0"/>
+              </a:rPr>
+              <a:t>Point::</a:t>
+            </a:r>
+            <a:r>
+              <a:rPr lang="en-US" altLang="ko-KR" b="0" dirty="0">
+                <a:effectLst/>
+                <a:latin typeface="DM Mono" panose="020B0509040201040103" pitchFamily="49" charset="0"/>
+              </a:rPr>
+              <a:t>Set(</a:t>
+            </a:r>
+            <a:r>
+              <a:rPr lang="en-US" altLang="ko-KR" b="0" dirty="0">
+                <a:solidFill>
+                  <a:srgbClr val="FF0000"/>
+                </a:solidFill>
+                <a:effectLst/>
+                <a:latin typeface="DM Mono" panose="020B0509040201040103" pitchFamily="49" charset="0"/>
+              </a:rPr>
+              <a:t>Point* this, </a:t>
+            </a:r>
+            <a:r>
+              <a:rPr lang="en-US" altLang="ko-KR" b="0" dirty="0">
+                <a:effectLst/>
+                <a:latin typeface="DM Mono" panose="020B0509040201040103" pitchFamily="49" charset="0"/>
+              </a:rPr>
+              <a:t>int a, int b)</a:t>
+            </a:r>
+          </a:p>
+          <a:p>
+            <a:pPr>
+              <a:lnSpc>
+                <a:spcPts val="2700"/>
+              </a:lnSpc>
+              <a:buNone/>
+            </a:pPr>
+            <a:r>
+              <a:rPr lang="en-US" altLang="ko-KR" b="0" dirty="0">
+                <a:effectLst/>
+                <a:latin typeface="DM Mono" panose="020B0509040201040103" pitchFamily="49" charset="0"/>
+              </a:rPr>
+              <a:t>  {</a:t>
+            </a:r>
+          </a:p>
+          <a:p>
+            <a:pPr>
+              <a:lnSpc>
+                <a:spcPts val="2700"/>
+              </a:lnSpc>
+              <a:buNone/>
+            </a:pPr>
+            <a:r>
+              <a:rPr lang="en-US" altLang="ko-KR" b="0" dirty="0">
+                <a:effectLst/>
+                <a:latin typeface="DM Mono" panose="020B0509040201040103" pitchFamily="49" charset="0"/>
+              </a:rPr>
+              <a:t>    </a:t>
+            </a:r>
+            <a:r>
+              <a:rPr lang="en-US" altLang="ko-KR" b="0" dirty="0">
+                <a:solidFill>
+                  <a:srgbClr val="FF0000"/>
+                </a:solidFill>
+                <a:effectLst/>
+                <a:latin typeface="DM Mono" panose="020B0509040201040103" pitchFamily="49" charset="0"/>
+              </a:rPr>
+              <a:t>this-&gt;</a:t>
+            </a:r>
+            <a:r>
+              <a:rPr lang="en-US" altLang="ko-KR" b="0" dirty="0">
+                <a:effectLst/>
+                <a:latin typeface="DM Mono" panose="020B0509040201040103" pitchFamily="49" charset="0"/>
+              </a:rPr>
+              <a:t>x = a;</a:t>
+            </a:r>
+          </a:p>
+          <a:p>
+            <a:pPr>
+              <a:lnSpc>
+                <a:spcPts val="2700"/>
+              </a:lnSpc>
+              <a:buNone/>
+            </a:pPr>
+            <a:r>
+              <a:rPr lang="en-US" altLang="ko-KR" b="0" dirty="0">
+                <a:effectLst/>
+                <a:latin typeface="DM Mono" panose="020B0509040201040103" pitchFamily="49" charset="0"/>
+              </a:rPr>
+              <a:t>    </a:t>
+            </a:r>
+            <a:r>
+              <a:rPr lang="en-US" altLang="ko-KR" b="0" dirty="0">
+                <a:solidFill>
+                  <a:srgbClr val="FF0000"/>
+                </a:solidFill>
+                <a:effectLst/>
+                <a:latin typeface="DM Mono" panose="020B0509040201040103" pitchFamily="49" charset="0"/>
+              </a:rPr>
+              <a:t>this-&gt;</a:t>
+            </a:r>
+            <a:r>
+              <a:rPr lang="en-US" altLang="ko-KR" b="0" dirty="0">
+                <a:effectLst/>
+                <a:latin typeface="DM Mono" panose="020B0509040201040103" pitchFamily="49" charset="0"/>
+              </a:rPr>
+              <a:t>y = b;</a:t>
+            </a:r>
+          </a:p>
+          <a:p>
+            <a:pPr>
+              <a:lnSpc>
+                <a:spcPts val="2700"/>
+              </a:lnSpc>
+              <a:buNone/>
+            </a:pPr>
+            <a:r>
+              <a:rPr lang="en-US" altLang="ko-KR" b="0" dirty="0">
+                <a:effectLst/>
+                <a:latin typeface="DM Mono" panose="020B0509040201040103" pitchFamily="49" charset="0"/>
+              </a:rPr>
+              <a:t>  }</a:t>
+            </a:r>
+            <a:endParaRPr lang="ko-KR" altLang="en-US" dirty="0"/>
+          </a:p>
+        </p:txBody>
+      </p:sp>
+      <p:sp>
+        <p:nvSpPr>
+          <p:cNvPr id="2" name="모서리가 둥근 직사각형 1">
+            <a:extLst>
+              <a:ext uri="{FF2B5EF4-FFF2-40B4-BE49-F238E27FC236}">
+                <a16:creationId xmlns:a16="http://schemas.microsoft.com/office/drawing/2014/main" id="{DC65A241-15C3-3404-D6F0-3E9D671B24EC}"/>
+              </a:ext>
+            </a:extLst>
+          </p:cNvPr>
+          <p:cNvSpPr/>
+          <p:nvPr/>
+        </p:nvSpPr>
+        <p:spPr>
+          <a:xfrm>
+            <a:off x="7724032" y="1351233"/>
+            <a:ext cx="895181" cy="477568"/>
+          </a:xfrm>
+          <a:prstGeom prst="roundRect">
+            <a:avLst/>
+          </a:prstGeom>
+          <a:noFill/>
+          <a:ln>
+            <a:solidFill>
+              <a:schemeClr val="tx1"/>
+            </a:solidFill>
+          </a:ln>
+        </p:spPr>
+        <p:style>
+          <a:lnRef idx="2">
+            <a:schemeClr val="accent1">
+              <a:shade val="15000"/>
+            </a:schemeClr>
+          </a:lnRef>
+          <a:fillRef idx="1">
+            <a:schemeClr val="accent1"/>
+          </a:fillRef>
+          <a:effectRef idx="0">
+            <a:schemeClr val="accent1"/>
+          </a:effectRef>
+          <a:fontRef idx="minor">
+            <a:schemeClr val="lt1"/>
+          </a:fontRef>
+        </p:style>
+        <p:txBody>
+          <a:bodyPr rtlCol="0" anchor="ctr"/>
+          <a:lstStyle/>
+          <a:p>
+            <a:pPr algn="ctr"/>
+            <a:endParaRPr kumimoji="1" lang="ko-KR" altLang="en-US" sz="1400" dirty="0">
+              <a:solidFill>
+                <a:schemeClr val="tx1"/>
+              </a:solidFill>
+              <a:latin typeface="DM Mono" panose="020B0509040201040103" pitchFamily="49" charset="0"/>
+            </a:endParaRPr>
+          </a:p>
+        </p:txBody>
+      </p:sp>
+      <p:cxnSp>
+        <p:nvCxnSpPr>
+          <p:cNvPr id="4" name="구부러진 연결선[U] 3">
+            <a:extLst>
+              <a:ext uri="{FF2B5EF4-FFF2-40B4-BE49-F238E27FC236}">
+                <a16:creationId xmlns:a16="http://schemas.microsoft.com/office/drawing/2014/main" id="{D47ACFA9-FDAE-E601-B227-AAAF472439EA}"/>
+              </a:ext>
+            </a:extLst>
+          </p:cNvPr>
+          <p:cNvCxnSpPr>
+            <a:cxnSpLocks/>
+            <a:stCxn id="2" idx="2"/>
+            <a:endCxn id="18" idx="0"/>
+          </p:cNvCxnSpPr>
+          <p:nvPr/>
+        </p:nvCxnSpPr>
+        <p:spPr>
+          <a:xfrm rot="16200000" flipH="1">
+            <a:off x="7733012" y="2267412"/>
+            <a:ext cx="2183553" cy="1306330"/>
+          </a:xfrm>
+          <a:prstGeom prst="curvedConnector3">
+            <a:avLst/>
+          </a:prstGeom>
+          <a:ln>
+            <a:tailEnd type="triangle"/>
+          </a:ln>
+        </p:spPr>
+        <p:style>
+          <a:lnRef idx="2">
+            <a:schemeClr val="dk1"/>
+          </a:lnRef>
+          <a:fillRef idx="0">
+            <a:schemeClr val="dk1"/>
+          </a:fillRef>
+          <a:effectRef idx="1">
+            <a:schemeClr val="dk1"/>
+          </a:effectRef>
+          <a:fontRef idx="minor">
+            <a:schemeClr val="tx1"/>
+          </a:fontRef>
+        </p:style>
+      </p:cxnSp>
+    </p:spTree>
+    <p:extLst>
+      <p:ext uri="{BB962C8B-B14F-4D97-AF65-F5344CB8AC3E}">
+        <p14:creationId xmlns:p14="http://schemas.microsoft.com/office/powerpoint/2010/main" val="70296127"/>
+      </p:ext>
+    </p:extLst>
+  </p:cSld>
+  <p:clrMapOvr>
+    <a:masterClrMapping/>
+  </p:clrMapOvr>
+</p:sld>
+</file>
+
 <file path=ppt/slides/slide2.xml><?xml version="1.0" encoding="utf-8"?>
 <p:sld xmlns:a="http://schemas.openxmlformats.org/drawingml/2006/main" xmlns:r="http://schemas.openxmlformats.org/officeDocument/2006/relationships" xmlns:p="http://schemas.openxmlformats.org/presentationml/2006/main">
   <p:cSld>
@@ -5282,6 +10382,1579 @@
     <p:extLst>
       <p:ext uri="{BB962C8B-B14F-4D97-AF65-F5344CB8AC3E}">
         <p14:creationId xmlns:p14="http://schemas.microsoft.com/office/powerpoint/2010/main" val="4043729939"/>
+      </p:ext>
+    </p:extLst>
+  </p:cSld>
+  <p:clrMapOvr>
+    <a:masterClrMapping/>
+  </p:clrMapOvr>
+</p:sld>
+</file>
+
+<file path=ppt/slides/slide7.xml><?xml version="1.0" encoding="utf-8"?>
+<p:sld xmlns:a="http://schemas.openxmlformats.org/drawingml/2006/main" xmlns:r="http://schemas.openxmlformats.org/officeDocument/2006/relationships" xmlns:p="http://schemas.openxmlformats.org/presentationml/2006/main">
+  <p:cSld>
+    <p:spTree>
+      <p:nvGrpSpPr>
+        <p:cNvPr id="1" name="">
+          <a:extLst>
+            <a:ext uri="{FF2B5EF4-FFF2-40B4-BE49-F238E27FC236}">
+              <a16:creationId xmlns:a16="http://schemas.microsoft.com/office/drawing/2014/main" id="{B8EE2CEF-AB19-136E-77D2-61C97B64D2C3}"/>
+            </a:ext>
+          </a:extLst>
+        </p:cNvPr>
+        <p:cNvGrpSpPr/>
+        <p:nvPr/>
+      </p:nvGrpSpPr>
+      <p:grpSpPr>
+        <a:xfrm>
+          <a:off x="0" y="0"/>
+          <a:ext cx="0" cy="0"/>
+          <a:chOff x="0" y="0"/>
+          <a:chExt cx="0" cy="0"/>
+        </a:xfrm>
+      </p:grpSpPr>
+      <p:sp>
+        <p:nvSpPr>
+          <p:cNvPr id="5" name="TextBox 4">
+            <a:extLst>
+              <a:ext uri="{FF2B5EF4-FFF2-40B4-BE49-F238E27FC236}">
+                <a16:creationId xmlns:a16="http://schemas.microsoft.com/office/drawing/2014/main" id="{F4659213-7A03-4953-A84B-877C7C2D8FDF}"/>
+              </a:ext>
+            </a:extLst>
+          </p:cNvPr>
+          <p:cNvSpPr txBox="1"/>
+          <p:nvPr/>
+        </p:nvSpPr>
+        <p:spPr>
+          <a:xfrm>
+            <a:off x="799106" y="506896"/>
+            <a:ext cx="3693381" cy="3139321"/>
+          </a:xfrm>
+          <a:prstGeom prst="rect">
+            <a:avLst/>
+          </a:prstGeom>
+          <a:noFill/>
+        </p:spPr>
+        <p:txBody>
+          <a:bodyPr wrap="square">
+            <a:spAutoFit/>
+          </a:bodyPr>
+          <a:lstStyle/>
+          <a:p>
+            <a:r>
+              <a:rPr lang="en-US" altLang="ko-KR" dirty="0">
+                <a:latin typeface="DM Mono" panose="020B0509040201040103" pitchFamily="49" charset="0"/>
+              </a:rPr>
+              <a:t>void Increment(int x)</a:t>
+            </a:r>
+          </a:p>
+          <a:p>
+            <a:r>
+              <a:rPr lang="en-US" altLang="ko-KR" dirty="0">
+                <a:latin typeface="DM Mono" panose="020B0509040201040103" pitchFamily="49" charset="0"/>
+              </a:rPr>
+              <a:t>{</a:t>
+            </a:r>
+          </a:p>
+          <a:p>
+            <a:r>
+              <a:rPr lang="en-US" altLang="ko-KR" dirty="0">
+                <a:latin typeface="DM Mono" panose="020B0509040201040103" pitchFamily="49" charset="0"/>
+              </a:rPr>
+              <a:t>    ++x;</a:t>
+            </a:r>
+          </a:p>
+          <a:p>
+            <a:r>
+              <a:rPr lang="en-US" altLang="ko-KR" dirty="0">
+                <a:latin typeface="DM Mono" panose="020B0509040201040103" pitchFamily="49" charset="0"/>
+              </a:rPr>
+              <a:t>}</a:t>
+            </a:r>
+          </a:p>
+          <a:p>
+            <a:br>
+              <a:rPr lang="en-US" altLang="ko-KR" dirty="0">
+                <a:latin typeface="DM Mono" panose="020B0509040201040103" pitchFamily="49" charset="0"/>
+              </a:rPr>
+            </a:br>
+            <a:endParaRPr lang="en-US" altLang="ko-KR" dirty="0">
+              <a:latin typeface="DM Mono" panose="020B0509040201040103" pitchFamily="49" charset="0"/>
+            </a:endParaRPr>
+          </a:p>
+          <a:p>
+            <a:r>
+              <a:rPr lang="en-US" altLang="ko-KR" dirty="0">
+                <a:latin typeface="DM Mono" panose="020B0509040201040103" pitchFamily="49" charset="0"/>
+              </a:rPr>
+              <a:t>int main()</a:t>
+            </a:r>
+          </a:p>
+          <a:p>
+            <a:r>
+              <a:rPr lang="en-US" altLang="ko-KR" dirty="0">
+                <a:latin typeface="DM Mono" panose="020B0509040201040103" pitchFamily="49" charset="0"/>
+              </a:rPr>
+              <a:t>{</a:t>
+            </a:r>
+          </a:p>
+          <a:p>
+            <a:r>
+              <a:rPr lang="en-US" altLang="ko-KR" dirty="0">
+                <a:solidFill>
+                  <a:srgbClr val="FF0000"/>
+                </a:solidFill>
+                <a:latin typeface="DM Mono" panose="020B0509040201040103" pitchFamily="49" charset="0"/>
+              </a:rPr>
+              <a:t>    int x = 10;</a:t>
+            </a:r>
+          </a:p>
+          <a:p>
+            <a:r>
+              <a:rPr lang="en-US" altLang="ko-KR" dirty="0">
+                <a:latin typeface="DM Mono" panose="020B0509040201040103" pitchFamily="49" charset="0"/>
+              </a:rPr>
+              <a:t>    Increment(x);</a:t>
+            </a:r>
+          </a:p>
+          <a:p>
+            <a:r>
+              <a:rPr lang="en-US" altLang="ko-KR" dirty="0">
+                <a:latin typeface="DM Mono" panose="020B0509040201040103" pitchFamily="49" charset="0"/>
+              </a:rPr>
+              <a:t>}</a:t>
+            </a:r>
+          </a:p>
+        </p:txBody>
+      </p:sp>
+      <p:grpSp>
+        <p:nvGrpSpPr>
+          <p:cNvPr id="9" name="그룹 8">
+            <a:extLst>
+              <a:ext uri="{FF2B5EF4-FFF2-40B4-BE49-F238E27FC236}">
+                <a16:creationId xmlns:a16="http://schemas.microsoft.com/office/drawing/2014/main" id="{26C404F6-E35F-2F19-6146-5194038931FD}"/>
+              </a:ext>
+            </a:extLst>
+          </p:cNvPr>
+          <p:cNvGrpSpPr/>
+          <p:nvPr/>
+        </p:nvGrpSpPr>
+        <p:grpSpPr>
+          <a:xfrm>
+            <a:off x="2751152" y="4309607"/>
+            <a:ext cx="2544417" cy="644056"/>
+            <a:chOff x="4017287" y="4309607"/>
+            <a:chExt cx="1278281" cy="644056"/>
+          </a:xfrm>
+        </p:grpSpPr>
+        <p:sp>
+          <p:nvSpPr>
+            <p:cNvPr id="6" name="직사각형 5">
+              <a:extLst>
+                <a:ext uri="{FF2B5EF4-FFF2-40B4-BE49-F238E27FC236}">
+                  <a16:creationId xmlns:a16="http://schemas.microsoft.com/office/drawing/2014/main" id="{66B7CEC5-308E-E4D8-D498-5F7C5E36B924}"/>
+                </a:ext>
+              </a:extLst>
+            </p:cNvPr>
+            <p:cNvSpPr/>
+            <p:nvPr/>
+          </p:nvSpPr>
+          <p:spPr>
+            <a:xfrm>
+              <a:off x="4504631" y="4309607"/>
+              <a:ext cx="790937" cy="644056"/>
+            </a:xfrm>
+            <a:prstGeom prst="rect">
+              <a:avLst/>
+            </a:prstGeom>
+            <a:solidFill>
+              <a:srgbClr val="FFFF00"/>
+            </a:solidFill>
+          </p:spPr>
+          <p:style>
+            <a:lnRef idx="2">
+              <a:schemeClr val="accent1">
+                <a:shade val="15000"/>
+              </a:schemeClr>
+            </a:lnRef>
+            <a:fillRef idx="1">
+              <a:schemeClr val="accent1"/>
+            </a:fillRef>
+            <a:effectRef idx="0">
+              <a:schemeClr val="accent1"/>
+            </a:effectRef>
+            <a:fontRef idx="minor">
+              <a:schemeClr val="lt1"/>
+            </a:fontRef>
+          </p:style>
+          <p:txBody>
+            <a:bodyPr rtlCol="0" anchor="ctr"/>
+            <a:lstStyle/>
+            <a:p>
+              <a:pPr algn="ctr"/>
+              <a:r>
+                <a:rPr kumimoji="1" lang="en-US" altLang="ko-KR" sz="1400" dirty="0">
+                  <a:solidFill>
+                    <a:srgbClr val="FF0000"/>
+                  </a:solidFill>
+                  <a:latin typeface="DM Mono" panose="020B0509040201040103" pitchFamily="49" charset="0"/>
+                </a:rPr>
+                <a:t>10</a:t>
+              </a:r>
+              <a:endParaRPr kumimoji="1" lang="ko-KR" altLang="en-US" sz="1400" dirty="0">
+                <a:solidFill>
+                  <a:srgbClr val="FF0000"/>
+                </a:solidFill>
+                <a:latin typeface="DM Mono" panose="020B0509040201040103" pitchFamily="49" charset="0"/>
+              </a:endParaRPr>
+            </a:p>
+          </p:txBody>
+        </p:sp>
+        <p:sp>
+          <p:nvSpPr>
+            <p:cNvPr id="8" name="TextBox 7">
+              <a:extLst>
+                <a:ext uri="{FF2B5EF4-FFF2-40B4-BE49-F238E27FC236}">
+                  <a16:creationId xmlns:a16="http://schemas.microsoft.com/office/drawing/2014/main" id="{B74652B3-12D1-EB0D-6E28-50CCB5A14E96}"/>
+                </a:ext>
+              </a:extLst>
+            </p:cNvPr>
+            <p:cNvSpPr txBox="1"/>
+            <p:nvPr/>
+          </p:nvSpPr>
+          <p:spPr>
+            <a:xfrm>
+              <a:off x="4017287" y="4446969"/>
+              <a:ext cx="442405" cy="369332"/>
+            </a:xfrm>
+            <a:prstGeom prst="rect">
+              <a:avLst/>
+            </a:prstGeom>
+            <a:noFill/>
+          </p:spPr>
+          <p:txBody>
+            <a:bodyPr wrap="square">
+              <a:spAutoFit/>
+            </a:bodyPr>
+            <a:lstStyle/>
+            <a:p>
+              <a:pPr algn="r"/>
+              <a:r>
+                <a:rPr lang="en-US" altLang="ko-KR" sz="1800" dirty="0">
+                  <a:latin typeface="DM Mono" panose="020B0509040201040103" pitchFamily="49" charset="0"/>
+                </a:rPr>
+                <a:t>x</a:t>
+              </a:r>
+              <a:endParaRPr lang="ko-KR" altLang="en-US" dirty="0">
+                <a:solidFill>
+                  <a:srgbClr val="FF0000"/>
+                </a:solidFill>
+              </a:endParaRPr>
+            </a:p>
+          </p:txBody>
+        </p:sp>
+      </p:grpSp>
+      <p:sp>
+        <p:nvSpPr>
+          <p:cNvPr id="11" name="TextBox 10">
+            <a:extLst>
+              <a:ext uri="{FF2B5EF4-FFF2-40B4-BE49-F238E27FC236}">
+                <a16:creationId xmlns:a16="http://schemas.microsoft.com/office/drawing/2014/main" id="{40E859C5-37FD-C5C4-1D24-961107239673}"/>
+              </a:ext>
+            </a:extLst>
+          </p:cNvPr>
+          <p:cNvSpPr txBox="1"/>
+          <p:nvPr/>
+        </p:nvSpPr>
+        <p:spPr>
+          <a:xfrm>
+            <a:off x="3631758" y="4032608"/>
+            <a:ext cx="1721458" cy="276999"/>
+          </a:xfrm>
+          <a:prstGeom prst="rect">
+            <a:avLst/>
+          </a:prstGeom>
+          <a:noFill/>
+        </p:spPr>
+        <p:txBody>
+          <a:bodyPr wrap="square">
+            <a:spAutoFit/>
+          </a:bodyPr>
+          <a:lstStyle/>
+          <a:p>
+            <a:r>
+              <a:rPr kumimoji="1" lang="en-US" altLang="ko-KR" sz="1200" dirty="0">
+                <a:solidFill>
+                  <a:schemeClr val="tx1"/>
+                </a:solidFill>
+                <a:latin typeface="DM Mono" panose="020B0509040201040103" pitchFamily="49" charset="0"/>
+              </a:rPr>
+              <a:t>0x2000</a:t>
+            </a:r>
+            <a:endParaRPr lang="ko-KR" altLang="en-US" sz="1200" dirty="0"/>
+          </a:p>
+        </p:txBody>
+      </p:sp>
+    </p:spTree>
+    <p:extLst>
+      <p:ext uri="{BB962C8B-B14F-4D97-AF65-F5344CB8AC3E}">
+        <p14:creationId xmlns:p14="http://schemas.microsoft.com/office/powerpoint/2010/main" val="1286975775"/>
+      </p:ext>
+    </p:extLst>
+  </p:cSld>
+  <p:clrMapOvr>
+    <a:masterClrMapping/>
+  </p:clrMapOvr>
+</p:sld>
+</file>
+
+<file path=ppt/slides/slide8.xml><?xml version="1.0" encoding="utf-8"?>
+<p:sld xmlns:a="http://schemas.openxmlformats.org/drawingml/2006/main" xmlns:r="http://schemas.openxmlformats.org/officeDocument/2006/relationships" xmlns:p="http://schemas.openxmlformats.org/presentationml/2006/main">
+  <p:cSld>
+    <p:spTree>
+      <p:nvGrpSpPr>
+        <p:cNvPr id="1" name="">
+          <a:extLst>
+            <a:ext uri="{FF2B5EF4-FFF2-40B4-BE49-F238E27FC236}">
+              <a16:creationId xmlns:a16="http://schemas.microsoft.com/office/drawing/2014/main" id="{6A016A5B-F205-540E-4147-26E2CF02754C}"/>
+            </a:ext>
+          </a:extLst>
+        </p:cNvPr>
+        <p:cNvGrpSpPr/>
+        <p:nvPr/>
+      </p:nvGrpSpPr>
+      <p:grpSpPr>
+        <a:xfrm>
+          <a:off x="0" y="0"/>
+          <a:ext cx="0" cy="0"/>
+          <a:chOff x="0" y="0"/>
+          <a:chExt cx="0" cy="0"/>
+        </a:xfrm>
+      </p:grpSpPr>
+      <p:sp>
+        <p:nvSpPr>
+          <p:cNvPr id="13" name="직사각형 12">
+            <a:extLst>
+              <a:ext uri="{FF2B5EF4-FFF2-40B4-BE49-F238E27FC236}">
+                <a16:creationId xmlns:a16="http://schemas.microsoft.com/office/drawing/2014/main" id="{0D6DF1AF-5265-545B-7BD6-99CBCDAA5D1E}"/>
+              </a:ext>
+            </a:extLst>
+          </p:cNvPr>
+          <p:cNvSpPr/>
+          <p:nvPr/>
+        </p:nvSpPr>
+        <p:spPr>
+          <a:xfrm>
+            <a:off x="2503336" y="3516925"/>
+            <a:ext cx="3681454" cy="2598751"/>
+          </a:xfrm>
+          <a:prstGeom prst="rect">
+            <a:avLst/>
+          </a:prstGeom>
+          <a:solidFill>
+            <a:schemeClr val="bg1"/>
+          </a:solidFill>
+        </p:spPr>
+        <p:style>
+          <a:lnRef idx="2">
+            <a:schemeClr val="accent1">
+              <a:shade val="15000"/>
+            </a:schemeClr>
+          </a:lnRef>
+          <a:fillRef idx="1">
+            <a:schemeClr val="accent1"/>
+          </a:fillRef>
+          <a:effectRef idx="0">
+            <a:schemeClr val="accent1"/>
+          </a:effectRef>
+          <a:fontRef idx="minor">
+            <a:schemeClr val="lt1"/>
+          </a:fontRef>
+        </p:style>
+        <p:txBody>
+          <a:bodyPr rtlCol="0" anchor="ctr"/>
+          <a:lstStyle/>
+          <a:p>
+            <a:pPr algn="ctr"/>
+            <a:endParaRPr kumimoji="1" lang="ko-KR" altLang="en-US" sz="1400" dirty="0">
+              <a:solidFill>
+                <a:schemeClr val="tx1"/>
+              </a:solidFill>
+              <a:latin typeface="DM Mono" panose="020B0509040201040103" pitchFamily="49" charset="0"/>
+            </a:endParaRPr>
+          </a:p>
+        </p:txBody>
+      </p:sp>
+      <p:sp>
+        <p:nvSpPr>
+          <p:cNvPr id="12" name="직사각형 11">
+            <a:extLst>
+              <a:ext uri="{FF2B5EF4-FFF2-40B4-BE49-F238E27FC236}">
+                <a16:creationId xmlns:a16="http://schemas.microsoft.com/office/drawing/2014/main" id="{30A7C2E2-199A-4146-DC4A-BCFAE2D2C529}"/>
+              </a:ext>
+            </a:extLst>
+          </p:cNvPr>
+          <p:cNvSpPr/>
+          <p:nvPr/>
+        </p:nvSpPr>
+        <p:spPr>
+          <a:xfrm>
+            <a:off x="8012265" y="411480"/>
+            <a:ext cx="3681454" cy="2598751"/>
+          </a:xfrm>
+          <a:prstGeom prst="rect">
+            <a:avLst/>
+          </a:prstGeom>
+          <a:solidFill>
+            <a:schemeClr val="bg1"/>
+          </a:solidFill>
+        </p:spPr>
+        <p:style>
+          <a:lnRef idx="2">
+            <a:schemeClr val="accent1">
+              <a:shade val="15000"/>
+            </a:schemeClr>
+          </a:lnRef>
+          <a:fillRef idx="1">
+            <a:schemeClr val="accent1"/>
+          </a:fillRef>
+          <a:effectRef idx="0">
+            <a:schemeClr val="accent1"/>
+          </a:effectRef>
+          <a:fontRef idx="minor">
+            <a:schemeClr val="lt1"/>
+          </a:fontRef>
+        </p:style>
+        <p:txBody>
+          <a:bodyPr rtlCol="0" anchor="ctr"/>
+          <a:lstStyle/>
+          <a:p>
+            <a:pPr algn="ctr"/>
+            <a:endParaRPr kumimoji="1" lang="ko-KR" altLang="en-US" sz="1400" dirty="0">
+              <a:solidFill>
+                <a:schemeClr val="tx1"/>
+              </a:solidFill>
+              <a:latin typeface="DM Mono" panose="020B0509040201040103" pitchFamily="49" charset="0"/>
+            </a:endParaRPr>
+          </a:p>
+        </p:txBody>
+      </p:sp>
+      <p:sp>
+        <p:nvSpPr>
+          <p:cNvPr id="5" name="TextBox 4">
+            <a:extLst>
+              <a:ext uri="{FF2B5EF4-FFF2-40B4-BE49-F238E27FC236}">
+                <a16:creationId xmlns:a16="http://schemas.microsoft.com/office/drawing/2014/main" id="{192F57A7-7C5F-B8A7-C377-C7FC7E098B7A}"/>
+              </a:ext>
+            </a:extLst>
+          </p:cNvPr>
+          <p:cNvSpPr txBox="1"/>
+          <p:nvPr/>
+        </p:nvSpPr>
+        <p:spPr>
+          <a:xfrm>
+            <a:off x="799106" y="506896"/>
+            <a:ext cx="3693381" cy="3139321"/>
+          </a:xfrm>
+          <a:prstGeom prst="rect">
+            <a:avLst/>
+          </a:prstGeom>
+          <a:noFill/>
+        </p:spPr>
+        <p:txBody>
+          <a:bodyPr wrap="square">
+            <a:spAutoFit/>
+          </a:bodyPr>
+          <a:lstStyle/>
+          <a:p>
+            <a:r>
+              <a:rPr lang="en-US" altLang="ko-KR" dirty="0">
+                <a:latin typeface="DM Mono" panose="020B0509040201040103" pitchFamily="49" charset="0"/>
+              </a:rPr>
+              <a:t>void Increment(</a:t>
+            </a:r>
+            <a:r>
+              <a:rPr lang="en-US" altLang="ko-KR" dirty="0">
+                <a:solidFill>
+                  <a:srgbClr val="FF0000"/>
+                </a:solidFill>
+                <a:latin typeface="DM Mono" panose="020B0509040201040103" pitchFamily="49" charset="0"/>
+              </a:rPr>
+              <a:t>int x</a:t>
+            </a:r>
+            <a:r>
+              <a:rPr lang="en-US" altLang="ko-KR" dirty="0">
+                <a:latin typeface="DM Mono" panose="020B0509040201040103" pitchFamily="49" charset="0"/>
+              </a:rPr>
+              <a:t>)</a:t>
+            </a:r>
+          </a:p>
+          <a:p>
+            <a:r>
+              <a:rPr lang="en-US" altLang="ko-KR" dirty="0">
+                <a:latin typeface="DM Mono" panose="020B0509040201040103" pitchFamily="49" charset="0"/>
+              </a:rPr>
+              <a:t>{</a:t>
+            </a:r>
+          </a:p>
+          <a:p>
+            <a:r>
+              <a:rPr lang="en-US" altLang="ko-KR" dirty="0">
+                <a:latin typeface="DM Mono" panose="020B0509040201040103" pitchFamily="49" charset="0"/>
+              </a:rPr>
+              <a:t>    ++x;</a:t>
+            </a:r>
+          </a:p>
+          <a:p>
+            <a:r>
+              <a:rPr lang="en-US" altLang="ko-KR" dirty="0">
+                <a:latin typeface="DM Mono" panose="020B0509040201040103" pitchFamily="49" charset="0"/>
+              </a:rPr>
+              <a:t>}</a:t>
+            </a:r>
+          </a:p>
+          <a:p>
+            <a:br>
+              <a:rPr lang="en-US" altLang="ko-KR" dirty="0">
+                <a:latin typeface="DM Mono" panose="020B0509040201040103" pitchFamily="49" charset="0"/>
+              </a:rPr>
+            </a:br>
+            <a:endParaRPr lang="en-US" altLang="ko-KR" dirty="0">
+              <a:latin typeface="DM Mono" panose="020B0509040201040103" pitchFamily="49" charset="0"/>
+            </a:endParaRPr>
+          </a:p>
+          <a:p>
+            <a:r>
+              <a:rPr lang="en-US" altLang="ko-KR" dirty="0">
+                <a:latin typeface="DM Mono" panose="020B0509040201040103" pitchFamily="49" charset="0"/>
+              </a:rPr>
+              <a:t>int main()</a:t>
+            </a:r>
+          </a:p>
+          <a:p>
+            <a:r>
+              <a:rPr lang="en-US" altLang="ko-KR" dirty="0">
+                <a:latin typeface="DM Mono" panose="020B0509040201040103" pitchFamily="49" charset="0"/>
+              </a:rPr>
+              <a:t>{</a:t>
+            </a:r>
+          </a:p>
+          <a:p>
+            <a:r>
+              <a:rPr lang="en-US" altLang="ko-KR" dirty="0">
+                <a:latin typeface="DM Mono" panose="020B0509040201040103" pitchFamily="49" charset="0"/>
+              </a:rPr>
+              <a:t>    int x = 10;</a:t>
+            </a:r>
+          </a:p>
+          <a:p>
+            <a:r>
+              <a:rPr lang="en-US" altLang="ko-KR" dirty="0">
+                <a:solidFill>
+                  <a:srgbClr val="FF0000"/>
+                </a:solidFill>
+                <a:latin typeface="DM Mono" panose="020B0509040201040103" pitchFamily="49" charset="0"/>
+              </a:rPr>
+              <a:t>    Increment(x);</a:t>
+            </a:r>
+          </a:p>
+          <a:p>
+            <a:r>
+              <a:rPr lang="en-US" altLang="ko-KR" dirty="0">
+                <a:latin typeface="DM Mono" panose="020B0509040201040103" pitchFamily="49" charset="0"/>
+              </a:rPr>
+              <a:t>}</a:t>
+            </a:r>
+          </a:p>
+        </p:txBody>
+      </p:sp>
+      <p:grpSp>
+        <p:nvGrpSpPr>
+          <p:cNvPr id="9" name="그룹 8">
+            <a:extLst>
+              <a:ext uri="{FF2B5EF4-FFF2-40B4-BE49-F238E27FC236}">
+                <a16:creationId xmlns:a16="http://schemas.microsoft.com/office/drawing/2014/main" id="{A91E5009-F433-D3CE-7F68-F99D99B954D1}"/>
+              </a:ext>
+            </a:extLst>
+          </p:cNvPr>
+          <p:cNvGrpSpPr/>
+          <p:nvPr/>
+        </p:nvGrpSpPr>
+        <p:grpSpPr>
+          <a:xfrm>
+            <a:off x="2751153" y="4309607"/>
+            <a:ext cx="2544417" cy="644056"/>
+            <a:chOff x="4017287" y="4309607"/>
+            <a:chExt cx="1278281" cy="644056"/>
+          </a:xfrm>
+        </p:grpSpPr>
+        <p:sp>
+          <p:nvSpPr>
+            <p:cNvPr id="6" name="직사각형 5">
+              <a:extLst>
+                <a:ext uri="{FF2B5EF4-FFF2-40B4-BE49-F238E27FC236}">
+                  <a16:creationId xmlns:a16="http://schemas.microsoft.com/office/drawing/2014/main" id="{FF6788B9-5C8D-A4B2-867C-38A4BFFFDCC6}"/>
+                </a:ext>
+              </a:extLst>
+            </p:cNvPr>
+            <p:cNvSpPr/>
+            <p:nvPr/>
+          </p:nvSpPr>
+          <p:spPr>
+            <a:xfrm>
+              <a:off x="4504631" y="4309607"/>
+              <a:ext cx="790937" cy="644056"/>
+            </a:xfrm>
+            <a:prstGeom prst="rect">
+              <a:avLst/>
+            </a:prstGeom>
+            <a:solidFill>
+              <a:srgbClr val="FFFF00"/>
+            </a:solidFill>
+          </p:spPr>
+          <p:style>
+            <a:lnRef idx="2">
+              <a:schemeClr val="accent1">
+                <a:shade val="15000"/>
+              </a:schemeClr>
+            </a:lnRef>
+            <a:fillRef idx="1">
+              <a:schemeClr val="accent1"/>
+            </a:fillRef>
+            <a:effectRef idx="0">
+              <a:schemeClr val="accent1"/>
+            </a:effectRef>
+            <a:fontRef idx="minor">
+              <a:schemeClr val="lt1"/>
+            </a:fontRef>
+          </p:style>
+          <p:txBody>
+            <a:bodyPr rtlCol="0" anchor="ctr"/>
+            <a:lstStyle/>
+            <a:p>
+              <a:pPr algn="ctr"/>
+              <a:r>
+                <a:rPr kumimoji="1" lang="en-US" altLang="ko-KR" sz="1400" dirty="0">
+                  <a:solidFill>
+                    <a:srgbClr val="FF0000"/>
+                  </a:solidFill>
+                  <a:latin typeface="DM Mono" panose="020B0509040201040103" pitchFamily="49" charset="0"/>
+                </a:rPr>
+                <a:t>10</a:t>
+              </a:r>
+              <a:endParaRPr kumimoji="1" lang="ko-KR" altLang="en-US" sz="1400" dirty="0">
+                <a:solidFill>
+                  <a:srgbClr val="FF0000"/>
+                </a:solidFill>
+                <a:latin typeface="DM Mono" panose="020B0509040201040103" pitchFamily="49" charset="0"/>
+              </a:endParaRPr>
+            </a:p>
+          </p:txBody>
+        </p:sp>
+        <p:sp>
+          <p:nvSpPr>
+            <p:cNvPr id="8" name="TextBox 7">
+              <a:extLst>
+                <a:ext uri="{FF2B5EF4-FFF2-40B4-BE49-F238E27FC236}">
+                  <a16:creationId xmlns:a16="http://schemas.microsoft.com/office/drawing/2014/main" id="{5A1181C4-8B53-D659-1905-CDC811319603}"/>
+                </a:ext>
+              </a:extLst>
+            </p:cNvPr>
+            <p:cNvSpPr txBox="1"/>
+            <p:nvPr/>
+          </p:nvSpPr>
+          <p:spPr>
+            <a:xfrm>
+              <a:off x="4017287" y="4446969"/>
+              <a:ext cx="442405" cy="369332"/>
+            </a:xfrm>
+            <a:prstGeom prst="rect">
+              <a:avLst/>
+            </a:prstGeom>
+            <a:noFill/>
+          </p:spPr>
+          <p:txBody>
+            <a:bodyPr wrap="square">
+              <a:spAutoFit/>
+            </a:bodyPr>
+            <a:lstStyle/>
+            <a:p>
+              <a:pPr algn="r"/>
+              <a:r>
+                <a:rPr lang="en-US" altLang="ko-KR" sz="1800" dirty="0">
+                  <a:latin typeface="DM Mono" panose="020B0509040201040103" pitchFamily="49" charset="0"/>
+                </a:rPr>
+                <a:t>x</a:t>
+              </a:r>
+              <a:endParaRPr lang="ko-KR" altLang="en-US" dirty="0">
+                <a:solidFill>
+                  <a:srgbClr val="FF0000"/>
+                </a:solidFill>
+              </a:endParaRPr>
+            </a:p>
+          </p:txBody>
+        </p:sp>
+      </p:grpSp>
+      <p:sp>
+        <p:nvSpPr>
+          <p:cNvPr id="11" name="TextBox 10">
+            <a:extLst>
+              <a:ext uri="{FF2B5EF4-FFF2-40B4-BE49-F238E27FC236}">
+                <a16:creationId xmlns:a16="http://schemas.microsoft.com/office/drawing/2014/main" id="{913A843B-DEA9-77FD-91B7-7BBCC68CCC12}"/>
+              </a:ext>
+            </a:extLst>
+          </p:cNvPr>
+          <p:cNvSpPr txBox="1"/>
+          <p:nvPr/>
+        </p:nvSpPr>
+        <p:spPr>
+          <a:xfrm>
+            <a:off x="3631758" y="4032608"/>
+            <a:ext cx="1721458" cy="276999"/>
+          </a:xfrm>
+          <a:prstGeom prst="rect">
+            <a:avLst/>
+          </a:prstGeom>
+          <a:noFill/>
+        </p:spPr>
+        <p:txBody>
+          <a:bodyPr wrap="square">
+            <a:spAutoFit/>
+          </a:bodyPr>
+          <a:lstStyle/>
+          <a:p>
+            <a:r>
+              <a:rPr kumimoji="1" lang="en-US" altLang="ko-KR" sz="1200" dirty="0">
+                <a:solidFill>
+                  <a:schemeClr val="tx1"/>
+                </a:solidFill>
+                <a:latin typeface="DM Mono" panose="020B0509040201040103" pitchFamily="49" charset="0"/>
+              </a:rPr>
+              <a:t>0x2000</a:t>
+            </a:r>
+            <a:endParaRPr lang="ko-KR" altLang="en-US" sz="1200" dirty="0"/>
+          </a:p>
+        </p:txBody>
+      </p:sp>
+      <p:sp>
+        <p:nvSpPr>
+          <p:cNvPr id="7" name="직사각형 6">
+            <a:extLst>
+              <a:ext uri="{FF2B5EF4-FFF2-40B4-BE49-F238E27FC236}">
+                <a16:creationId xmlns:a16="http://schemas.microsoft.com/office/drawing/2014/main" id="{618FDCA2-DC01-19E6-E28F-6A473717223E}"/>
+              </a:ext>
+            </a:extLst>
+          </p:cNvPr>
+          <p:cNvSpPr/>
+          <p:nvPr/>
+        </p:nvSpPr>
+        <p:spPr>
+          <a:xfrm>
+            <a:off x="9065813" y="1066800"/>
+            <a:ext cx="1574359" cy="644056"/>
+          </a:xfrm>
+          <a:prstGeom prst="rect">
+            <a:avLst/>
+          </a:prstGeom>
+          <a:solidFill>
+            <a:srgbClr val="FFFF00"/>
+          </a:solidFill>
+        </p:spPr>
+        <p:style>
+          <a:lnRef idx="2">
+            <a:schemeClr val="accent1">
+              <a:shade val="15000"/>
+            </a:schemeClr>
+          </a:lnRef>
+          <a:fillRef idx="1">
+            <a:schemeClr val="accent1"/>
+          </a:fillRef>
+          <a:effectRef idx="0">
+            <a:schemeClr val="accent1"/>
+          </a:effectRef>
+          <a:fontRef idx="minor">
+            <a:schemeClr val="lt1"/>
+          </a:fontRef>
+        </p:style>
+        <p:txBody>
+          <a:bodyPr rtlCol="0" anchor="ctr"/>
+          <a:lstStyle/>
+          <a:p>
+            <a:pPr algn="ctr"/>
+            <a:r>
+              <a:rPr kumimoji="1" lang="en-US" altLang="ko-KR" sz="1400" dirty="0">
+                <a:solidFill>
+                  <a:srgbClr val="FF0000"/>
+                </a:solidFill>
+                <a:latin typeface="DM Mono" panose="020B0509040201040103" pitchFamily="49" charset="0"/>
+              </a:rPr>
+              <a:t>10</a:t>
+            </a:r>
+            <a:endParaRPr kumimoji="1" lang="ko-KR" altLang="en-US" sz="1400" dirty="0">
+              <a:solidFill>
+                <a:srgbClr val="FF0000"/>
+              </a:solidFill>
+              <a:latin typeface="DM Mono" panose="020B0509040201040103" pitchFamily="49" charset="0"/>
+            </a:endParaRPr>
+          </a:p>
+        </p:txBody>
+      </p:sp>
+      <p:sp>
+        <p:nvSpPr>
+          <p:cNvPr id="10" name="TextBox 9">
+            <a:extLst>
+              <a:ext uri="{FF2B5EF4-FFF2-40B4-BE49-F238E27FC236}">
+                <a16:creationId xmlns:a16="http://schemas.microsoft.com/office/drawing/2014/main" id="{48294857-54FA-0F54-F887-BE60A54D6CEF}"/>
+              </a:ext>
+            </a:extLst>
+          </p:cNvPr>
+          <p:cNvSpPr txBox="1"/>
+          <p:nvPr/>
+        </p:nvSpPr>
+        <p:spPr>
+          <a:xfrm>
+            <a:off x="8095757" y="1204162"/>
+            <a:ext cx="880607" cy="369332"/>
+          </a:xfrm>
+          <a:prstGeom prst="rect">
+            <a:avLst/>
+          </a:prstGeom>
+          <a:noFill/>
+        </p:spPr>
+        <p:txBody>
+          <a:bodyPr wrap="square">
+            <a:spAutoFit/>
+          </a:bodyPr>
+          <a:lstStyle/>
+          <a:p>
+            <a:pPr algn="r"/>
+            <a:r>
+              <a:rPr lang="en-US" altLang="ko-KR" sz="1800" dirty="0">
+                <a:latin typeface="DM Mono" panose="020B0509040201040103" pitchFamily="49" charset="0"/>
+              </a:rPr>
+              <a:t>x</a:t>
+            </a:r>
+            <a:endParaRPr lang="ko-KR" altLang="en-US" dirty="0">
+              <a:solidFill>
+                <a:srgbClr val="FF0000"/>
+              </a:solidFill>
+            </a:endParaRPr>
+          </a:p>
+        </p:txBody>
+      </p:sp>
+      <p:cxnSp>
+        <p:nvCxnSpPr>
+          <p:cNvPr id="15" name="구부러진 연결선[U] 14">
+            <a:extLst>
+              <a:ext uri="{FF2B5EF4-FFF2-40B4-BE49-F238E27FC236}">
+                <a16:creationId xmlns:a16="http://schemas.microsoft.com/office/drawing/2014/main" id="{CE927C30-6524-E492-C6FC-6127B1807D8A}"/>
+              </a:ext>
+            </a:extLst>
+          </p:cNvPr>
+          <p:cNvCxnSpPr>
+            <a:endCxn id="7" idx="2"/>
+          </p:cNvCxnSpPr>
+          <p:nvPr/>
+        </p:nvCxnSpPr>
+        <p:spPr>
+          <a:xfrm flipV="1">
+            <a:off x="5446643" y="1710856"/>
+            <a:ext cx="4406350" cy="2932706"/>
+          </a:xfrm>
+          <a:prstGeom prst="curvedConnector2">
+            <a:avLst/>
+          </a:prstGeom>
+          <a:ln>
+            <a:tailEnd type="triangle"/>
+          </a:ln>
+        </p:spPr>
+        <p:style>
+          <a:lnRef idx="2">
+            <a:schemeClr val="dk1"/>
+          </a:lnRef>
+          <a:fillRef idx="0">
+            <a:schemeClr val="dk1"/>
+          </a:fillRef>
+          <a:effectRef idx="1">
+            <a:schemeClr val="dk1"/>
+          </a:effectRef>
+          <a:fontRef idx="minor">
+            <a:schemeClr val="tx1"/>
+          </a:fontRef>
+        </p:style>
+      </p:cxnSp>
+      <p:sp>
+        <p:nvSpPr>
+          <p:cNvPr id="17" name="TextBox 16">
+            <a:extLst>
+              <a:ext uri="{FF2B5EF4-FFF2-40B4-BE49-F238E27FC236}">
+                <a16:creationId xmlns:a16="http://schemas.microsoft.com/office/drawing/2014/main" id="{2496D5FE-7B5C-0B76-9F85-582C0F662E3A}"/>
+              </a:ext>
+            </a:extLst>
+          </p:cNvPr>
+          <p:cNvSpPr txBox="1"/>
+          <p:nvPr/>
+        </p:nvSpPr>
+        <p:spPr>
+          <a:xfrm>
+            <a:off x="8225624" y="3801775"/>
+            <a:ext cx="902473" cy="369332"/>
+          </a:xfrm>
+          <a:prstGeom prst="rect">
+            <a:avLst/>
+          </a:prstGeom>
+          <a:noFill/>
+        </p:spPr>
+        <p:txBody>
+          <a:bodyPr wrap="square">
+            <a:spAutoFit/>
+          </a:bodyPr>
+          <a:lstStyle/>
+          <a:p>
+            <a:r>
+              <a:rPr lang="ko-KR" altLang="en-US" dirty="0">
+                <a:latin typeface="DM Mono" panose="020B0509040201040103" pitchFamily="49" charset="0"/>
+              </a:rPr>
+              <a:t>복사</a:t>
+            </a:r>
+            <a:endParaRPr lang="ko-KR" altLang="en-US" dirty="0"/>
+          </a:p>
+        </p:txBody>
+      </p:sp>
+    </p:spTree>
+    <p:extLst>
+      <p:ext uri="{BB962C8B-B14F-4D97-AF65-F5344CB8AC3E}">
+        <p14:creationId xmlns:p14="http://schemas.microsoft.com/office/powerpoint/2010/main" val="2928351198"/>
+      </p:ext>
+    </p:extLst>
+  </p:cSld>
+  <p:clrMapOvr>
+    <a:masterClrMapping/>
+  </p:clrMapOvr>
+</p:sld>
+</file>
+
+<file path=ppt/slides/slide9.xml><?xml version="1.0" encoding="utf-8"?>
+<p:sld xmlns:a="http://schemas.openxmlformats.org/drawingml/2006/main" xmlns:r="http://schemas.openxmlformats.org/officeDocument/2006/relationships" xmlns:p="http://schemas.openxmlformats.org/presentationml/2006/main">
+  <p:cSld>
+    <p:spTree>
+      <p:nvGrpSpPr>
+        <p:cNvPr id="1" name="">
+          <a:extLst>
+            <a:ext uri="{FF2B5EF4-FFF2-40B4-BE49-F238E27FC236}">
+              <a16:creationId xmlns:a16="http://schemas.microsoft.com/office/drawing/2014/main" id="{9D189F7C-58DD-4D74-4238-02F47708BF12}"/>
+            </a:ext>
+          </a:extLst>
+        </p:cNvPr>
+        <p:cNvGrpSpPr/>
+        <p:nvPr/>
+      </p:nvGrpSpPr>
+      <p:grpSpPr>
+        <a:xfrm>
+          <a:off x="0" y="0"/>
+          <a:ext cx="0" cy="0"/>
+          <a:chOff x="0" y="0"/>
+          <a:chExt cx="0" cy="0"/>
+        </a:xfrm>
+      </p:grpSpPr>
+      <p:sp>
+        <p:nvSpPr>
+          <p:cNvPr id="13" name="직사각형 12">
+            <a:extLst>
+              <a:ext uri="{FF2B5EF4-FFF2-40B4-BE49-F238E27FC236}">
+                <a16:creationId xmlns:a16="http://schemas.microsoft.com/office/drawing/2014/main" id="{DB51BB1C-1297-FA41-0F8B-4681B00215D4}"/>
+              </a:ext>
+            </a:extLst>
+          </p:cNvPr>
+          <p:cNvSpPr/>
+          <p:nvPr/>
+        </p:nvSpPr>
+        <p:spPr>
+          <a:xfrm>
+            <a:off x="2503336" y="3516925"/>
+            <a:ext cx="3681454" cy="2598751"/>
+          </a:xfrm>
+          <a:prstGeom prst="rect">
+            <a:avLst/>
+          </a:prstGeom>
+          <a:solidFill>
+            <a:schemeClr val="bg1"/>
+          </a:solidFill>
+        </p:spPr>
+        <p:style>
+          <a:lnRef idx="2">
+            <a:schemeClr val="accent1">
+              <a:shade val="15000"/>
+            </a:schemeClr>
+          </a:lnRef>
+          <a:fillRef idx="1">
+            <a:schemeClr val="accent1"/>
+          </a:fillRef>
+          <a:effectRef idx="0">
+            <a:schemeClr val="accent1"/>
+          </a:effectRef>
+          <a:fontRef idx="minor">
+            <a:schemeClr val="lt1"/>
+          </a:fontRef>
+        </p:style>
+        <p:txBody>
+          <a:bodyPr rtlCol="0" anchor="ctr"/>
+          <a:lstStyle/>
+          <a:p>
+            <a:pPr algn="ctr"/>
+            <a:endParaRPr kumimoji="1" lang="ko-KR" altLang="en-US" sz="1400" dirty="0">
+              <a:solidFill>
+                <a:schemeClr val="tx1"/>
+              </a:solidFill>
+              <a:latin typeface="DM Mono" panose="020B0509040201040103" pitchFamily="49" charset="0"/>
+            </a:endParaRPr>
+          </a:p>
+        </p:txBody>
+      </p:sp>
+      <p:sp>
+        <p:nvSpPr>
+          <p:cNvPr id="12" name="직사각형 11">
+            <a:extLst>
+              <a:ext uri="{FF2B5EF4-FFF2-40B4-BE49-F238E27FC236}">
+                <a16:creationId xmlns:a16="http://schemas.microsoft.com/office/drawing/2014/main" id="{64FDC87D-1AA5-8912-DDE1-681CAAAFF1C0}"/>
+              </a:ext>
+            </a:extLst>
+          </p:cNvPr>
+          <p:cNvSpPr/>
+          <p:nvPr/>
+        </p:nvSpPr>
+        <p:spPr>
+          <a:xfrm>
+            <a:off x="8012265" y="411480"/>
+            <a:ext cx="3681454" cy="2598751"/>
+          </a:xfrm>
+          <a:prstGeom prst="rect">
+            <a:avLst/>
+          </a:prstGeom>
+          <a:solidFill>
+            <a:schemeClr val="bg1"/>
+          </a:solidFill>
+        </p:spPr>
+        <p:style>
+          <a:lnRef idx="2">
+            <a:schemeClr val="accent1">
+              <a:shade val="15000"/>
+            </a:schemeClr>
+          </a:lnRef>
+          <a:fillRef idx="1">
+            <a:schemeClr val="accent1"/>
+          </a:fillRef>
+          <a:effectRef idx="0">
+            <a:schemeClr val="accent1"/>
+          </a:effectRef>
+          <a:fontRef idx="minor">
+            <a:schemeClr val="lt1"/>
+          </a:fontRef>
+        </p:style>
+        <p:txBody>
+          <a:bodyPr rtlCol="0" anchor="ctr"/>
+          <a:lstStyle/>
+          <a:p>
+            <a:pPr algn="ctr"/>
+            <a:endParaRPr kumimoji="1" lang="ko-KR" altLang="en-US" sz="1400" dirty="0">
+              <a:solidFill>
+                <a:schemeClr val="tx1"/>
+              </a:solidFill>
+              <a:latin typeface="DM Mono" panose="020B0509040201040103" pitchFamily="49" charset="0"/>
+            </a:endParaRPr>
+          </a:p>
+        </p:txBody>
+      </p:sp>
+      <p:sp>
+        <p:nvSpPr>
+          <p:cNvPr id="5" name="TextBox 4">
+            <a:extLst>
+              <a:ext uri="{FF2B5EF4-FFF2-40B4-BE49-F238E27FC236}">
+                <a16:creationId xmlns:a16="http://schemas.microsoft.com/office/drawing/2014/main" id="{765E40AD-1D16-9F33-BBE4-8F33A3ECF931}"/>
+              </a:ext>
+            </a:extLst>
+          </p:cNvPr>
+          <p:cNvSpPr txBox="1"/>
+          <p:nvPr/>
+        </p:nvSpPr>
+        <p:spPr>
+          <a:xfrm>
+            <a:off x="799106" y="506896"/>
+            <a:ext cx="3693381" cy="3139321"/>
+          </a:xfrm>
+          <a:prstGeom prst="rect">
+            <a:avLst/>
+          </a:prstGeom>
+          <a:noFill/>
+        </p:spPr>
+        <p:txBody>
+          <a:bodyPr wrap="square">
+            <a:spAutoFit/>
+          </a:bodyPr>
+          <a:lstStyle/>
+          <a:p>
+            <a:r>
+              <a:rPr lang="en-US" altLang="ko-KR" dirty="0">
+                <a:latin typeface="DM Mono" panose="020B0509040201040103" pitchFamily="49" charset="0"/>
+              </a:rPr>
+              <a:t>void Increment(</a:t>
+            </a:r>
+            <a:r>
+              <a:rPr lang="en-US" altLang="ko-KR" dirty="0">
+                <a:solidFill>
+                  <a:srgbClr val="FF0000"/>
+                </a:solidFill>
+                <a:latin typeface="DM Mono" panose="020B0509040201040103" pitchFamily="49" charset="0"/>
+              </a:rPr>
+              <a:t>int x</a:t>
+            </a:r>
+            <a:r>
+              <a:rPr lang="en-US" altLang="ko-KR" dirty="0">
+                <a:latin typeface="DM Mono" panose="020B0509040201040103" pitchFamily="49" charset="0"/>
+              </a:rPr>
+              <a:t>)</a:t>
+            </a:r>
+          </a:p>
+          <a:p>
+            <a:r>
+              <a:rPr lang="en-US" altLang="ko-KR" dirty="0">
+                <a:latin typeface="DM Mono" panose="020B0509040201040103" pitchFamily="49" charset="0"/>
+              </a:rPr>
+              <a:t>{</a:t>
+            </a:r>
+          </a:p>
+          <a:p>
+            <a:r>
+              <a:rPr lang="en-US" altLang="ko-KR" dirty="0">
+                <a:solidFill>
+                  <a:srgbClr val="FF0000"/>
+                </a:solidFill>
+                <a:latin typeface="DM Mono" panose="020B0509040201040103" pitchFamily="49" charset="0"/>
+              </a:rPr>
+              <a:t>    ++x;</a:t>
+            </a:r>
+          </a:p>
+          <a:p>
+            <a:r>
+              <a:rPr lang="en-US" altLang="ko-KR" dirty="0">
+                <a:latin typeface="DM Mono" panose="020B0509040201040103" pitchFamily="49" charset="0"/>
+              </a:rPr>
+              <a:t>}</a:t>
+            </a:r>
+          </a:p>
+          <a:p>
+            <a:br>
+              <a:rPr lang="en-US" altLang="ko-KR" dirty="0">
+                <a:latin typeface="DM Mono" panose="020B0509040201040103" pitchFamily="49" charset="0"/>
+              </a:rPr>
+            </a:br>
+            <a:endParaRPr lang="en-US" altLang="ko-KR" dirty="0">
+              <a:latin typeface="DM Mono" panose="020B0509040201040103" pitchFamily="49" charset="0"/>
+            </a:endParaRPr>
+          </a:p>
+          <a:p>
+            <a:r>
+              <a:rPr lang="en-US" altLang="ko-KR" dirty="0">
+                <a:latin typeface="DM Mono" panose="020B0509040201040103" pitchFamily="49" charset="0"/>
+              </a:rPr>
+              <a:t>int main()</a:t>
+            </a:r>
+          </a:p>
+          <a:p>
+            <a:r>
+              <a:rPr lang="en-US" altLang="ko-KR" dirty="0">
+                <a:latin typeface="DM Mono" panose="020B0509040201040103" pitchFamily="49" charset="0"/>
+              </a:rPr>
+              <a:t>{</a:t>
+            </a:r>
+          </a:p>
+          <a:p>
+            <a:r>
+              <a:rPr lang="en-US" altLang="ko-KR" dirty="0">
+                <a:latin typeface="DM Mono" panose="020B0509040201040103" pitchFamily="49" charset="0"/>
+              </a:rPr>
+              <a:t>    int x = 10;</a:t>
+            </a:r>
+          </a:p>
+          <a:p>
+            <a:r>
+              <a:rPr lang="en-US" altLang="ko-KR" dirty="0">
+                <a:solidFill>
+                  <a:srgbClr val="FF0000"/>
+                </a:solidFill>
+                <a:latin typeface="DM Mono" panose="020B0509040201040103" pitchFamily="49" charset="0"/>
+              </a:rPr>
+              <a:t>    Increment(x);</a:t>
+            </a:r>
+          </a:p>
+          <a:p>
+            <a:r>
+              <a:rPr lang="en-US" altLang="ko-KR" dirty="0">
+                <a:latin typeface="DM Mono" panose="020B0509040201040103" pitchFamily="49" charset="0"/>
+              </a:rPr>
+              <a:t>}</a:t>
+            </a:r>
+          </a:p>
+        </p:txBody>
+      </p:sp>
+      <p:grpSp>
+        <p:nvGrpSpPr>
+          <p:cNvPr id="9" name="그룹 8">
+            <a:extLst>
+              <a:ext uri="{FF2B5EF4-FFF2-40B4-BE49-F238E27FC236}">
+                <a16:creationId xmlns:a16="http://schemas.microsoft.com/office/drawing/2014/main" id="{063B7F38-6723-4E3D-0891-D942A1516C56}"/>
+              </a:ext>
+            </a:extLst>
+          </p:cNvPr>
+          <p:cNvGrpSpPr/>
+          <p:nvPr/>
+        </p:nvGrpSpPr>
+        <p:grpSpPr>
+          <a:xfrm>
+            <a:off x="2751153" y="4309607"/>
+            <a:ext cx="2544417" cy="644056"/>
+            <a:chOff x="4017287" y="4309607"/>
+            <a:chExt cx="1278281" cy="644056"/>
+          </a:xfrm>
+        </p:grpSpPr>
+        <p:sp>
+          <p:nvSpPr>
+            <p:cNvPr id="6" name="직사각형 5">
+              <a:extLst>
+                <a:ext uri="{FF2B5EF4-FFF2-40B4-BE49-F238E27FC236}">
+                  <a16:creationId xmlns:a16="http://schemas.microsoft.com/office/drawing/2014/main" id="{4E56B0E5-8188-8A23-20B9-BAEBCFB477D9}"/>
+                </a:ext>
+              </a:extLst>
+            </p:cNvPr>
+            <p:cNvSpPr/>
+            <p:nvPr/>
+          </p:nvSpPr>
+          <p:spPr>
+            <a:xfrm>
+              <a:off x="4504631" y="4309607"/>
+              <a:ext cx="790937" cy="644056"/>
+            </a:xfrm>
+            <a:prstGeom prst="rect">
+              <a:avLst/>
+            </a:prstGeom>
+            <a:solidFill>
+              <a:srgbClr val="FFFF00"/>
+            </a:solidFill>
+          </p:spPr>
+          <p:style>
+            <a:lnRef idx="2">
+              <a:schemeClr val="accent1">
+                <a:shade val="15000"/>
+              </a:schemeClr>
+            </a:lnRef>
+            <a:fillRef idx="1">
+              <a:schemeClr val="accent1"/>
+            </a:fillRef>
+            <a:effectRef idx="0">
+              <a:schemeClr val="accent1"/>
+            </a:effectRef>
+            <a:fontRef idx="minor">
+              <a:schemeClr val="lt1"/>
+            </a:fontRef>
+          </p:style>
+          <p:txBody>
+            <a:bodyPr rtlCol="0" anchor="ctr"/>
+            <a:lstStyle/>
+            <a:p>
+              <a:pPr algn="ctr"/>
+              <a:r>
+                <a:rPr kumimoji="1" lang="en-US" altLang="ko-KR" sz="1400" dirty="0">
+                  <a:solidFill>
+                    <a:srgbClr val="FF0000"/>
+                  </a:solidFill>
+                  <a:latin typeface="DM Mono" panose="020B0509040201040103" pitchFamily="49" charset="0"/>
+                </a:rPr>
+                <a:t>10</a:t>
+              </a:r>
+              <a:endParaRPr kumimoji="1" lang="ko-KR" altLang="en-US" sz="1400" dirty="0">
+                <a:solidFill>
+                  <a:srgbClr val="FF0000"/>
+                </a:solidFill>
+                <a:latin typeface="DM Mono" panose="020B0509040201040103" pitchFamily="49" charset="0"/>
+              </a:endParaRPr>
+            </a:p>
+          </p:txBody>
+        </p:sp>
+        <p:sp>
+          <p:nvSpPr>
+            <p:cNvPr id="8" name="TextBox 7">
+              <a:extLst>
+                <a:ext uri="{FF2B5EF4-FFF2-40B4-BE49-F238E27FC236}">
+                  <a16:creationId xmlns:a16="http://schemas.microsoft.com/office/drawing/2014/main" id="{D6CC5A44-752C-10DF-E773-7F823A02B17A}"/>
+                </a:ext>
+              </a:extLst>
+            </p:cNvPr>
+            <p:cNvSpPr txBox="1"/>
+            <p:nvPr/>
+          </p:nvSpPr>
+          <p:spPr>
+            <a:xfrm>
+              <a:off x="4017287" y="4446969"/>
+              <a:ext cx="442405" cy="369332"/>
+            </a:xfrm>
+            <a:prstGeom prst="rect">
+              <a:avLst/>
+            </a:prstGeom>
+            <a:noFill/>
+          </p:spPr>
+          <p:txBody>
+            <a:bodyPr wrap="square">
+              <a:spAutoFit/>
+            </a:bodyPr>
+            <a:lstStyle/>
+            <a:p>
+              <a:pPr algn="r"/>
+              <a:r>
+                <a:rPr lang="en-US" altLang="ko-KR" sz="1800" dirty="0">
+                  <a:latin typeface="DM Mono" panose="020B0509040201040103" pitchFamily="49" charset="0"/>
+                </a:rPr>
+                <a:t>x</a:t>
+              </a:r>
+              <a:endParaRPr lang="ko-KR" altLang="en-US" dirty="0">
+                <a:solidFill>
+                  <a:srgbClr val="FF0000"/>
+                </a:solidFill>
+              </a:endParaRPr>
+            </a:p>
+          </p:txBody>
+        </p:sp>
+      </p:grpSp>
+      <p:sp>
+        <p:nvSpPr>
+          <p:cNvPr id="11" name="TextBox 10">
+            <a:extLst>
+              <a:ext uri="{FF2B5EF4-FFF2-40B4-BE49-F238E27FC236}">
+                <a16:creationId xmlns:a16="http://schemas.microsoft.com/office/drawing/2014/main" id="{1F620BE2-5995-4B70-377C-6CE13197B1AD}"/>
+              </a:ext>
+            </a:extLst>
+          </p:cNvPr>
+          <p:cNvSpPr txBox="1"/>
+          <p:nvPr/>
+        </p:nvSpPr>
+        <p:spPr>
+          <a:xfrm>
+            <a:off x="3631758" y="4032608"/>
+            <a:ext cx="1721458" cy="276999"/>
+          </a:xfrm>
+          <a:prstGeom prst="rect">
+            <a:avLst/>
+          </a:prstGeom>
+          <a:noFill/>
+        </p:spPr>
+        <p:txBody>
+          <a:bodyPr wrap="square">
+            <a:spAutoFit/>
+          </a:bodyPr>
+          <a:lstStyle/>
+          <a:p>
+            <a:r>
+              <a:rPr kumimoji="1" lang="en-US" altLang="ko-KR" sz="1200" dirty="0">
+                <a:solidFill>
+                  <a:schemeClr val="tx1"/>
+                </a:solidFill>
+                <a:latin typeface="DM Mono" panose="020B0509040201040103" pitchFamily="49" charset="0"/>
+              </a:rPr>
+              <a:t>0x2000</a:t>
+            </a:r>
+            <a:endParaRPr lang="ko-KR" altLang="en-US" sz="1200" dirty="0"/>
+          </a:p>
+        </p:txBody>
+      </p:sp>
+      <p:sp>
+        <p:nvSpPr>
+          <p:cNvPr id="7" name="직사각형 6">
+            <a:extLst>
+              <a:ext uri="{FF2B5EF4-FFF2-40B4-BE49-F238E27FC236}">
+                <a16:creationId xmlns:a16="http://schemas.microsoft.com/office/drawing/2014/main" id="{578B60C0-5D9D-7443-68B0-25D229C6D44A}"/>
+              </a:ext>
+            </a:extLst>
+          </p:cNvPr>
+          <p:cNvSpPr/>
+          <p:nvPr/>
+        </p:nvSpPr>
+        <p:spPr>
+          <a:xfrm>
+            <a:off x="9065813" y="1066800"/>
+            <a:ext cx="1574359" cy="644056"/>
+          </a:xfrm>
+          <a:prstGeom prst="rect">
+            <a:avLst/>
+          </a:prstGeom>
+          <a:solidFill>
+            <a:srgbClr val="FFFF00"/>
+          </a:solidFill>
+        </p:spPr>
+        <p:style>
+          <a:lnRef idx="2">
+            <a:schemeClr val="accent1">
+              <a:shade val="15000"/>
+            </a:schemeClr>
+          </a:lnRef>
+          <a:fillRef idx="1">
+            <a:schemeClr val="accent1"/>
+          </a:fillRef>
+          <a:effectRef idx="0">
+            <a:schemeClr val="accent1"/>
+          </a:effectRef>
+          <a:fontRef idx="minor">
+            <a:schemeClr val="lt1"/>
+          </a:fontRef>
+        </p:style>
+        <p:txBody>
+          <a:bodyPr rtlCol="0" anchor="ctr"/>
+          <a:lstStyle/>
+          <a:p>
+            <a:pPr algn="ctr"/>
+            <a:r>
+              <a:rPr kumimoji="1" lang="en-US" altLang="ko-KR" sz="1400" dirty="0">
+                <a:solidFill>
+                  <a:srgbClr val="FF0000"/>
+                </a:solidFill>
+                <a:latin typeface="DM Mono" panose="020B0509040201040103" pitchFamily="49" charset="0"/>
+              </a:rPr>
+              <a:t>11</a:t>
+            </a:r>
+            <a:endParaRPr kumimoji="1" lang="ko-KR" altLang="en-US" sz="1400" dirty="0">
+              <a:solidFill>
+                <a:srgbClr val="FF0000"/>
+              </a:solidFill>
+              <a:latin typeface="DM Mono" panose="020B0509040201040103" pitchFamily="49" charset="0"/>
+            </a:endParaRPr>
+          </a:p>
+        </p:txBody>
+      </p:sp>
+      <p:sp>
+        <p:nvSpPr>
+          <p:cNvPr id="10" name="TextBox 9">
+            <a:extLst>
+              <a:ext uri="{FF2B5EF4-FFF2-40B4-BE49-F238E27FC236}">
+                <a16:creationId xmlns:a16="http://schemas.microsoft.com/office/drawing/2014/main" id="{38867431-58F3-5E90-8EE0-321210EDCB7D}"/>
+              </a:ext>
+            </a:extLst>
+          </p:cNvPr>
+          <p:cNvSpPr txBox="1"/>
+          <p:nvPr/>
+        </p:nvSpPr>
+        <p:spPr>
+          <a:xfrm>
+            <a:off x="8095757" y="1204162"/>
+            <a:ext cx="880607" cy="369332"/>
+          </a:xfrm>
+          <a:prstGeom prst="rect">
+            <a:avLst/>
+          </a:prstGeom>
+          <a:noFill/>
+        </p:spPr>
+        <p:txBody>
+          <a:bodyPr wrap="square">
+            <a:spAutoFit/>
+          </a:bodyPr>
+          <a:lstStyle/>
+          <a:p>
+            <a:pPr algn="r"/>
+            <a:r>
+              <a:rPr lang="en-US" altLang="ko-KR" sz="1800" dirty="0">
+                <a:latin typeface="DM Mono" panose="020B0509040201040103" pitchFamily="49" charset="0"/>
+              </a:rPr>
+              <a:t>x</a:t>
+            </a:r>
+            <a:endParaRPr lang="ko-KR" altLang="en-US" dirty="0">
+              <a:solidFill>
+                <a:srgbClr val="FF0000"/>
+              </a:solidFill>
+            </a:endParaRPr>
+          </a:p>
+        </p:txBody>
+      </p:sp>
+      <p:cxnSp>
+        <p:nvCxnSpPr>
+          <p:cNvPr id="15" name="구부러진 연결선[U] 14">
+            <a:extLst>
+              <a:ext uri="{FF2B5EF4-FFF2-40B4-BE49-F238E27FC236}">
+                <a16:creationId xmlns:a16="http://schemas.microsoft.com/office/drawing/2014/main" id="{3A239E87-894B-91F4-FC5A-0A8729F285C2}"/>
+              </a:ext>
+            </a:extLst>
+          </p:cNvPr>
+          <p:cNvCxnSpPr>
+            <a:endCxn id="7" idx="2"/>
+          </p:cNvCxnSpPr>
+          <p:nvPr/>
+        </p:nvCxnSpPr>
+        <p:spPr>
+          <a:xfrm flipV="1">
+            <a:off x="5446643" y="1710856"/>
+            <a:ext cx="4406350" cy="2932706"/>
+          </a:xfrm>
+          <a:prstGeom prst="curvedConnector2">
+            <a:avLst/>
+          </a:prstGeom>
+          <a:ln>
+            <a:tailEnd type="triangle"/>
+          </a:ln>
+        </p:spPr>
+        <p:style>
+          <a:lnRef idx="2">
+            <a:schemeClr val="dk1"/>
+          </a:lnRef>
+          <a:fillRef idx="0">
+            <a:schemeClr val="dk1"/>
+          </a:fillRef>
+          <a:effectRef idx="1">
+            <a:schemeClr val="dk1"/>
+          </a:effectRef>
+          <a:fontRef idx="minor">
+            <a:schemeClr val="tx1"/>
+          </a:fontRef>
+        </p:style>
+      </p:cxnSp>
+      <p:sp>
+        <p:nvSpPr>
+          <p:cNvPr id="17" name="TextBox 16">
+            <a:extLst>
+              <a:ext uri="{FF2B5EF4-FFF2-40B4-BE49-F238E27FC236}">
+                <a16:creationId xmlns:a16="http://schemas.microsoft.com/office/drawing/2014/main" id="{6C5D6E2B-5AE0-9D18-3946-006A3FFB64A7}"/>
+              </a:ext>
+            </a:extLst>
+          </p:cNvPr>
+          <p:cNvSpPr txBox="1"/>
+          <p:nvPr/>
+        </p:nvSpPr>
+        <p:spPr>
+          <a:xfrm>
+            <a:off x="8225624" y="3801775"/>
+            <a:ext cx="902473" cy="369332"/>
+          </a:xfrm>
+          <a:prstGeom prst="rect">
+            <a:avLst/>
+          </a:prstGeom>
+          <a:noFill/>
+        </p:spPr>
+        <p:txBody>
+          <a:bodyPr wrap="square">
+            <a:spAutoFit/>
+          </a:bodyPr>
+          <a:lstStyle/>
+          <a:p>
+            <a:r>
+              <a:rPr lang="ko-KR" altLang="en-US" dirty="0">
+                <a:latin typeface="DM Mono" panose="020B0509040201040103" pitchFamily="49" charset="0"/>
+              </a:rPr>
+              <a:t>복사</a:t>
+            </a:r>
+            <a:endParaRPr lang="ko-KR" altLang="en-US" dirty="0"/>
+          </a:p>
+        </p:txBody>
+      </p:sp>
+    </p:spTree>
+    <p:extLst>
+      <p:ext uri="{BB962C8B-B14F-4D97-AF65-F5344CB8AC3E}">
+        <p14:creationId xmlns:p14="http://schemas.microsoft.com/office/powerpoint/2010/main" val="709861044"/>
       </p:ext>
     </p:extLst>
   </p:cSld>

--- a/cpp_250820.pptx
+++ b/cpp_250820.pptx
@@ -129,6 +129,11 @@
       </a:defRPr>
     </a:lvl9pPr>
   </p:defaultTextStyle>
+  <p:extLst>
+    <p:ext uri="{EFAFB233-063F-42B5-8137-9DF3F51BA10A}">
+      <p15:sldGuideLst xmlns:p15="http://schemas.microsoft.com/office/powerpoint/2012/main"/>
+    </p:ext>
+  </p:extLst>
 </p:presentation>
 </file>
 
@@ -279,7 +284,7 @@
           <a:p>
             <a:fld id="{DC0FCFA4-FE07-DE4C-AB46-F74650FAEA13}" type="datetimeFigureOut">
               <a:rPr kumimoji="1" lang="ko-KR" altLang="en-US" smtClean="0"/>
-              <a:t>2025. 8. 21.</a:t>
+              <a:t>2025. 8. 22.</a:t>
             </a:fld>
             <a:endParaRPr kumimoji="1" lang="ko-KR" altLang="en-US"/>
           </a:p>
@@ -477,7 +482,7 @@
           <a:p>
             <a:fld id="{DC0FCFA4-FE07-DE4C-AB46-F74650FAEA13}" type="datetimeFigureOut">
               <a:rPr kumimoji="1" lang="ko-KR" altLang="en-US" smtClean="0"/>
-              <a:t>2025. 8. 21.</a:t>
+              <a:t>2025. 8. 22.</a:t>
             </a:fld>
             <a:endParaRPr kumimoji="1" lang="ko-KR" altLang="en-US"/>
           </a:p>
@@ -685,7 +690,7 @@
           <a:p>
             <a:fld id="{DC0FCFA4-FE07-DE4C-AB46-F74650FAEA13}" type="datetimeFigureOut">
               <a:rPr kumimoji="1" lang="ko-KR" altLang="en-US" smtClean="0"/>
-              <a:t>2025. 8. 21.</a:t>
+              <a:t>2025. 8. 22.</a:t>
             </a:fld>
             <a:endParaRPr kumimoji="1" lang="ko-KR" altLang="en-US"/>
           </a:p>
@@ -883,7 +888,7 @@
           <a:p>
             <a:fld id="{DC0FCFA4-FE07-DE4C-AB46-F74650FAEA13}" type="datetimeFigureOut">
               <a:rPr kumimoji="1" lang="ko-KR" altLang="en-US" smtClean="0"/>
-              <a:t>2025. 8. 21.</a:t>
+              <a:t>2025. 8. 22.</a:t>
             </a:fld>
             <a:endParaRPr kumimoji="1" lang="ko-KR" altLang="en-US"/>
           </a:p>
@@ -1158,7 +1163,7 @@
           <a:p>
             <a:fld id="{DC0FCFA4-FE07-DE4C-AB46-F74650FAEA13}" type="datetimeFigureOut">
               <a:rPr kumimoji="1" lang="ko-KR" altLang="en-US" smtClean="0"/>
-              <a:t>2025. 8. 21.</a:t>
+              <a:t>2025. 8. 22.</a:t>
             </a:fld>
             <a:endParaRPr kumimoji="1" lang="ko-KR" altLang="en-US"/>
           </a:p>
@@ -1423,7 +1428,7 @@
           <a:p>
             <a:fld id="{DC0FCFA4-FE07-DE4C-AB46-F74650FAEA13}" type="datetimeFigureOut">
               <a:rPr kumimoji="1" lang="ko-KR" altLang="en-US" smtClean="0"/>
-              <a:t>2025. 8. 21.</a:t>
+              <a:t>2025. 8. 22.</a:t>
             </a:fld>
             <a:endParaRPr kumimoji="1" lang="ko-KR" altLang="en-US"/>
           </a:p>
@@ -1835,7 +1840,7 @@
           <a:p>
             <a:fld id="{DC0FCFA4-FE07-DE4C-AB46-F74650FAEA13}" type="datetimeFigureOut">
               <a:rPr kumimoji="1" lang="ko-KR" altLang="en-US" smtClean="0"/>
-              <a:t>2025. 8. 21.</a:t>
+              <a:t>2025. 8. 22.</a:t>
             </a:fld>
             <a:endParaRPr kumimoji="1" lang="ko-KR" altLang="en-US"/>
           </a:p>
@@ -1976,7 +1981,7 @@
           <a:p>
             <a:fld id="{DC0FCFA4-FE07-DE4C-AB46-F74650FAEA13}" type="datetimeFigureOut">
               <a:rPr kumimoji="1" lang="ko-KR" altLang="en-US" smtClean="0"/>
-              <a:t>2025. 8. 21.</a:t>
+              <a:t>2025. 8. 22.</a:t>
             </a:fld>
             <a:endParaRPr kumimoji="1" lang="ko-KR" altLang="en-US"/>
           </a:p>
@@ -2089,7 +2094,7 @@
           <a:p>
             <a:fld id="{DC0FCFA4-FE07-DE4C-AB46-F74650FAEA13}" type="datetimeFigureOut">
               <a:rPr kumimoji="1" lang="ko-KR" altLang="en-US" smtClean="0"/>
-              <a:t>2025. 8. 21.</a:t>
+              <a:t>2025. 8. 22.</a:t>
             </a:fld>
             <a:endParaRPr kumimoji="1" lang="ko-KR" altLang="en-US"/>
           </a:p>
@@ -2400,7 +2405,7 @@
           <a:p>
             <a:fld id="{DC0FCFA4-FE07-DE4C-AB46-F74650FAEA13}" type="datetimeFigureOut">
               <a:rPr kumimoji="1" lang="ko-KR" altLang="en-US" smtClean="0"/>
-              <a:t>2025. 8. 21.</a:t>
+              <a:t>2025. 8. 22.</a:t>
             </a:fld>
             <a:endParaRPr kumimoji="1" lang="ko-KR" altLang="en-US"/>
           </a:p>
@@ -2688,7 +2693,7 @@
           <a:p>
             <a:fld id="{DC0FCFA4-FE07-DE4C-AB46-F74650FAEA13}" type="datetimeFigureOut">
               <a:rPr kumimoji="1" lang="ko-KR" altLang="en-US" smtClean="0"/>
-              <a:t>2025. 8. 21.</a:t>
+              <a:t>2025. 8. 22.</a:t>
             </a:fld>
             <a:endParaRPr kumimoji="1" lang="ko-KR" altLang="en-US"/>
           </a:p>
@@ -2929,7 +2934,7 @@
           <a:p>
             <a:fld id="{DC0FCFA4-FE07-DE4C-AB46-F74650FAEA13}" type="datetimeFigureOut">
               <a:rPr kumimoji="1" lang="ko-KR" altLang="en-US" smtClean="0"/>
-              <a:t>2025. 8. 21.</a:t>
+              <a:t>2025. 8. 22.</a:t>
             </a:fld>
             <a:endParaRPr kumimoji="1" lang="ko-KR" altLang="en-US"/>
           </a:p>
@@ -13229,6 +13234,204 @@
           </a:fontRef>
         </p:style>
       </p:cxnSp>
+      <p:sp>
+        <p:nvSpPr>
+          <p:cNvPr id="11" name="TextBox 10">
+            <a:extLst>
+              <a:ext uri="{FF2B5EF4-FFF2-40B4-BE49-F238E27FC236}">
+                <a16:creationId xmlns:a16="http://schemas.microsoft.com/office/drawing/2014/main" id="{E7E722F4-2D1C-F28A-8B39-EE4959C6E7E3}"/>
+              </a:ext>
+            </a:extLst>
+          </p:cNvPr>
+          <p:cNvSpPr txBox="1"/>
+          <p:nvPr/>
+        </p:nvSpPr>
+        <p:spPr>
+          <a:xfrm>
+            <a:off x="5931877" y="4343594"/>
+            <a:ext cx="6096000" cy="830997"/>
+          </a:xfrm>
+          <a:prstGeom prst="rect">
+            <a:avLst/>
+          </a:prstGeom>
+          <a:noFill/>
+        </p:spPr>
+        <p:txBody>
+          <a:bodyPr wrap="square">
+            <a:spAutoFit/>
+          </a:bodyPr>
+          <a:lstStyle/>
+          <a:p>
+            <a:r>
+              <a:rPr lang="ko-KR" altLang="en-US" sz="1200" dirty="0" err="1">
+                <a:latin typeface="DM Mono" panose="020B0509040201040103" pitchFamily="49" charset="0"/>
+              </a:rPr>
+              <a:t>a.out</a:t>
+            </a:r>
+            <a:r>
+              <a:rPr lang="ko-KR" altLang="en-US" sz="1200" dirty="0">
+                <a:latin typeface="DM Mono" panose="020B0509040201040103" pitchFamily="49" charset="0"/>
+              </a:rPr>
+              <a:t>(5403,0x1fdfa20c0) </a:t>
+            </a:r>
+            <a:r>
+              <a:rPr lang="ko-KR" altLang="en-US" sz="1200" dirty="0" err="1">
+                <a:latin typeface="DM Mono" panose="020B0509040201040103" pitchFamily="49" charset="0"/>
+              </a:rPr>
+              <a:t>malloc</a:t>
+            </a:r>
+            <a:r>
+              <a:rPr lang="ko-KR" altLang="en-US" sz="1200" dirty="0">
+                <a:latin typeface="DM Mono" panose="020B0509040201040103" pitchFamily="49" charset="0"/>
+              </a:rPr>
+              <a:t>: </a:t>
+            </a:r>
+            <a:r>
+              <a:rPr lang="ko-KR" altLang="en-US" sz="1200" dirty="0" err="1">
+                <a:latin typeface="DM Mono" panose="020B0509040201040103" pitchFamily="49" charset="0"/>
+              </a:rPr>
+              <a:t>Double</a:t>
+            </a:r>
+            <a:r>
+              <a:rPr lang="ko-KR" altLang="en-US" sz="1200" dirty="0">
+                <a:latin typeface="DM Mono" panose="020B0509040201040103" pitchFamily="49" charset="0"/>
+              </a:rPr>
+              <a:t> </a:t>
+            </a:r>
+            <a:r>
+              <a:rPr lang="ko-KR" altLang="en-US" sz="1200" dirty="0" err="1">
+                <a:latin typeface="DM Mono" panose="020B0509040201040103" pitchFamily="49" charset="0"/>
+              </a:rPr>
+              <a:t>free</a:t>
+            </a:r>
+            <a:r>
+              <a:rPr lang="ko-KR" altLang="en-US" sz="1200" dirty="0">
+                <a:latin typeface="DM Mono" panose="020B0509040201040103" pitchFamily="49" charset="0"/>
+              </a:rPr>
+              <a:t> of </a:t>
+            </a:r>
+            <a:r>
+              <a:rPr lang="ko-KR" altLang="en-US" sz="1200" dirty="0" err="1">
+                <a:latin typeface="DM Mono" panose="020B0509040201040103" pitchFamily="49" charset="0"/>
+              </a:rPr>
+              <a:t>object</a:t>
+            </a:r>
+            <a:r>
+              <a:rPr lang="ko-KR" altLang="en-US" sz="1200" dirty="0">
+                <a:latin typeface="DM Mono" panose="020B0509040201040103" pitchFamily="49" charset="0"/>
+              </a:rPr>
+              <a:t> 0x13c704120</a:t>
+            </a:r>
+          </a:p>
+          <a:p>
+            <a:r>
+              <a:rPr lang="ko-KR" altLang="en-US" sz="1200" dirty="0" err="1">
+                <a:latin typeface="DM Mono" panose="020B0509040201040103" pitchFamily="49" charset="0"/>
+              </a:rPr>
+              <a:t>a.out</a:t>
+            </a:r>
+            <a:r>
+              <a:rPr lang="ko-KR" altLang="en-US" sz="1200" dirty="0">
+                <a:latin typeface="DM Mono" panose="020B0509040201040103" pitchFamily="49" charset="0"/>
+              </a:rPr>
+              <a:t>(5403,0x1fdfa20c0) </a:t>
+            </a:r>
+            <a:r>
+              <a:rPr lang="ko-KR" altLang="en-US" sz="1200" dirty="0" err="1">
+                <a:latin typeface="DM Mono" panose="020B0509040201040103" pitchFamily="49" charset="0"/>
+              </a:rPr>
+              <a:t>malloc</a:t>
+            </a:r>
+            <a:r>
+              <a:rPr lang="ko-KR" altLang="en-US" sz="1200" dirty="0">
+                <a:latin typeface="DM Mono" panose="020B0509040201040103" pitchFamily="49" charset="0"/>
+              </a:rPr>
+              <a:t>: *** </a:t>
+            </a:r>
+            <a:r>
+              <a:rPr lang="ko-KR" altLang="en-US" sz="1200" dirty="0" err="1">
+                <a:latin typeface="DM Mono" panose="020B0509040201040103" pitchFamily="49" charset="0"/>
+              </a:rPr>
+              <a:t>set</a:t>
+            </a:r>
+            <a:r>
+              <a:rPr lang="ko-KR" altLang="en-US" sz="1200" dirty="0">
+                <a:latin typeface="DM Mono" panose="020B0509040201040103" pitchFamily="49" charset="0"/>
+              </a:rPr>
+              <a:t> </a:t>
+            </a:r>
+            <a:r>
+              <a:rPr lang="ko-KR" altLang="en-US" sz="1200" dirty="0" err="1">
+                <a:latin typeface="DM Mono" panose="020B0509040201040103" pitchFamily="49" charset="0"/>
+              </a:rPr>
+              <a:t>a</a:t>
+            </a:r>
+            <a:r>
+              <a:rPr lang="ko-KR" altLang="en-US" sz="1200" dirty="0">
+                <a:latin typeface="DM Mono" panose="020B0509040201040103" pitchFamily="49" charset="0"/>
+              </a:rPr>
+              <a:t> </a:t>
+            </a:r>
+            <a:r>
+              <a:rPr lang="ko-KR" altLang="en-US" sz="1200" dirty="0" err="1">
+                <a:latin typeface="DM Mono" panose="020B0509040201040103" pitchFamily="49" charset="0"/>
+              </a:rPr>
+              <a:t>breakpoint</a:t>
+            </a:r>
+            <a:r>
+              <a:rPr lang="ko-KR" altLang="en-US" sz="1200" dirty="0">
+                <a:latin typeface="DM Mono" panose="020B0509040201040103" pitchFamily="49" charset="0"/>
+              </a:rPr>
+              <a:t> </a:t>
+            </a:r>
+            <a:r>
+              <a:rPr lang="ko-KR" altLang="en-US" sz="1200" dirty="0" err="1">
+                <a:latin typeface="DM Mono" panose="020B0509040201040103" pitchFamily="49" charset="0"/>
+              </a:rPr>
+              <a:t>in</a:t>
+            </a:r>
+            <a:r>
+              <a:rPr lang="ko-KR" altLang="en-US" sz="1200" dirty="0">
+                <a:latin typeface="DM Mono" panose="020B0509040201040103" pitchFamily="49" charset="0"/>
+              </a:rPr>
+              <a:t> </a:t>
+            </a:r>
+            <a:r>
+              <a:rPr lang="ko-KR" altLang="en-US" sz="1200" dirty="0" err="1">
+                <a:latin typeface="DM Mono" panose="020B0509040201040103" pitchFamily="49" charset="0"/>
+              </a:rPr>
+              <a:t>malloc_error_break</a:t>
+            </a:r>
+            <a:r>
+              <a:rPr lang="ko-KR" altLang="en-US" sz="1200" dirty="0">
+                <a:latin typeface="DM Mono" panose="020B0509040201040103" pitchFamily="49" charset="0"/>
+              </a:rPr>
+              <a:t> </a:t>
+            </a:r>
+            <a:r>
+              <a:rPr lang="ko-KR" altLang="en-US" sz="1200" dirty="0" err="1">
+                <a:latin typeface="DM Mono" panose="020B0509040201040103" pitchFamily="49" charset="0"/>
+              </a:rPr>
+              <a:t>to</a:t>
+            </a:r>
+            <a:r>
+              <a:rPr lang="ko-KR" altLang="en-US" sz="1200" dirty="0">
+                <a:latin typeface="DM Mono" panose="020B0509040201040103" pitchFamily="49" charset="0"/>
+              </a:rPr>
+              <a:t> </a:t>
+            </a:r>
+            <a:r>
+              <a:rPr lang="ko-KR" altLang="en-US" sz="1200" dirty="0" err="1">
+                <a:latin typeface="DM Mono" panose="020B0509040201040103" pitchFamily="49" charset="0"/>
+              </a:rPr>
+              <a:t>debug</a:t>
+            </a:r>
+            <a:endParaRPr lang="ko-KR" altLang="en-US" sz="1200" dirty="0">
+              <a:latin typeface="DM Mono" panose="020B0509040201040103" pitchFamily="49" charset="0"/>
+            </a:endParaRPr>
+          </a:p>
+        </p:txBody>
+      </p:sp>
     </p:spTree>
     <p:extLst>
       <p:ext uri="{BB962C8B-B14F-4D97-AF65-F5344CB8AC3E}">

--- a/cpp_250820.pptx
+++ b/cpp_250820.pptx
@@ -31,6 +31,8 @@
     <p:sldId id="279" r:id="rId25"/>
     <p:sldId id="280" r:id="rId26"/>
     <p:sldId id="281" r:id="rId27"/>
+    <p:sldId id="282" r:id="rId28"/>
+    <p:sldId id="283" r:id="rId29"/>
   </p:sldIdLst>
   <p:sldSz cx="12192000" cy="6858000"/>
   <p:notesSz cx="6858000" cy="9144000"/>
@@ -23815,6 +23817,1593 @@
     <p:extLst>
       <p:ext uri="{BB962C8B-B14F-4D97-AF65-F5344CB8AC3E}">
         <p14:creationId xmlns:p14="http://schemas.microsoft.com/office/powerpoint/2010/main" val="1866789046"/>
+      </p:ext>
+    </p:extLst>
+  </p:cSld>
+  <p:clrMapOvr>
+    <a:masterClrMapping/>
+  </p:clrMapOvr>
+</p:sld>
+</file>
+
+<file path=ppt/slides/slide27.xml><?xml version="1.0" encoding="utf-8"?>
+<p:sld xmlns:a="http://schemas.openxmlformats.org/drawingml/2006/main" xmlns:r="http://schemas.openxmlformats.org/officeDocument/2006/relationships" xmlns:p="http://schemas.openxmlformats.org/presentationml/2006/main">
+  <p:cSld>
+    <p:spTree>
+      <p:nvGrpSpPr>
+        <p:cNvPr id="1" name=""/>
+        <p:cNvGrpSpPr/>
+        <p:nvPr/>
+      </p:nvGrpSpPr>
+      <p:grpSpPr>
+        <a:xfrm>
+          <a:off x="0" y="0"/>
+          <a:ext cx="0" cy="0"/>
+          <a:chOff x="0" y="0"/>
+          <a:chExt cx="0" cy="0"/>
+        </a:xfrm>
+      </p:grpSpPr>
+      <p:sp>
+        <p:nvSpPr>
+          <p:cNvPr id="4" name="직사각형 3">
+            <a:extLst>
+              <a:ext uri="{FF2B5EF4-FFF2-40B4-BE49-F238E27FC236}">
+                <a16:creationId xmlns:a16="http://schemas.microsoft.com/office/drawing/2014/main" id="{FF0B0917-BCD0-3B15-FBED-84E573AA063E}"/>
+              </a:ext>
+            </a:extLst>
+          </p:cNvPr>
+          <p:cNvSpPr/>
+          <p:nvPr/>
+        </p:nvSpPr>
+        <p:spPr>
+          <a:xfrm>
+            <a:off x="5742823" y="2840616"/>
+            <a:ext cx="1036321" cy="545858"/>
+          </a:xfrm>
+          <a:prstGeom prst="rect">
+            <a:avLst/>
+          </a:prstGeom>
+          <a:solidFill>
+            <a:srgbClr val="FFFF00"/>
+          </a:solidFill>
+        </p:spPr>
+        <p:style>
+          <a:lnRef idx="2">
+            <a:schemeClr val="accent1">
+              <a:shade val="15000"/>
+            </a:schemeClr>
+          </a:lnRef>
+          <a:fillRef idx="1">
+            <a:schemeClr val="accent1"/>
+          </a:fillRef>
+          <a:effectRef idx="0">
+            <a:schemeClr val="accent1"/>
+          </a:effectRef>
+          <a:fontRef idx="minor">
+            <a:schemeClr val="lt1"/>
+          </a:fontRef>
+        </p:style>
+        <p:txBody>
+          <a:bodyPr rtlCol="0" anchor="ctr"/>
+          <a:lstStyle/>
+          <a:p>
+            <a:pPr algn="ctr"/>
+            <a:r>
+              <a:rPr kumimoji="1" lang="en-US" altLang="ko-KR" sz="1400" dirty="0">
+                <a:solidFill>
+                  <a:schemeClr val="tx1"/>
+                </a:solidFill>
+                <a:latin typeface="DM Mono" panose="020B0509040201040103" pitchFamily="49" charset="0"/>
+              </a:rPr>
+              <a:t>10</a:t>
+            </a:r>
+            <a:endParaRPr kumimoji="1" lang="ko-KR" altLang="en-US" sz="1400" dirty="0">
+              <a:solidFill>
+                <a:schemeClr val="tx1"/>
+              </a:solidFill>
+              <a:latin typeface="DM Mono" panose="020B0509040201040103" pitchFamily="49" charset="0"/>
+            </a:endParaRPr>
+          </a:p>
+        </p:txBody>
+      </p:sp>
+      <p:sp>
+        <p:nvSpPr>
+          <p:cNvPr id="6" name="직사각형 5">
+            <a:extLst>
+              <a:ext uri="{FF2B5EF4-FFF2-40B4-BE49-F238E27FC236}">
+                <a16:creationId xmlns:a16="http://schemas.microsoft.com/office/drawing/2014/main" id="{3A7968F1-6960-C68C-2FB9-75304611B2E5}"/>
+              </a:ext>
+            </a:extLst>
+          </p:cNvPr>
+          <p:cNvSpPr/>
+          <p:nvPr/>
+        </p:nvSpPr>
+        <p:spPr>
+          <a:xfrm>
+            <a:off x="4810620" y="2840616"/>
+            <a:ext cx="932204" cy="545858"/>
+          </a:xfrm>
+          <a:prstGeom prst="rect">
+            <a:avLst/>
+          </a:prstGeom>
+          <a:solidFill>
+            <a:schemeClr val="bg1"/>
+          </a:solidFill>
+          <a:ln>
+            <a:noFill/>
+          </a:ln>
+        </p:spPr>
+        <p:style>
+          <a:lnRef idx="2">
+            <a:schemeClr val="accent1">
+              <a:shade val="15000"/>
+            </a:schemeClr>
+          </a:lnRef>
+          <a:fillRef idx="1">
+            <a:schemeClr val="accent1"/>
+          </a:fillRef>
+          <a:effectRef idx="0">
+            <a:schemeClr val="accent1"/>
+          </a:effectRef>
+          <a:fontRef idx="minor">
+            <a:schemeClr val="lt1"/>
+          </a:fontRef>
+        </p:style>
+        <p:txBody>
+          <a:bodyPr rtlCol="0" anchor="ctr"/>
+          <a:lstStyle/>
+          <a:p>
+            <a:pPr algn="r"/>
+            <a:r>
+              <a:rPr kumimoji="1" lang="en-US" altLang="ko-KR" sz="1400" dirty="0">
+                <a:solidFill>
+                  <a:schemeClr val="tx1"/>
+                </a:solidFill>
+                <a:latin typeface="DM Mono" panose="020B0509040201040103" pitchFamily="49" charset="0"/>
+              </a:rPr>
+              <a:t>age</a:t>
+            </a:r>
+            <a:endParaRPr kumimoji="1" lang="ko-KR" altLang="en-US" sz="1400" dirty="0">
+              <a:solidFill>
+                <a:schemeClr val="tx1"/>
+              </a:solidFill>
+              <a:latin typeface="DM Mono" panose="020B0509040201040103" pitchFamily="49" charset="0"/>
+            </a:endParaRPr>
+          </a:p>
+        </p:txBody>
+      </p:sp>
+      <p:sp>
+        <p:nvSpPr>
+          <p:cNvPr id="8" name="TextBox 7">
+            <a:extLst>
+              <a:ext uri="{FF2B5EF4-FFF2-40B4-BE49-F238E27FC236}">
+                <a16:creationId xmlns:a16="http://schemas.microsoft.com/office/drawing/2014/main" id="{3ABE586D-4BD4-3C73-F5B3-CBD220119C20}"/>
+              </a:ext>
+            </a:extLst>
+          </p:cNvPr>
+          <p:cNvSpPr txBox="1"/>
+          <p:nvPr/>
+        </p:nvSpPr>
+        <p:spPr>
+          <a:xfrm>
+            <a:off x="5736282" y="2500825"/>
+            <a:ext cx="1036321" cy="307777"/>
+          </a:xfrm>
+          <a:prstGeom prst="rect">
+            <a:avLst/>
+          </a:prstGeom>
+          <a:noFill/>
+        </p:spPr>
+        <p:txBody>
+          <a:bodyPr wrap="square">
+            <a:spAutoFit/>
+          </a:bodyPr>
+          <a:lstStyle/>
+          <a:p>
+            <a:pPr algn="ctr"/>
+            <a:r>
+              <a:rPr lang="en-US" altLang="ko-KR" sz="1400" b="0" dirty="0">
+                <a:effectLst/>
+                <a:latin typeface="DM Mono" panose="020B0509040201040103" pitchFamily="49" charset="0"/>
+              </a:rPr>
+              <a:t>animal</a:t>
+            </a:r>
+            <a:endParaRPr lang="ko-KR" altLang="en-US" sz="1400" dirty="0"/>
+          </a:p>
+        </p:txBody>
+      </p:sp>
+      <p:sp>
+        <p:nvSpPr>
+          <p:cNvPr id="9" name="직사각형 8">
+            <a:extLst>
+              <a:ext uri="{FF2B5EF4-FFF2-40B4-BE49-F238E27FC236}">
+                <a16:creationId xmlns:a16="http://schemas.microsoft.com/office/drawing/2014/main" id="{C54861C7-B874-1BB7-71D1-2999F7DBCD83}"/>
+              </a:ext>
+            </a:extLst>
+          </p:cNvPr>
+          <p:cNvSpPr/>
+          <p:nvPr/>
+        </p:nvSpPr>
+        <p:spPr>
+          <a:xfrm>
+            <a:off x="7833439" y="2808602"/>
+            <a:ext cx="1036321" cy="545858"/>
+          </a:xfrm>
+          <a:prstGeom prst="rect">
+            <a:avLst/>
+          </a:prstGeom>
+          <a:solidFill>
+            <a:srgbClr val="FFFF00"/>
+          </a:solidFill>
+        </p:spPr>
+        <p:style>
+          <a:lnRef idx="2">
+            <a:schemeClr val="accent1">
+              <a:shade val="15000"/>
+            </a:schemeClr>
+          </a:lnRef>
+          <a:fillRef idx="1">
+            <a:schemeClr val="accent1"/>
+          </a:fillRef>
+          <a:effectRef idx="0">
+            <a:schemeClr val="accent1"/>
+          </a:effectRef>
+          <a:fontRef idx="minor">
+            <a:schemeClr val="lt1"/>
+          </a:fontRef>
+        </p:style>
+        <p:txBody>
+          <a:bodyPr rtlCol="0" anchor="ctr"/>
+          <a:lstStyle/>
+          <a:p>
+            <a:pPr algn="ctr"/>
+            <a:endParaRPr kumimoji="1" lang="ko-KR" altLang="en-US" sz="1400" dirty="0">
+              <a:solidFill>
+                <a:schemeClr val="tx1"/>
+              </a:solidFill>
+              <a:latin typeface="DM Mono" panose="020B0509040201040103" pitchFamily="49" charset="0"/>
+            </a:endParaRPr>
+          </a:p>
+        </p:txBody>
+      </p:sp>
+      <p:sp>
+        <p:nvSpPr>
+          <p:cNvPr id="10" name="직사각형 9">
+            <a:extLst>
+              <a:ext uri="{FF2B5EF4-FFF2-40B4-BE49-F238E27FC236}">
+                <a16:creationId xmlns:a16="http://schemas.microsoft.com/office/drawing/2014/main" id="{F03E615F-62AF-E072-3865-795641CC82EE}"/>
+              </a:ext>
+            </a:extLst>
+          </p:cNvPr>
+          <p:cNvSpPr/>
+          <p:nvPr/>
+        </p:nvSpPr>
+        <p:spPr>
+          <a:xfrm>
+            <a:off x="7833439" y="3354460"/>
+            <a:ext cx="1036321" cy="545858"/>
+          </a:xfrm>
+          <a:prstGeom prst="rect">
+            <a:avLst/>
+          </a:prstGeom>
+          <a:solidFill>
+            <a:srgbClr val="FFFF00"/>
+          </a:solidFill>
+        </p:spPr>
+        <p:style>
+          <a:lnRef idx="2">
+            <a:schemeClr val="accent1">
+              <a:shade val="15000"/>
+            </a:schemeClr>
+          </a:lnRef>
+          <a:fillRef idx="1">
+            <a:schemeClr val="accent1"/>
+          </a:fillRef>
+          <a:effectRef idx="0">
+            <a:schemeClr val="accent1"/>
+          </a:effectRef>
+          <a:fontRef idx="minor">
+            <a:schemeClr val="lt1"/>
+          </a:fontRef>
+        </p:style>
+        <p:txBody>
+          <a:bodyPr rtlCol="0" anchor="ctr"/>
+          <a:lstStyle/>
+          <a:p>
+            <a:pPr algn="ctr"/>
+            <a:endParaRPr kumimoji="1" lang="ko-KR" altLang="en-US" sz="1400" dirty="0">
+              <a:solidFill>
+                <a:schemeClr val="tx1"/>
+              </a:solidFill>
+              <a:latin typeface="DM Mono" panose="020B0509040201040103" pitchFamily="49" charset="0"/>
+            </a:endParaRPr>
+          </a:p>
+        </p:txBody>
+      </p:sp>
+      <p:sp>
+        <p:nvSpPr>
+          <p:cNvPr id="11" name="직사각형 10">
+            <a:extLst>
+              <a:ext uri="{FF2B5EF4-FFF2-40B4-BE49-F238E27FC236}">
+                <a16:creationId xmlns:a16="http://schemas.microsoft.com/office/drawing/2014/main" id="{590535EB-F8C0-B7AF-E889-9202AF165946}"/>
+              </a:ext>
+            </a:extLst>
+          </p:cNvPr>
+          <p:cNvSpPr/>
+          <p:nvPr/>
+        </p:nvSpPr>
+        <p:spPr>
+          <a:xfrm>
+            <a:off x="6901236" y="2808602"/>
+            <a:ext cx="932204" cy="545858"/>
+          </a:xfrm>
+          <a:prstGeom prst="rect">
+            <a:avLst/>
+          </a:prstGeom>
+          <a:solidFill>
+            <a:schemeClr val="bg1"/>
+          </a:solidFill>
+          <a:ln>
+            <a:noFill/>
+          </a:ln>
+        </p:spPr>
+        <p:style>
+          <a:lnRef idx="2">
+            <a:schemeClr val="accent1">
+              <a:shade val="15000"/>
+            </a:schemeClr>
+          </a:lnRef>
+          <a:fillRef idx="1">
+            <a:schemeClr val="accent1"/>
+          </a:fillRef>
+          <a:effectRef idx="0">
+            <a:schemeClr val="accent1"/>
+          </a:effectRef>
+          <a:fontRef idx="minor">
+            <a:schemeClr val="lt1"/>
+          </a:fontRef>
+        </p:style>
+        <p:txBody>
+          <a:bodyPr rtlCol="0" anchor="ctr"/>
+          <a:lstStyle/>
+          <a:p>
+            <a:pPr algn="r"/>
+            <a:r>
+              <a:rPr kumimoji="1" lang="en-US" altLang="ko-KR" sz="1400" dirty="0">
+                <a:solidFill>
+                  <a:schemeClr val="tx1"/>
+                </a:solidFill>
+                <a:latin typeface="DM Mono" panose="020B0509040201040103" pitchFamily="49" charset="0"/>
+              </a:rPr>
+              <a:t>age</a:t>
+            </a:r>
+            <a:endParaRPr kumimoji="1" lang="ko-KR" altLang="en-US" sz="1400" dirty="0">
+              <a:solidFill>
+                <a:schemeClr val="tx1"/>
+              </a:solidFill>
+              <a:latin typeface="DM Mono" panose="020B0509040201040103" pitchFamily="49" charset="0"/>
+            </a:endParaRPr>
+          </a:p>
+        </p:txBody>
+      </p:sp>
+      <p:sp>
+        <p:nvSpPr>
+          <p:cNvPr id="12" name="직사각형 11">
+            <a:extLst>
+              <a:ext uri="{FF2B5EF4-FFF2-40B4-BE49-F238E27FC236}">
+                <a16:creationId xmlns:a16="http://schemas.microsoft.com/office/drawing/2014/main" id="{D43BD19B-4BC6-1EB8-A20D-66EDF4293E5C}"/>
+              </a:ext>
+            </a:extLst>
+          </p:cNvPr>
+          <p:cNvSpPr/>
+          <p:nvPr/>
+        </p:nvSpPr>
+        <p:spPr>
+          <a:xfrm>
+            <a:off x="6901236" y="3354460"/>
+            <a:ext cx="932204" cy="545858"/>
+          </a:xfrm>
+          <a:prstGeom prst="rect">
+            <a:avLst/>
+          </a:prstGeom>
+          <a:solidFill>
+            <a:schemeClr val="bg1"/>
+          </a:solidFill>
+          <a:ln>
+            <a:noFill/>
+          </a:ln>
+        </p:spPr>
+        <p:style>
+          <a:lnRef idx="2">
+            <a:schemeClr val="accent1">
+              <a:shade val="15000"/>
+            </a:schemeClr>
+          </a:lnRef>
+          <a:fillRef idx="1">
+            <a:schemeClr val="accent1"/>
+          </a:fillRef>
+          <a:effectRef idx="0">
+            <a:schemeClr val="accent1"/>
+          </a:effectRef>
+          <a:fontRef idx="minor">
+            <a:schemeClr val="lt1"/>
+          </a:fontRef>
+        </p:style>
+        <p:txBody>
+          <a:bodyPr rtlCol="0" anchor="ctr"/>
+          <a:lstStyle/>
+          <a:p>
+            <a:pPr algn="r"/>
+            <a:r>
+              <a:rPr kumimoji="1" lang="en-US" altLang="ko-KR" sz="1400" dirty="0">
+                <a:solidFill>
+                  <a:schemeClr val="tx1"/>
+                </a:solidFill>
+                <a:latin typeface="DM Mono" panose="020B0509040201040103" pitchFamily="49" charset="0"/>
+              </a:rPr>
+              <a:t>color</a:t>
+            </a:r>
+            <a:endParaRPr kumimoji="1" lang="ko-KR" altLang="en-US" sz="1400" dirty="0">
+              <a:solidFill>
+                <a:schemeClr val="tx1"/>
+              </a:solidFill>
+              <a:latin typeface="DM Mono" panose="020B0509040201040103" pitchFamily="49" charset="0"/>
+            </a:endParaRPr>
+          </a:p>
+        </p:txBody>
+      </p:sp>
+      <p:sp>
+        <p:nvSpPr>
+          <p:cNvPr id="13" name="TextBox 12">
+            <a:extLst>
+              <a:ext uri="{FF2B5EF4-FFF2-40B4-BE49-F238E27FC236}">
+                <a16:creationId xmlns:a16="http://schemas.microsoft.com/office/drawing/2014/main" id="{D1858F79-897D-9BB2-881C-FBFA8628899E}"/>
+              </a:ext>
+            </a:extLst>
+          </p:cNvPr>
+          <p:cNvSpPr txBox="1"/>
+          <p:nvPr/>
+        </p:nvSpPr>
+        <p:spPr>
+          <a:xfrm>
+            <a:off x="7826898" y="2468811"/>
+            <a:ext cx="1036321" cy="307777"/>
+          </a:xfrm>
+          <a:prstGeom prst="rect">
+            <a:avLst/>
+          </a:prstGeom>
+          <a:noFill/>
+        </p:spPr>
+        <p:txBody>
+          <a:bodyPr wrap="square">
+            <a:spAutoFit/>
+          </a:bodyPr>
+          <a:lstStyle/>
+          <a:p>
+            <a:pPr algn="ctr"/>
+            <a:r>
+              <a:rPr lang="en-US" altLang="ko-KR" sz="1400" b="0" dirty="0">
+                <a:effectLst/>
+                <a:latin typeface="DM Mono" panose="020B0509040201040103" pitchFamily="49" charset="0"/>
+              </a:rPr>
+              <a:t>dog</a:t>
+            </a:r>
+            <a:endParaRPr lang="ko-KR" altLang="en-US" sz="1400" dirty="0"/>
+          </a:p>
+        </p:txBody>
+      </p:sp>
+      <p:sp>
+        <p:nvSpPr>
+          <p:cNvPr id="15" name="TextBox 14">
+            <a:extLst>
+              <a:ext uri="{FF2B5EF4-FFF2-40B4-BE49-F238E27FC236}">
+                <a16:creationId xmlns:a16="http://schemas.microsoft.com/office/drawing/2014/main" id="{32857401-81C2-A44B-9794-BD399A4C1505}"/>
+              </a:ext>
+            </a:extLst>
+          </p:cNvPr>
+          <p:cNvSpPr txBox="1"/>
+          <p:nvPr/>
+        </p:nvSpPr>
+        <p:spPr>
+          <a:xfrm>
+            <a:off x="403699" y="741056"/>
+            <a:ext cx="4148846" cy="4294061"/>
+          </a:xfrm>
+          <a:prstGeom prst="rect">
+            <a:avLst/>
+          </a:prstGeom>
+          <a:noFill/>
+        </p:spPr>
+        <p:txBody>
+          <a:bodyPr wrap="square">
+            <a:spAutoFit/>
+          </a:bodyPr>
+          <a:lstStyle/>
+          <a:p>
+            <a:pPr>
+              <a:lnSpc>
+                <a:spcPts val="3000"/>
+              </a:lnSpc>
+              <a:buNone/>
+            </a:pPr>
+            <a:r>
+              <a:rPr lang="en-US" altLang="ko-KR" sz="1600" b="0" dirty="0">
+                <a:effectLst/>
+                <a:latin typeface="DM Mono" panose="020B0509040201040103" pitchFamily="49" charset="0"/>
+              </a:rPr>
+              <a:t>class Animal</a:t>
+            </a:r>
+          </a:p>
+          <a:p>
+            <a:pPr>
+              <a:lnSpc>
+                <a:spcPts val="3000"/>
+              </a:lnSpc>
+              <a:buNone/>
+            </a:pPr>
+            <a:r>
+              <a:rPr lang="en-US" altLang="ko-KR" sz="1600" b="0" dirty="0">
+                <a:effectLst/>
+                <a:latin typeface="DM Mono" panose="020B0509040201040103" pitchFamily="49" charset="0"/>
+              </a:rPr>
+              <a:t>{</a:t>
+            </a:r>
+          </a:p>
+          <a:p>
+            <a:pPr>
+              <a:lnSpc>
+                <a:spcPts val="3000"/>
+              </a:lnSpc>
+              <a:buNone/>
+            </a:pPr>
+            <a:r>
+              <a:rPr lang="en-US" altLang="ko-KR" sz="1600" b="0" dirty="0">
+                <a:effectLst/>
+                <a:latin typeface="DM Mono" panose="020B0509040201040103" pitchFamily="49" charset="0"/>
+              </a:rPr>
+              <a:t>  int age;</a:t>
+            </a:r>
+          </a:p>
+          <a:p>
+            <a:pPr>
+              <a:lnSpc>
+                <a:spcPts val="3000"/>
+              </a:lnSpc>
+              <a:buNone/>
+            </a:pPr>
+            <a:r>
+              <a:rPr lang="en-US" altLang="ko-KR" sz="1600" b="0" dirty="0">
+                <a:effectLst/>
+                <a:latin typeface="DM Mono" panose="020B0509040201040103" pitchFamily="49" charset="0"/>
+              </a:rPr>
+              <a:t>};</a:t>
+            </a:r>
+          </a:p>
+          <a:p>
+            <a:pPr>
+              <a:lnSpc>
+                <a:spcPts val="3000"/>
+              </a:lnSpc>
+              <a:buNone/>
+            </a:pPr>
+            <a:br>
+              <a:rPr lang="en-US" altLang="ko-KR" sz="1600" b="0" dirty="0">
+                <a:effectLst/>
+                <a:latin typeface="DM Mono" panose="020B0509040201040103" pitchFamily="49" charset="0"/>
+              </a:rPr>
+            </a:br>
+            <a:endParaRPr lang="en-US" altLang="ko-KR" sz="1600" b="0" dirty="0">
+              <a:effectLst/>
+              <a:latin typeface="DM Mono" panose="020B0509040201040103" pitchFamily="49" charset="0"/>
+            </a:endParaRPr>
+          </a:p>
+          <a:p>
+            <a:pPr>
+              <a:lnSpc>
+                <a:spcPts val="3000"/>
+              </a:lnSpc>
+              <a:buNone/>
+            </a:pPr>
+            <a:r>
+              <a:rPr lang="en-US" altLang="ko-KR" sz="1600" b="0" dirty="0">
+                <a:effectLst/>
+                <a:latin typeface="DM Mono" panose="020B0509040201040103" pitchFamily="49" charset="0"/>
+              </a:rPr>
+              <a:t>class Dog</a:t>
+            </a:r>
+          </a:p>
+          <a:p>
+            <a:pPr>
+              <a:lnSpc>
+                <a:spcPts val="3000"/>
+              </a:lnSpc>
+              <a:buNone/>
+            </a:pPr>
+            <a:r>
+              <a:rPr lang="en-US" altLang="ko-KR" sz="1600" b="0" dirty="0">
+                <a:effectLst/>
+                <a:latin typeface="DM Mono" panose="020B0509040201040103" pitchFamily="49" charset="0"/>
+              </a:rPr>
+              <a:t>{</a:t>
+            </a:r>
+          </a:p>
+          <a:p>
+            <a:pPr>
+              <a:lnSpc>
+                <a:spcPts val="3000"/>
+              </a:lnSpc>
+              <a:buNone/>
+            </a:pPr>
+            <a:r>
+              <a:rPr lang="en-US" altLang="ko-KR" sz="1600" b="0" dirty="0">
+                <a:effectLst/>
+                <a:latin typeface="DM Mono" panose="020B0509040201040103" pitchFamily="49" charset="0"/>
+              </a:rPr>
+              <a:t>  int age;</a:t>
+            </a:r>
+          </a:p>
+          <a:p>
+            <a:pPr>
+              <a:lnSpc>
+                <a:spcPts val="3000"/>
+              </a:lnSpc>
+              <a:buNone/>
+            </a:pPr>
+            <a:r>
+              <a:rPr lang="en-US" altLang="ko-KR" sz="1600" b="0" dirty="0">
+                <a:effectLst/>
+                <a:latin typeface="DM Mono" panose="020B0509040201040103" pitchFamily="49" charset="0"/>
+              </a:rPr>
+              <a:t>  int color;</a:t>
+            </a:r>
+          </a:p>
+          <a:p>
+            <a:pPr>
+              <a:lnSpc>
+                <a:spcPts val="3000"/>
+              </a:lnSpc>
+              <a:buNone/>
+            </a:pPr>
+            <a:r>
+              <a:rPr lang="en-US" altLang="ko-KR" sz="1600" b="0" dirty="0">
+                <a:effectLst/>
+                <a:latin typeface="DM Mono" panose="020B0509040201040103" pitchFamily="49" charset="0"/>
+              </a:rPr>
+              <a:t>};</a:t>
+            </a:r>
+          </a:p>
+        </p:txBody>
+      </p:sp>
+    </p:spTree>
+    <p:extLst>
+      <p:ext uri="{BB962C8B-B14F-4D97-AF65-F5344CB8AC3E}">
+        <p14:creationId xmlns:p14="http://schemas.microsoft.com/office/powerpoint/2010/main" val="811644413"/>
+      </p:ext>
+    </p:extLst>
+  </p:cSld>
+  <p:clrMapOvr>
+    <a:masterClrMapping/>
+  </p:clrMapOvr>
+</p:sld>
+</file>
+
+<file path=ppt/slides/slide28.xml><?xml version="1.0" encoding="utf-8"?>
+<p:sld xmlns:a="http://schemas.openxmlformats.org/drawingml/2006/main" xmlns:r="http://schemas.openxmlformats.org/officeDocument/2006/relationships" xmlns:p="http://schemas.openxmlformats.org/presentationml/2006/main">
+  <p:cSld>
+    <p:spTree>
+      <p:nvGrpSpPr>
+        <p:cNvPr id="1" name="">
+          <a:extLst>
+            <a:ext uri="{FF2B5EF4-FFF2-40B4-BE49-F238E27FC236}">
+              <a16:creationId xmlns:a16="http://schemas.microsoft.com/office/drawing/2014/main" id="{FC23DCEE-8371-6900-54AF-6DF3F08F44C4}"/>
+            </a:ext>
+          </a:extLst>
+        </p:cNvPr>
+        <p:cNvGrpSpPr/>
+        <p:nvPr/>
+      </p:nvGrpSpPr>
+      <p:grpSpPr>
+        <a:xfrm>
+          <a:off x="0" y="0"/>
+          <a:ext cx="0" cy="0"/>
+          <a:chOff x="0" y="0"/>
+          <a:chExt cx="0" cy="0"/>
+        </a:xfrm>
+      </p:grpSpPr>
+      <p:sp>
+        <p:nvSpPr>
+          <p:cNvPr id="4" name="직사각형 3">
+            <a:extLst>
+              <a:ext uri="{FF2B5EF4-FFF2-40B4-BE49-F238E27FC236}">
+                <a16:creationId xmlns:a16="http://schemas.microsoft.com/office/drawing/2014/main" id="{06280F3E-0C19-C770-0DEF-4CB0A0174A49}"/>
+              </a:ext>
+            </a:extLst>
+          </p:cNvPr>
+          <p:cNvSpPr/>
+          <p:nvPr/>
+        </p:nvSpPr>
+        <p:spPr>
+          <a:xfrm>
+            <a:off x="5742823" y="2840616"/>
+            <a:ext cx="1036321" cy="545858"/>
+          </a:xfrm>
+          <a:prstGeom prst="rect">
+            <a:avLst/>
+          </a:prstGeom>
+          <a:solidFill>
+            <a:srgbClr val="FFFF00"/>
+          </a:solidFill>
+        </p:spPr>
+        <p:style>
+          <a:lnRef idx="2">
+            <a:schemeClr val="accent1">
+              <a:shade val="15000"/>
+            </a:schemeClr>
+          </a:lnRef>
+          <a:fillRef idx="1">
+            <a:schemeClr val="accent1"/>
+          </a:fillRef>
+          <a:effectRef idx="0">
+            <a:schemeClr val="accent1"/>
+          </a:effectRef>
+          <a:fontRef idx="minor">
+            <a:schemeClr val="lt1"/>
+          </a:fontRef>
+        </p:style>
+        <p:txBody>
+          <a:bodyPr rtlCol="0" anchor="ctr"/>
+          <a:lstStyle/>
+          <a:p>
+            <a:pPr algn="ctr"/>
+            <a:r>
+              <a:rPr kumimoji="1" lang="en-US" altLang="ko-KR" sz="1400" dirty="0">
+                <a:solidFill>
+                  <a:schemeClr val="tx1"/>
+                </a:solidFill>
+                <a:latin typeface="DM Mono" panose="020B0509040201040103" pitchFamily="49" charset="0"/>
+              </a:rPr>
+              <a:t>10</a:t>
+            </a:r>
+            <a:endParaRPr kumimoji="1" lang="ko-KR" altLang="en-US" sz="1400" dirty="0">
+              <a:solidFill>
+                <a:schemeClr val="tx1"/>
+              </a:solidFill>
+              <a:latin typeface="DM Mono" panose="020B0509040201040103" pitchFamily="49" charset="0"/>
+            </a:endParaRPr>
+          </a:p>
+        </p:txBody>
+      </p:sp>
+      <p:sp>
+        <p:nvSpPr>
+          <p:cNvPr id="6" name="직사각형 5">
+            <a:extLst>
+              <a:ext uri="{FF2B5EF4-FFF2-40B4-BE49-F238E27FC236}">
+                <a16:creationId xmlns:a16="http://schemas.microsoft.com/office/drawing/2014/main" id="{A8AFD4FC-89E1-42D6-5483-2E287D54978C}"/>
+              </a:ext>
+            </a:extLst>
+          </p:cNvPr>
+          <p:cNvSpPr/>
+          <p:nvPr/>
+        </p:nvSpPr>
+        <p:spPr>
+          <a:xfrm>
+            <a:off x="4810620" y="2840616"/>
+            <a:ext cx="932204" cy="545858"/>
+          </a:xfrm>
+          <a:prstGeom prst="rect">
+            <a:avLst/>
+          </a:prstGeom>
+          <a:solidFill>
+            <a:schemeClr val="bg1"/>
+          </a:solidFill>
+          <a:ln>
+            <a:noFill/>
+          </a:ln>
+        </p:spPr>
+        <p:style>
+          <a:lnRef idx="2">
+            <a:schemeClr val="accent1">
+              <a:shade val="15000"/>
+            </a:schemeClr>
+          </a:lnRef>
+          <a:fillRef idx="1">
+            <a:schemeClr val="accent1"/>
+          </a:fillRef>
+          <a:effectRef idx="0">
+            <a:schemeClr val="accent1"/>
+          </a:effectRef>
+          <a:fontRef idx="minor">
+            <a:schemeClr val="lt1"/>
+          </a:fontRef>
+        </p:style>
+        <p:txBody>
+          <a:bodyPr rtlCol="0" anchor="ctr"/>
+          <a:lstStyle/>
+          <a:p>
+            <a:pPr algn="r"/>
+            <a:r>
+              <a:rPr kumimoji="1" lang="en-US" altLang="ko-KR" sz="1400" dirty="0">
+                <a:solidFill>
+                  <a:schemeClr val="tx1"/>
+                </a:solidFill>
+                <a:latin typeface="DM Mono" panose="020B0509040201040103" pitchFamily="49" charset="0"/>
+              </a:rPr>
+              <a:t>age</a:t>
+            </a:r>
+            <a:endParaRPr kumimoji="1" lang="ko-KR" altLang="en-US" sz="1400" dirty="0">
+              <a:solidFill>
+                <a:schemeClr val="tx1"/>
+              </a:solidFill>
+              <a:latin typeface="DM Mono" panose="020B0509040201040103" pitchFamily="49" charset="0"/>
+            </a:endParaRPr>
+          </a:p>
+        </p:txBody>
+      </p:sp>
+      <p:sp>
+        <p:nvSpPr>
+          <p:cNvPr id="8" name="TextBox 7">
+            <a:extLst>
+              <a:ext uri="{FF2B5EF4-FFF2-40B4-BE49-F238E27FC236}">
+                <a16:creationId xmlns:a16="http://schemas.microsoft.com/office/drawing/2014/main" id="{5D0EB1DA-C51F-A5B1-EEDF-A52DC1F04336}"/>
+              </a:ext>
+            </a:extLst>
+          </p:cNvPr>
+          <p:cNvSpPr txBox="1"/>
+          <p:nvPr/>
+        </p:nvSpPr>
+        <p:spPr>
+          <a:xfrm>
+            <a:off x="5736282" y="2500825"/>
+            <a:ext cx="1036321" cy="307777"/>
+          </a:xfrm>
+          <a:prstGeom prst="rect">
+            <a:avLst/>
+          </a:prstGeom>
+          <a:noFill/>
+        </p:spPr>
+        <p:txBody>
+          <a:bodyPr wrap="square">
+            <a:spAutoFit/>
+          </a:bodyPr>
+          <a:lstStyle/>
+          <a:p>
+            <a:pPr algn="ctr"/>
+            <a:r>
+              <a:rPr lang="en-US" altLang="ko-KR" sz="1400" b="0" dirty="0">
+                <a:effectLst/>
+                <a:latin typeface="DM Mono" panose="020B0509040201040103" pitchFamily="49" charset="0"/>
+              </a:rPr>
+              <a:t>animal</a:t>
+            </a:r>
+            <a:endParaRPr lang="ko-KR" altLang="en-US" sz="1400" dirty="0"/>
+          </a:p>
+        </p:txBody>
+      </p:sp>
+      <p:sp>
+        <p:nvSpPr>
+          <p:cNvPr id="9" name="직사각형 8">
+            <a:extLst>
+              <a:ext uri="{FF2B5EF4-FFF2-40B4-BE49-F238E27FC236}">
+                <a16:creationId xmlns:a16="http://schemas.microsoft.com/office/drawing/2014/main" id="{2ABECBBE-8FA8-9D93-DA49-6780A735854D}"/>
+              </a:ext>
+            </a:extLst>
+          </p:cNvPr>
+          <p:cNvSpPr/>
+          <p:nvPr/>
+        </p:nvSpPr>
+        <p:spPr>
+          <a:xfrm>
+            <a:off x="7833439" y="2808602"/>
+            <a:ext cx="1036321" cy="545858"/>
+          </a:xfrm>
+          <a:prstGeom prst="rect">
+            <a:avLst/>
+          </a:prstGeom>
+          <a:solidFill>
+            <a:srgbClr val="FFFF00"/>
+          </a:solidFill>
+        </p:spPr>
+        <p:style>
+          <a:lnRef idx="2">
+            <a:schemeClr val="accent1">
+              <a:shade val="15000"/>
+            </a:schemeClr>
+          </a:lnRef>
+          <a:fillRef idx="1">
+            <a:schemeClr val="accent1"/>
+          </a:fillRef>
+          <a:effectRef idx="0">
+            <a:schemeClr val="accent1"/>
+          </a:effectRef>
+          <a:fontRef idx="minor">
+            <a:schemeClr val="lt1"/>
+          </a:fontRef>
+        </p:style>
+        <p:txBody>
+          <a:bodyPr rtlCol="0" anchor="ctr"/>
+          <a:lstStyle/>
+          <a:p>
+            <a:pPr algn="ctr"/>
+            <a:endParaRPr kumimoji="1" lang="ko-KR" altLang="en-US" sz="1400" dirty="0">
+              <a:solidFill>
+                <a:schemeClr val="tx1"/>
+              </a:solidFill>
+              <a:latin typeface="DM Mono" panose="020B0509040201040103" pitchFamily="49" charset="0"/>
+            </a:endParaRPr>
+          </a:p>
+        </p:txBody>
+      </p:sp>
+      <p:sp>
+        <p:nvSpPr>
+          <p:cNvPr id="10" name="직사각형 9">
+            <a:extLst>
+              <a:ext uri="{FF2B5EF4-FFF2-40B4-BE49-F238E27FC236}">
+                <a16:creationId xmlns:a16="http://schemas.microsoft.com/office/drawing/2014/main" id="{361EEA32-A35C-2666-8EDD-DFDC61CCE051}"/>
+              </a:ext>
+            </a:extLst>
+          </p:cNvPr>
+          <p:cNvSpPr/>
+          <p:nvPr/>
+        </p:nvSpPr>
+        <p:spPr>
+          <a:xfrm>
+            <a:off x="7833439" y="3354460"/>
+            <a:ext cx="1036321" cy="545858"/>
+          </a:xfrm>
+          <a:prstGeom prst="rect">
+            <a:avLst/>
+          </a:prstGeom>
+          <a:solidFill>
+            <a:srgbClr val="FFFF00"/>
+          </a:solidFill>
+        </p:spPr>
+        <p:style>
+          <a:lnRef idx="2">
+            <a:schemeClr val="accent1">
+              <a:shade val="15000"/>
+            </a:schemeClr>
+          </a:lnRef>
+          <a:fillRef idx="1">
+            <a:schemeClr val="accent1"/>
+          </a:fillRef>
+          <a:effectRef idx="0">
+            <a:schemeClr val="accent1"/>
+          </a:effectRef>
+          <a:fontRef idx="minor">
+            <a:schemeClr val="lt1"/>
+          </a:fontRef>
+        </p:style>
+        <p:txBody>
+          <a:bodyPr rtlCol="0" anchor="ctr"/>
+          <a:lstStyle/>
+          <a:p>
+            <a:pPr algn="ctr"/>
+            <a:endParaRPr kumimoji="1" lang="ko-KR" altLang="en-US" sz="1400" dirty="0">
+              <a:solidFill>
+                <a:schemeClr val="tx1"/>
+              </a:solidFill>
+              <a:latin typeface="DM Mono" panose="020B0509040201040103" pitchFamily="49" charset="0"/>
+            </a:endParaRPr>
+          </a:p>
+        </p:txBody>
+      </p:sp>
+      <p:sp>
+        <p:nvSpPr>
+          <p:cNvPr id="11" name="직사각형 10">
+            <a:extLst>
+              <a:ext uri="{FF2B5EF4-FFF2-40B4-BE49-F238E27FC236}">
+                <a16:creationId xmlns:a16="http://schemas.microsoft.com/office/drawing/2014/main" id="{70F36F2D-6A13-E744-3184-1325DB63197A}"/>
+              </a:ext>
+            </a:extLst>
+          </p:cNvPr>
+          <p:cNvSpPr/>
+          <p:nvPr/>
+        </p:nvSpPr>
+        <p:spPr>
+          <a:xfrm>
+            <a:off x="6901236" y="2808602"/>
+            <a:ext cx="932204" cy="545858"/>
+          </a:xfrm>
+          <a:prstGeom prst="rect">
+            <a:avLst/>
+          </a:prstGeom>
+          <a:solidFill>
+            <a:schemeClr val="bg1"/>
+          </a:solidFill>
+          <a:ln>
+            <a:noFill/>
+          </a:ln>
+        </p:spPr>
+        <p:style>
+          <a:lnRef idx="2">
+            <a:schemeClr val="accent1">
+              <a:shade val="15000"/>
+            </a:schemeClr>
+          </a:lnRef>
+          <a:fillRef idx="1">
+            <a:schemeClr val="accent1"/>
+          </a:fillRef>
+          <a:effectRef idx="0">
+            <a:schemeClr val="accent1"/>
+          </a:effectRef>
+          <a:fontRef idx="minor">
+            <a:schemeClr val="lt1"/>
+          </a:fontRef>
+        </p:style>
+        <p:txBody>
+          <a:bodyPr rtlCol="0" anchor="ctr"/>
+          <a:lstStyle/>
+          <a:p>
+            <a:pPr algn="r"/>
+            <a:r>
+              <a:rPr kumimoji="1" lang="en-US" altLang="ko-KR" sz="1400" dirty="0">
+                <a:solidFill>
+                  <a:schemeClr val="tx1"/>
+                </a:solidFill>
+                <a:latin typeface="DM Mono" panose="020B0509040201040103" pitchFamily="49" charset="0"/>
+              </a:rPr>
+              <a:t>age</a:t>
+            </a:r>
+            <a:endParaRPr kumimoji="1" lang="ko-KR" altLang="en-US" sz="1400" dirty="0">
+              <a:solidFill>
+                <a:schemeClr val="tx1"/>
+              </a:solidFill>
+              <a:latin typeface="DM Mono" panose="020B0509040201040103" pitchFamily="49" charset="0"/>
+            </a:endParaRPr>
+          </a:p>
+        </p:txBody>
+      </p:sp>
+      <p:sp>
+        <p:nvSpPr>
+          <p:cNvPr id="12" name="직사각형 11">
+            <a:extLst>
+              <a:ext uri="{FF2B5EF4-FFF2-40B4-BE49-F238E27FC236}">
+                <a16:creationId xmlns:a16="http://schemas.microsoft.com/office/drawing/2014/main" id="{8E4FCDEF-3141-DC54-0B38-D35AEE9BB67A}"/>
+              </a:ext>
+            </a:extLst>
+          </p:cNvPr>
+          <p:cNvSpPr/>
+          <p:nvPr/>
+        </p:nvSpPr>
+        <p:spPr>
+          <a:xfrm>
+            <a:off x="6901236" y="3354460"/>
+            <a:ext cx="932204" cy="545858"/>
+          </a:xfrm>
+          <a:prstGeom prst="rect">
+            <a:avLst/>
+          </a:prstGeom>
+          <a:solidFill>
+            <a:schemeClr val="bg1"/>
+          </a:solidFill>
+          <a:ln>
+            <a:noFill/>
+          </a:ln>
+        </p:spPr>
+        <p:style>
+          <a:lnRef idx="2">
+            <a:schemeClr val="accent1">
+              <a:shade val="15000"/>
+            </a:schemeClr>
+          </a:lnRef>
+          <a:fillRef idx="1">
+            <a:schemeClr val="accent1"/>
+          </a:fillRef>
+          <a:effectRef idx="0">
+            <a:schemeClr val="accent1"/>
+          </a:effectRef>
+          <a:fontRef idx="minor">
+            <a:schemeClr val="lt1"/>
+          </a:fontRef>
+        </p:style>
+        <p:txBody>
+          <a:bodyPr rtlCol="0" anchor="ctr"/>
+          <a:lstStyle/>
+          <a:p>
+            <a:pPr algn="r"/>
+            <a:r>
+              <a:rPr kumimoji="1" lang="en-US" altLang="ko-KR" sz="1400" dirty="0">
+                <a:solidFill>
+                  <a:schemeClr val="tx1"/>
+                </a:solidFill>
+                <a:latin typeface="DM Mono" panose="020B0509040201040103" pitchFamily="49" charset="0"/>
+              </a:rPr>
+              <a:t>color</a:t>
+            </a:r>
+            <a:endParaRPr kumimoji="1" lang="ko-KR" altLang="en-US" sz="1400" dirty="0">
+              <a:solidFill>
+                <a:schemeClr val="tx1"/>
+              </a:solidFill>
+              <a:latin typeface="DM Mono" panose="020B0509040201040103" pitchFamily="49" charset="0"/>
+            </a:endParaRPr>
+          </a:p>
+        </p:txBody>
+      </p:sp>
+      <p:sp>
+        <p:nvSpPr>
+          <p:cNvPr id="13" name="TextBox 12">
+            <a:extLst>
+              <a:ext uri="{FF2B5EF4-FFF2-40B4-BE49-F238E27FC236}">
+                <a16:creationId xmlns:a16="http://schemas.microsoft.com/office/drawing/2014/main" id="{DD960FFE-2C20-BFEE-CBA7-BB3E99E4C22D}"/>
+              </a:ext>
+            </a:extLst>
+          </p:cNvPr>
+          <p:cNvSpPr txBox="1"/>
+          <p:nvPr/>
+        </p:nvSpPr>
+        <p:spPr>
+          <a:xfrm>
+            <a:off x="7826898" y="2468811"/>
+            <a:ext cx="1036321" cy="307777"/>
+          </a:xfrm>
+          <a:prstGeom prst="rect">
+            <a:avLst/>
+          </a:prstGeom>
+          <a:noFill/>
+        </p:spPr>
+        <p:txBody>
+          <a:bodyPr wrap="square">
+            <a:spAutoFit/>
+          </a:bodyPr>
+          <a:lstStyle/>
+          <a:p>
+            <a:pPr algn="ctr"/>
+            <a:r>
+              <a:rPr lang="en-US" altLang="ko-KR" sz="1400" b="0" dirty="0">
+                <a:effectLst/>
+                <a:latin typeface="DM Mono" panose="020B0509040201040103" pitchFamily="49" charset="0"/>
+              </a:rPr>
+              <a:t>dog</a:t>
+            </a:r>
+            <a:endParaRPr lang="ko-KR" altLang="en-US" sz="1400" dirty="0"/>
+          </a:p>
+        </p:txBody>
+      </p:sp>
+      <p:sp>
+        <p:nvSpPr>
+          <p:cNvPr id="15" name="TextBox 14">
+            <a:extLst>
+              <a:ext uri="{FF2B5EF4-FFF2-40B4-BE49-F238E27FC236}">
+                <a16:creationId xmlns:a16="http://schemas.microsoft.com/office/drawing/2014/main" id="{75E2D9CE-DB48-122D-7B2D-89E938828F9D}"/>
+              </a:ext>
+            </a:extLst>
+          </p:cNvPr>
+          <p:cNvSpPr txBox="1"/>
+          <p:nvPr/>
+        </p:nvSpPr>
+        <p:spPr>
+          <a:xfrm>
+            <a:off x="403699" y="741056"/>
+            <a:ext cx="4148846" cy="5078313"/>
+          </a:xfrm>
+          <a:prstGeom prst="rect">
+            <a:avLst/>
+          </a:prstGeom>
+          <a:noFill/>
+        </p:spPr>
+        <p:txBody>
+          <a:bodyPr wrap="square">
+            <a:spAutoFit/>
+          </a:bodyPr>
+          <a:lstStyle/>
+          <a:p>
+            <a:r>
+              <a:rPr lang="en-US" altLang="ko-KR" dirty="0">
+                <a:latin typeface="DM Mono" panose="020B0509040201040103" pitchFamily="49" charset="0"/>
+              </a:rPr>
+              <a:t>class Animal</a:t>
+            </a:r>
+          </a:p>
+          <a:p>
+            <a:r>
+              <a:rPr lang="en-US" altLang="ko-KR" dirty="0">
+                <a:latin typeface="DM Mono" panose="020B0509040201040103" pitchFamily="49" charset="0"/>
+              </a:rPr>
+              <a:t>{</a:t>
+            </a:r>
+          </a:p>
+          <a:p>
+            <a:r>
+              <a:rPr lang="en-US" altLang="ko-KR" dirty="0">
+                <a:latin typeface="DM Mono" panose="020B0509040201040103" pitchFamily="49" charset="0"/>
+              </a:rPr>
+              <a:t>int age;</a:t>
+            </a:r>
+          </a:p>
+          <a:p>
+            <a:r>
+              <a:rPr lang="en-US" altLang="ko-KR" dirty="0">
+                <a:latin typeface="DM Mono" panose="020B0509040201040103" pitchFamily="49" charset="0"/>
+              </a:rPr>
+              <a:t>};</a:t>
+            </a:r>
+          </a:p>
+          <a:p>
+            <a:br>
+              <a:rPr lang="en-US" altLang="ko-KR" dirty="0">
+                <a:latin typeface="DM Mono" panose="020B0509040201040103" pitchFamily="49" charset="0"/>
+              </a:rPr>
+            </a:br>
+            <a:endParaRPr lang="en-US" altLang="ko-KR" dirty="0">
+              <a:latin typeface="DM Mono" panose="020B0509040201040103" pitchFamily="49" charset="0"/>
+            </a:endParaRPr>
+          </a:p>
+          <a:p>
+            <a:r>
+              <a:rPr lang="en-US" altLang="ko-KR" dirty="0">
+                <a:latin typeface="DM Mono" panose="020B0509040201040103" pitchFamily="49" charset="0"/>
+              </a:rPr>
+              <a:t>class Dog</a:t>
+            </a:r>
+          </a:p>
+          <a:p>
+            <a:r>
+              <a:rPr lang="en-US" altLang="ko-KR" dirty="0">
+                <a:latin typeface="DM Mono" panose="020B0509040201040103" pitchFamily="49" charset="0"/>
+              </a:rPr>
+              <a:t>{</a:t>
+            </a:r>
+          </a:p>
+          <a:p>
+            <a:r>
+              <a:rPr lang="en-US" altLang="ko-KR" dirty="0">
+                <a:latin typeface="DM Mono" panose="020B0509040201040103" pitchFamily="49" charset="0"/>
+              </a:rPr>
+              <a:t>int age;</a:t>
+            </a:r>
+          </a:p>
+          <a:p>
+            <a:r>
+              <a:rPr lang="en-US" altLang="ko-KR" dirty="0">
+                <a:latin typeface="DM Mono" panose="020B0509040201040103" pitchFamily="49" charset="0"/>
+              </a:rPr>
+              <a:t>int color;</a:t>
+            </a:r>
+          </a:p>
+          <a:p>
+            <a:r>
+              <a:rPr lang="en-US" altLang="ko-KR" dirty="0">
+                <a:latin typeface="DM Mono" panose="020B0509040201040103" pitchFamily="49" charset="0"/>
+              </a:rPr>
+              <a:t>};</a:t>
+            </a:r>
+          </a:p>
+          <a:p>
+            <a:br>
+              <a:rPr lang="en-US" altLang="ko-KR" dirty="0">
+                <a:latin typeface="DM Mono" panose="020B0509040201040103" pitchFamily="49" charset="0"/>
+              </a:rPr>
+            </a:br>
+            <a:endParaRPr lang="en-US" altLang="ko-KR" dirty="0">
+              <a:latin typeface="DM Mono" panose="020B0509040201040103" pitchFamily="49" charset="0"/>
+            </a:endParaRPr>
+          </a:p>
+          <a:p>
+            <a:r>
+              <a:rPr lang="en-US" altLang="ko-KR" dirty="0">
+                <a:latin typeface="DM Mono" panose="020B0509040201040103" pitchFamily="49" charset="0"/>
+              </a:rPr>
+              <a:t>class Cat</a:t>
+            </a:r>
+          </a:p>
+          <a:p>
+            <a:r>
+              <a:rPr lang="en-US" altLang="ko-KR" dirty="0">
+                <a:latin typeface="DM Mono" panose="020B0509040201040103" pitchFamily="49" charset="0"/>
+              </a:rPr>
+              <a:t>{</a:t>
+            </a:r>
+          </a:p>
+          <a:p>
+            <a:r>
+              <a:rPr lang="en-US" altLang="ko-KR" dirty="0">
+                <a:latin typeface="DM Mono" panose="020B0509040201040103" pitchFamily="49" charset="0"/>
+              </a:rPr>
+              <a:t>int age;</a:t>
+            </a:r>
+          </a:p>
+          <a:p>
+            <a:r>
+              <a:rPr lang="en-US" altLang="ko-KR" dirty="0">
+                <a:latin typeface="DM Mono" panose="020B0509040201040103" pitchFamily="49" charset="0"/>
+              </a:rPr>
+              <a:t>string name;</a:t>
+            </a:r>
+          </a:p>
+          <a:p>
+            <a:r>
+              <a:rPr lang="en-US" altLang="ko-KR" dirty="0">
+                <a:latin typeface="DM Mono" panose="020B0509040201040103" pitchFamily="49" charset="0"/>
+              </a:rPr>
+              <a:t>};</a:t>
+            </a:r>
+          </a:p>
+        </p:txBody>
+      </p:sp>
+      <p:sp>
+        <p:nvSpPr>
+          <p:cNvPr id="2" name="직사각형 1">
+            <a:extLst>
+              <a:ext uri="{FF2B5EF4-FFF2-40B4-BE49-F238E27FC236}">
+                <a16:creationId xmlns:a16="http://schemas.microsoft.com/office/drawing/2014/main" id="{11AE757C-362A-02DA-5302-15E9B12EF192}"/>
+              </a:ext>
+            </a:extLst>
+          </p:cNvPr>
+          <p:cNvSpPr/>
+          <p:nvPr/>
+        </p:nvSpPr>
+        <p:spPr>
+          <a:xfrm>
+            <a:off x="9949380" y="2776588"/>
+            <a:ext cx="1036321" cy="545858"/>
+          </a:xfrm>
+          <a:prstGeom prst="rect">
+            <a:avLst/>
+          </a:prstGeom>
+          <a:solidFill>
+            <a:srgbClr val="FFFF00"/>
+          </a:solidFill>
+        </p:spPr>
+        <p:style>
+          <a:lnRef idx="2">
+            <a:schemeClr val="accent1">
+              <a:shade val="15000"/>
+            </a:schemeClr>
+          </a:lnRef>
+          <a:fillRef idx="1">
+            <a:schemeClr val="accent1"/>
+          </a:fillRef>
+          <a:effectRef idx="0">
+            <a:schemeClr val="accent1"/>
+          </a:effectRef>
+          <a:fontRef idx="minor">
+            <a:schemeClr val="lt1"/>
+          </a:fontRef>
+        </p:style>
+        <p:txBody>
+          <a:bodyPr rtlCol="0" anchor="ctr"/>
+          <a:lstStyle/>
+          <a:p>
+            <a:pPr algn="ctr"/>
+            <a:endParaRPr kumimoji="1" lang="ko-KR" altLang="en-US" sz="1400" dirty="0">
+              <a:solidFill>
+                <a:schemeClr val="tx1"/>
+              </a:solidFill>
+              <a:latin typeface="DM Mono" panose="020B0509040201040103" pitchFamily="49" charset="0"/>
+            </a:endParaRPr>
+          </a:p>
+        </p:txBody>
+      </p:sp>
+      <p:sp>
+        <p:nvSpPr>
+          <p:cNvPr id="3" name="직사각형 2">
+            <a:extLst>
+              <a:ext uri="{FF2B5EF4-FFF2-40B4-BE49-F238E27FC236}">
+                <a16:creationId xmlns:a16="http://schemas.microsoft.com/office/drawing/2014/main" id="{A89D77A1-AD94-2DC7-7744-E0E802A2C37F}"/>
+              </a:ext>
+            </a:extLst>
+          </p:cNvPr>
+          <p:cNvSpPr/>
+          <p:nvPr/>
+        </p:nvSpPr>
+        <p:spPr>
+          <a:xfrm>
+            <a:off x="9949380" y="3322446"/>
+            <a:ext cx="1036321" cy="545858"/>
+          </a:xfrm>
+          <a:prstGeom prst="rect">
+            <a:avLst/>
+          </a:prstGeom>
+          <a:solidFill>
+            <a:srgbClr val="FFFF00"/>
+          </a:solidFill>
+        </p:spPr>
+        <p:style>
+          <a:lnRef idx="2">
+            <a:schemeClr val="accent1">
+              <a:shade val="15000"/>
+            </a:schemeClr>
+          </a:lnRef>
+          <a:fillRef idx="1">
+            <a:schemeClr val="accent1"/>
+          </a:fillRef>
+          <a:effectRef idx="0">
+            <a:schemeClr val="accent1"/>
+          </a:effectRef>
+          <a:fontRef idx="minor">
+            <a:schemeClr val="lt1"/>
+          </a:fontRef>
+        </p:style>
+        <p:txBody>
+          <a:bodyPr rtlCol="0" anchor="ctr"/>
+          <a:lstStyle/>
+          <a:p>
+            <a:pPr algn="ctr"/>
+            <a:endParaRPr kumimoji="1" lang="ko-KR" altLang="en-US" sz="1400" dirty="0">
+              <a:solidFill>
+                <a:schemeClr val="tx1"/>
+              </a:solidFill>
+              <a:latin typeface="DM Mono" panose="020B0509040201040103" pitchFamily="49" charset="0"/>
+            </a:endParaRPr>
+          </a:p>
+        </p:txBody>
+      </p:sp>
+      <p:sp>
+        <p:nvSpPr>
+          <p:cNvPr id="5" name="직사각형 4">
+            <a:extLst>
+              <a:ext uri="{FF2B5EF4-FFF2-40B4-BE49-F238E27FC236}">
+                <a16:creationId xmlns:a16="http://schemas.microsoft.com/office/drawing/2014/main" id="{325631DA-3BCA-911E-D587-407A014A35FE}"/>
+              </a:ext>
+            </a:extLst>
+          </p:cNvPr>
+          <p:cNvSpPr/>
+          <p:nvPr/>
+        </p:nvSpPr>
+        <p:spPr>
+          <a:xfrm>
+            <a:off x="9017177" y="2776588"/>
+            <a:ext cx="932204" cy="545858"/>
+          </a:xfrm>
+          <a:prstGeom prst="rect">
+            <a:avLst/>
+          </a:prstGeom>
+          <a:solidFill>
+            <a:schemeClr val="bg1"/>
+          </a:solidFill>
+          <a:ln>
+            <a:noFill/>
+          </a:ln>
+        </p:spPr>
+        <p:style>
+          <a:lnRef idx="2">
+            <a:schemeClr val="accent1">
+              <a:shade val="15000"/>
+            </a:schemeClr>
+          </a:lnRef>
+          <a:fillRef idx="1">
+            <a:schemeClr val="accent1"/>
+          </a:fillRef>
+          <a:effectRef idx="0">
+            <a:schemeClr val="accent1"/>
+          </a:effectRef>
+          <a:fontRef idx="minor">
+            <a:schemeClr val="lt1"/>
+          </a:fontRef>
+        </p:style>
+        <p:txBody>
+          <a:bodyPr rtlCol="0" anchor="ctr"/>
+          <a:lstStyle/>
+          <a:p>
+            <a:pPr algn="r"/>
+            <a:r>
+              <a:rPr kumimoji="1" lang="en-US" altLang="ko-KR" sz="1400" dirty="0">
+                <a:solidFill>
+                  <a:schemeClr val="tx1"/>
+                </a:solidFill>
+                <a:latin typeface="DM Mono" panose="020B0509040201040103" pitchFamily="49" charset="0"/>
+              </a:rPr>
+              <a:t>age</a:t>
+            </a:r>
+            <a:endParaRPr kumimoji="1" lang="ko-KR" altLang="en-US" sz="1400" dirty="0">
+              <a:solidFill>
+                <a:schemeClr val="tx1"/>
+              </a:solidFill>
+              <a:latin typeface="DM Mono" panose="020B0509040201040103" pitchFamily="49" charset="0"/>
+            </a:endParaRPr>
+          </a:p>
+        </p:txBody>
+      </p:sp>
+      <p:sp>
+        <p:nvSpPr>
+          <p:cNvPr id="7" name="직사각형 6">
+            <a:extLst>
+              <a:ext uri="{FF2B5EF4-FFF2-40B4-BE49-F238E27FC236}">
+                <a16:creationId xmlns:a16="http://schemas.microsoft.com/office/drawing/2014/main" id="{CD8916BA-50D5-569E-ECF7-B74E0814A24B}"/>
+              </a:ext>
+            </a:extLst>
+          </p:cNvPr>
+          <p:cNvSpPr/>
+          <p:nvPr/>
+        </p:nvSpPr>
+        <p:spPr>
+          <a:xfrm>
+            <a:off x="9017177" y="3322446"/>
+            <a:ext cx="932204" cy="545858"/>
+          </a:xfrm>
+          <a:prstGeom prst="rect">
+            <a:avLst/>
+          </a:prstGeom>
+          <a:solidFill>
+            <a:schemeClr val="bg1"/>
+          </a:solidFill>
+          <a:ln>
+            <a:noFill/>
+          </a:ln>
+        </p:spPr>
+        <p:style>
+          <a:lnRef idx="2">
+            <a:schemeClr val="accent1">
+              <a:shade val="15000"/>
+            </a:schemeClr>
+          </a:lnRef>
+          <a:fillRef idx="1">
+            <a:schemeClr val="accent1"/>
+          </a:fillRef>
+          <a:effectRef idx="0">
+            <a:schemeClr val="accent1"/>
+          </a:effectRef>
+          <a:fontRef idx="minor">
+            <a:schemeClr val="lt1"/>
+          </a:fontRef>
+        </p:style>
+        <p:txBody>
+          <a:bodyPr rtlCol="0" anchor="ctr"/>
+          <a:lstStyle/>
+          <a:p>
+            <a:pPr algn="r"/>
+            <a:r>
+              <a:rPr kumimoji="1" lang="en-US" altLang="ko-KR" sz="1400" dirty="0">
+                <a:solidFill>
+                  <a:schemeClr val="tx1"/>
+                </a:solidFill>
+                <a:latin typeface="DM Mono" panose="020B0509040201040103" pitchFamily="49" charset="0"/>
+              </a:rPr>
+              <a:t>name</a:t>
+            </a:r>
+            <a:endParaRPr kumimoji="1" lang="ko-KR" altLang="en-US" sz="1400" dirty="0">
+              <a:solidFill>
+                <a:schemeClr val="tx1"/>
+              </a:solidFill>
+              <a:latin typeface="DM Mono" panose="020B0509040201040103" pitchFamily="49" charset="0"/>
+            </a:endParaRPr>
+          </a:p>
+        </p:txBody>
+      </p:sp>
+      <p:sp>
+        <p:nvSpPr>
+          <p:cNvPr id="14" name="TextBox 13">
+            <a:extLst>
+              <a:ext uri="{FF2B5EF4-FFF2-40B4-BE49-F238E27FC236}">
+                <a16:creationId xmlns:a16="http://schemas.microsoft.com/office/drawing/2014/main" id="{134C3EB4-8ECD-538A-B523-F7D56C12F1A0}"/>
+              </a:ext>
+            </a:extLst>
+          </p:cNvPr>
+          <p:cNvSpPr txBox="1"/>
+          <p:nvPr/>
+        </p:nvSpPr>
+        <p:spPr>
+          <a:xfrm>
+            <a:off x="9942839" y="2436797"/>
+            <a:ext cx="1036321" cy="307777"/>
+          </a:xfrm>
+          <a:prstGeom prst="rect">
+            <a:avLst/>
+          </a:prstGeom>
+          <a:noFill/>
+        </p:spPr>
+        <p:txBody>
+          <a:bodyPr wrap="square">
+            <a:spAutoFit/>
+          </a:bodyPr>
+          <a:lstStyle/>
+          <a:p>
+            <a:pPr algn="ctr"/>
+            <a:r>
+              <a:rPr lang="en-US" altLang="ko-KR" sz="1400" b="0" dirty="0">
+                <a:effectLst/>
+                <a:latin typeface="DM Mono" panose="020B0509040201040103" pitchFamily="49" charset="0"/>
+              </a:rPr>
+              <a:t>cat</a:t>
+            </a:r>
+            <a:endParaRPr lang="ko-KR" altLang="en-US" sz="1400" dirty="0"/>
+          </a:p>
+        </p:txBody>
+      </p:sp>
+    </p:spTree>
+    <p:extLst>
+      <p:ext uri="{BB962C8B-B14F-4D97-AF65-F5344CB8AC3E}">
+        <p14:creationId xmlns:p14="http://schemas.microsoft.com/office/powerpoint/2010/main" val="2437960923"/>
       </p:ext>
     </p:extLst>
   </p:cSld>
